--- a/Document/WebJava中級_発表資料.pptx
+++ b/Document/WebJava中級_発表資料.pptx
@@ -13,8 +13,9 @@
     <p:sldId id="261" r:id="rId7"/>
     <p:sldId id="262" r:id="rId8"/>
     <p:sldId id="263" r:id="rId9"/>
-    <p:sldId id="264" r:id="rId10"/>
-    <p:sldId id="265" r:id="rId11"/>
+    <p:sldId id="266" r:id="rId10"/>
+    <p:sldId id="264" r:id="rId11"/>
+    <p:sldId id="265" r:id="rId12"/>
   </p:sldIdLst>
   <p:sldSz cx="12192000" cy="6858000"/>
   <p:notesSz cx="6858000" cy="9144000"/>
@@ -113,6 +114,11 @@
       </a:defRPr>
     </a:lvl9pPr>
   </p:defaultTextStyle>
+  <p:extLst>
+    <p:ext uri="{EFAFB233-063F-42B5-8137-9DF3F51BA10A}">
+      <p15:sldGuideLst xmlns:p15="http://schemas.microsoft.com/office/powerpoint/2012/main"/>
+    </p:ext>
+  </p:extLst>
 </p:presentation>
 </file>
 
@@ -3971,7 +3977,35 @@
                 <a:latin typeface="Meiryo UI" panose="020B0604030504040204" pitchFamily="50" charset="-128"/>
                 <a:ea typeface="Meiryo UI" panose="020B0604030504040204" pitchFamily="50" charset="-128"/>
               </a:rPr>
-              <a:t>発表資料（中嶋豊）</a:t>
+              <a:t>発表資料</a:t>
+            </a:r>
+            <a:r>
+              <a:rPr kumimoji="1" lang="ja-JP" altLang="en-US" sz="4400" dirty="0" smtClean="0">
+                <a:latin typeface="Meiryo UI" panose="020B0604030504040204" pitchFamily="50" charset="-128"/>
+                <a:ea typeface="Meiryo UI" panose="020B0604030504040204" pitchFamily="50" charset="-128"/>
+              </a:rPr>
+              <a:t>（</a:t>
+            </a:r>
+            <a:r>
+              <a:rPr kumimoji="1" lang="en-US" altLang="ja-JP" sz="4400" dirty="0" smtClean="0">
+                <a:latin typeface="Meiryo UI" panose="020B0604030504040204" pitchFamily="50" charset="-128"/>
+                <a:ea typeface="Meiryo UI" panose="020B0604030504040204" pitchFamily="50" charset="-128"/>
+              </a:rPr>
+              <a:t>PS2</a:t>
+            </a:r>
+            <a:r>
+              <a:rPr kumimoji="1" lang="ja-JP" altLang="en-US" sz="4400" smtClean="0">
+                <a:latin typeface="Meiryo UI" panose="020B0604030504040204" pitchFamily="50" charset="-128"/>
+                <a:ea typeface="Meiryo UI" panose="020B0604030504040204" pitchFamily="50" charset="-128"/>
+              </a:rPr>
+              <a:t>部 中嶋</a:t>
+            </a:r>
+            <a:r>
+              <a:rPr kumimoji="1" lang="ja-JP" altLang="en-US" sz="4400" dirty="0" smtClean="0">
+                <a:latin typeface="Meiryo UI" panose="020B0604030504040204" pitchFamily="50" charset="-128"/>
+                <a:ea typeface="Meiryo UI" panose="020B0604030504040204" pitchFamily="50" charset="-128"/>
+              </a:rPr>
+              <a:t>豊）</a:t>
             </a:r>
             <a:endParaRPr kumimoji="1" lang="en-US" altLang="ja-JP" sz="4400" dirty="0" smtClean="0">
               <a:latin typeface="Meiryo UI" panose="020B0604030504040204" pitchFamily="50" charset="-128"/>
@@ -4004,6 +4038,13 @@
   <p:clrMapOvr>
     <a:masterClrMapping/>
   </p:clrMapOvr>
+  <p:timing>
+    <p:tnLst>
+      <p:par>
+        <p:cTn id="1" dur="indefinite" restart="never" nodeType="tmRoot"/>
+      </p:par>
+    </p:tnLst>
+  </p:timing>
 </p:sld>
 </file>
 
@@ -4044,3969 +4085,6 @@
                 <a:latin typeface="Meiryo UI" panose="020B0604030504040204" pitchFamily="50" charset="-128"/>
                 <a:ea typeface="Meiryo UI" panose="020B0604030504040204" pitchFamily="50" charset="-128"/>
               </a:rPr>
-              <a:t>まとめ</a:t>
-            </a:r>
-            <a:endParaRPr kumimoji="1" lang="ja-JP" altLang="en-US" dirty="0">
-              <a:latin typeface="Meiryo UI" panose="020B0604030504040204" pitchFamily="50" charset="-128"/>
-              <a:ea typeface="Meiryo UI" panose="020B0604030504040204" pitchFamily="50" charset="-128"/>
-            </a:endParaRPr>
-          </a:p>
-        </p:txBody>
-      </p:sp>
-      <p:sp>
-        <p:nvSpPr>
-          <p:cNvPr id="3" name="コンテンツ プレースホルダー 2"/>
-          <p:cNvSpPr>
-            <a:spLocks noGrp="1"/>
-          </p:cNvSpPr>
-          <p:nvPr>
-            <p:ph idx="1"/>
-          </p:nvPr>
-        </p:nvSpPr>
-        <p:spPr>
-          <a:xfrm>
-            <a:off x="1534695" y="2015732"/>
-            <a:ext cx="9969445" cy="3450613"/>
-          </a:xfrm>
-        </p:spPr>
-        <p:txBody>
-          <a:bodyPr>
-            <a:normAutofit/>
-          </a:bodyPr>
-          <a:lstStyle/>
-          <a:p>
-            <a:r>
-              <a:rPr kumimoji="1" lang="ja-JP" altLang="en-US" sz="2400" dirty="0" smtClean="0">
-                <a:latin typeface="Meiryo UI" panose="020B0604030504040204" pitchFamily="50" charset="-128"/>
-                <a:ea typeface="Meiryo UI" panose="020B0604030504040204" pitchFamily="50" charset="-128"/>
-              </a:rPr>
-              <a:t>通常の業務では使用しないものなど、新たな発見があり参加して良かったです。</a:t>
-            </a:r>
-            <a:endParaRPr kumimoji="1" lang="en-US" altLang="ja-JP" sz="2400" dirty="0" smtClean="0">
-              <a:latin typeface="Meiryo UI" panose="020B0604030504040204" pitchFamily="50" charset="-128"/>
-              <a:ea typeface="Meiryo UI" panose="020B0604030504040204" pitchFamily="50" charset="-128"/>
-            </a:endParaRPr>
-          </a:p>
-          <a:p>
-            <a:r>
-              <a:rPr lang="ja-JP" altLang="en-US" sz="2400" dirty="0" smtClean="0">
-                <a:latin typeface="Meiryo UI" panose="020B0604030504040204" pitchFamily="50" charset="-128"/>
-                <a:ea typeface="Meiryo UI" panose="020B0604030504040204" pitchFamily="50" charset="-128"/>
-              </a:rPr>
-              <a:t>作業する時間が厳しい状況にあったため、目標とするところまで届かなかったです。</a:t>
-            </a:r>
-            <a:r>
-              <a:rPr lang="en-US" altLang="ja-JP" sz="2400" dirty="0" smtClean="0">
-                <a:latin typeface="Meiryo UI" panose="020B0604030504040204" pitchFamily="50" charset="-128"/>
-                <a:ea typeface="Meiryo UI" panose="020B0604030504040204" pitchFamily="50" charset="-128"/>
-              </a:rPr>
-              <a:t/>
-            </a:r>
-            <a:br>
-              <a:rPr lang="en-US" altLang="ja-JP" sz="2400" dirty="0" smtClean="0">
-                <a:latin typeface="Meiryo UI" panose="020B0604030504040204" pitchFamily="50" charset="-128"/>
-                <a:ea typeface="Meiryo UI" panose="020B0604030504040204" pitchFamily="50" charset="-128"/>
-              </a:rPr>
-            </a:br>
-            <a:r>
-              <a:rPr lang="ja-JP" altLang="en-US" sz="2400" dirty="0" smtClean="0">
-                <a:latin typeface="Meiryo UI" panose="020B0604030504040204" pitchFamily="50" charset="-128"/>
-                <a:ea typeface="Meiryo UI" panose="020B0604030504040204" pitchFamily="50" charset="-128"/>
-              </a:rPr>
-              <a:t>そのため、次回の開催からは、極力自宅での作業時間を減らして作業が進むように考えて頂きたいです。</a:t>
-            </a:r>
-            <a:endParaRPr lang="en-US" altLang="ja-JP" sz="2400" dirty="0" smtClean="0">
-              <a:latin typeface="Meiryo UI" panose="020B0604030504040204" pitchFamily="50" charset="-128"/>
-              <a:ea typeface="Meiryo UI" panose="020B0604030504040204" pitchFamily="50" charset="-128"/>
-            </a:endParaRPr>
-          </a:p>
-        </p:txBody>
-      </p:sp>
-    </p:spTree>
-    <p:extLst>
-      <p:ext uri="{BB962C8B-B14F-4D97-AF65-F5344CB8AC3E}">
-        <p14:creationId xmlns:p14="http://schemas.microsoft.com/office/powerpoint/2010/main" val="3177157045"/>
-      </p:ext>
-    </p:extLst>
-  </p:cSld>
-  <p:clrMapOvr>
-    <a:masterClrMapping/>
-  </p:clrMapOvr>
-</p:sld>
-</file>
-
-<file path=ppt/slides/slide2.xml><?xml version="1.0" encoding="utf-8"?>
-<p:sld xmlns:a="http://schemas.openxmlformats.org/drawingml/2006/main" xmlns:r="http://schemas.openxmlformats.org/officeDocument/2006/relationships" xmlns:p="http://schemas.openxmlformats.org/presentationml/2006/main">
-  <p:cSld>
-    <p:spTree>
-      <p:nvGrpSpPr>
-        <p:cNvPr id="1" name=""/>
-        <p:cNvGrpSpPr/>
-        <p:nvPr/>
-      </p:nvGrpSpPr>
-      <p:grpSpPr>
-        <a:xfrm>
-          <a:off x="0" y="0"/>
-          <a:ext cx="0" cy="0"/>
-          <a:chOff x="0" y="0"/>
-          <a:chExt cx="0" cy="0"/>
-        </a:xfrm>
-      </p:grpSpPr>
-      <p:sp>
-        <p:nvSpPr>
-          <p:cNvPr id="2" name="タイトル 1"/>
-          <p:cNvSpPr>
-            <a:spLocks noGrp="1"/>
-          </p:cNvSpPr>
-          <p:nvPr>
-            <p:ph type="title"/>
-          </p:nvPr>
-        </p:nvSpPr>
-        <p:spPr/>
-        <p:txBody>
-          <a:bodyPr/>
-          <a:lstStyle/>
-          <a:p>
-            <a:r>
-              <a:rPr kumimoji="1" lang="ja-JP" altLang="en-US" dirty="0" smtClean="0">
-                <a:latin typeface="Meiryo UI" panose="020B0604030504040204" pitchFamily="50" charset="-128"/>
-                <a:ea typeface="Meiryo UI" panose="020B0604030504040204" pitchFamily="50" charset="-128"/>
-              </a:rPr>
-              <a:t>全体構成</a:t>
-            </a:r>
-            <a:endParaRPr kumimoji="1" lang="ja-JP" altLang="en-US" dirty="0">
-              <a:latin typeface="Meiryo UI" panose="020B0604030504040204" pitchFamily="50" charset="-128"/>
-              <a:ea typeface="Meiryo UI" panose="020B0604030504040204" pitchFamily="50" charset="-128"/>
-            </a:endParaRPr>
-          </a:p>
-        </p:txBody>
-      </p:sp>
-      <p:sp>
-        <p:nvSpPr>
-          <p:cNvPr id="3" name="正方形/長方形 2"/>
-          <p:cNvSpPr/>
-          <p:nvPr/>
-        </p:nvSpPr>
-        <p:spPr>
-          <a:xfrm>
-            <a:off x="1534696" y="2298357"/>
-            <a:ext cx="9617008" cy="3247679"/>
-          </a:xfrm>
-          <a:prstGeom prst="rect">
-            <a:avLst/>
-          </a:prstGeom>
-          <a:noFill/>
-          <a:ln w="22225">
-            <a:solidFill>
-              <a:schemeClr val="tx1"/>
-            </a:solidFill>
-          </a:ln>
-        </p:spPr>
-        <p:style>
-          <a:lnRef idx="2">
-            <a:schemeClr val="accent1">
-              <a:shade val="50000"/>
-            </a:schemeClr>
-          </a:lnRef>
-          <a:fillRef idx="1">
-            <a:schemeClr val="accent1"/>
-          </a:fillRef>
-          <a:effectRef idx="0">
-            <a:schemeClr val="accent1"/>
-          </a:effectRef>
-          <a:fontRef idx="minor">
-            <a:schemeClr val="lt1"/>
-          </a:fontRef>
-        </p:style>
-        <p:txBody>
-          <a:bodyPr rtlCol="0" anchor="ctr"/>
-          <a:lstStyle/>
-          <a:p>
-            <a:pPr algn="ctr"/>
-            <a:endParaRPr kumimoji="1" lang="ja-JP" altLang="en-US"/>
-          </a:p>
-        </p:txBody>
-      </p:sp>
-      <p:sp>
-        <p:nvSpPr>
-          <p:cNvPr id="5" name="正方形/長方形 4"/>
-          <p:cNvSpPr/>
-          <p:nvPr/>
-        </p:nvSpPr>
-        <p:spPr>
-          <a:xfrm>
-            <a:off x="1534696" y="2292185"/>
-            <a:ext cx="9617008" cy="334112"/>
-          </a:xfrm>
-          <a:prstGeom prst="rect">
-            <a:avLst/>
-          </a:prstGeom>
-          <a:noFill/>
-          <a:ln w="22225">
-            <a:noFill/>
-          </a:ln>
-        </p:spPr>
-        <p:style>
-          <a:lnRef idx="2">
-            <a:schemeClr val="accent1">
-              <a:shade val="50000"/>
-            </a:schemeClr>
-          </a:lnRef>
-          <a:fillRef idx="1">
-            <a:schemeClr val="accent1"/>
-          </a:fillRef>
-          <a:effectRef idx="0">
-            <a:schemeClr val="accent1"/>
-          </a:effectRef>
-          <a:fontRef idx="minor">
-            <a:schemeClr val="lt1"/>
-          </a:fontRef>
-        </p:style>
-        <p:txBody>
-          <a:bodyPr rtlCol="0" anchor="ctr"/>
-          <a:lstStyle/>
-          <a:p>
-            <a:pPr algn="ctr"/>
-            <a:r>
-              <a:rPr kumimoji="1" lang="en-US" altLang="ja-JP" dirty="0">
-                <a:solidFill>
-                  <a:schemeClr val="tx1"/>
-                </a:solidFill>
-                <a:latin typeface="Meiryo UI" panose="020B0604030504040204" pitchFamily="50" charset="-128"/>
-                <a:ea typeface="Meiryo UI" panose="020B0604030504040204" pitchFamily="50" charset="-128"/>
-              </a:rPr>
-              <a:t>PCK-136-290</a:t>
-            </a:r>
-            <a:endParaRPr kumimoji="1" lang="ja-JP" altLang="en-US" dirty="0">
-              <a:solidFill>
-                <a:schemeClr val="tx1"/>
-              </a:solidFill>
-              <a:latin typeface="Meiryo UI" panose="020B0604030504040204" pitchFamily="50" charset="-128"/>
-              <a:ea typeface="Meiryo UI" panose="020B0604030504040204" pitchFamily="50" charset="-128"/>
-            </a:endParaRPr>
-          </a:p>
-        </p:txBody>
-      </p:sp>
-      <p:sp>
-        <p:nvSpPr>
-          <p:cNvPr id="9" name="正方形/長方形 8"/>
-          <p:cNvSpPr/>
-          <p:nvPr/>
-        </p:nvSpPr>
-        <p:spPr>
-          <a:xfrm>
-            <a:off x="8752122" y="3991471"/>
-            <a:ext cx="2061120" cy="1297700"/>
-          </a:xfrm>
-          <a:prstGeom prst="rect">
-            <a:avLst/>
-          </a:prstGeom>
-          <a:solidFill>
-            <a:schemeClr val="bg1"/>
-          </a:solidFill>
-          <a:ln w="22225">
-            <a:solidFill>
-              <a:schemeClr val="tx1"/>
-            </a:solidFill>
-          </a:ln>
-        </p:spPr>
-        <p:style>
-          <a:lnRef idx="2">
-            <a:schemeClr val="accent1">
-              <a:shade val="50000"/>
-            </a:schemeClr>
-          </a:lnRef>
-          <a:fillRef idx="1">
-            <a:schemeClr val="accent1"/>
-          </a:fillRef>
-          <a:effectRef idx="0">
-            <a:schemeClr val="accent1"/>
-          </a:effectRef>
-          <a:fontRef idx="minor">
-            <a:schemeClr val="lt1"/>
-          </a:fontRef>
-        </p:style>
-        <p:txBody>
-          <a:bodyPr rtlCol="0" anchor="ctr"/>
-          <a:lstStyle/>
-          <a:p>
-            <a:pPr algn="ctr"/>
-            <a:endParaRPr kumimoji="1" lang="ja-JP" altLang="en-US"/>
-          </a:p>
-        </p:txBody>
-      </p:sp>
-      <p:sp>
-        <p:nvSpPr>
-          <p:cNvPr id="10" name="正方形/長方形 9"/>
-          <p:cNvSpPr/>
-          <p:nvPr/>
-        </p:nvSpPr>
-        <p:spPr>
-          <a:xfrm>
-            <a:off x="8752122" y="3991471"/>
-            <a:ext cx="2061120" cy="334112"/>
-          </a:xfrm>
-          <a:prstGeom prst="rect">
-            <a:avLst/>
-          </a:prstGeom>
-          <a:noFill/>
-          <a:ln w="22225">
-            <a:noFill/>
-          </a:ln>
-        </p:spPr>
-        <p:style>
-          <a:lnRef idx="2">
-            <a:schemeClr val="accent1">
-              <a:shade val="50000"/>
-            </a:schemeClr>
-          </a:lnRef>
-          <a:fillRef idx="1">
-            <a:schemeClr val="accent1"/>
-          </a:fillRef>
-          <a:effectRef idx="0">
-            <a:schemeClr val="accent1"/>
-          </a:effectRef>
-          <a:fontRef idx="minor">
-            <a:schemeClr val="lt1"/>
-          </a:fontRef>
-        </p:style>
-        <p:txBody>
-          <a:bodyPr rtlCol="0" anchor="ctr"/>
-          <a:lstStyle/>
-          <a:p>
-            <a:pPr algn="ctr"/>
-            <a:r>
-              <a:rPr kumimoji="1" lang="en-US" altLang="ja-JP" dirty="0" smtClean="0">
-                <a:solidFill>
-                  <a:schemeClr val="tx1"/>
-                </a:solidFill>
-                <a:latin typeface="Meiryo UI" panose="020B0604030504040204" pitchFamily="50" charset="-128"/>
-                <a:ea typeface="Meiryo UI" panose="020B0604030504040204" pitchFamily="50" charset="-128"/>
-              </a:rPr>
-              <a:t>MySQL</a:t>
-            </a:r>
-            <a:endParaRPr kumimoji="1" lang="ja-JP" altLang="en-US" dirty="0">
-              <a:solidFill>
-                <a:schemeClr val="tx1"/>
-              </a:solidFill>
-              <a:latin typeface="Meiryo UI" panose="020B0604030504040204" pitchFamily="50" charset="-128"/>
-              <a:ea typeface="Meiryo UI" panose="020B0604030504040204" pitchFamily="50" charset="-128"/>
-            </a:endParaRPr>
-          </a:p>
-        </p:txBody>
-      </p:sp>
-      <p:cxnSp>
-        <p:nvCxnSpPr>
-          <p:cNvPr id="12" name="直線矢印コネクタ 11"/>
-          <p:cNvCxnSpPr/>
-          <p:nvPr/>
-        </p:nvCxnSpPr>
-        <p:spPr>
-          <a:xfrm>
-            <a:off x="3904736" y="4404826"/>
-            <a:ext cx="1421265" cy="239"/>
-          </a:xfrm>
-          <a:prstGeom prst="straightConnector1">
-            <a:avLst/>
-          </a:prstGeom>
-          <a:ln w="22225">
-            <a:solidFill>
-              <a:schemeClr val="tx1"/>
-            </a:solidFill>
-            <a:tailEnd type="triangle" w="lg" len="lg"/>
-          </a:ln>
-        </p:spPr>
-        <p:style>
-          <a:lnRef idx="1">
-            <a:schemeClr val="accent1"/>
-          </a:lnRef>
-          <a:fillRef idx="0">
-            <a:schemeClr val="accent1"/>
-          </a:fillRef>
-          <a:effectRef idx="0">
-            <a:schemeClr val="accent1"/>
-          </a:effectRef>
-          <a:fontRef idx="minor">
-            <a:schemeClr val="tx1"/>
-          </a:fontRef>
-        </p:style>
-      </p:cxnSp>
-      <p:cxnSp>
-        <p:nvCxnSpPr>
-          <p:cNvPr id="14" name="直線矢印コネクタ 13"/>
-          <p:cNvCxnSpPr/>
-          <p:nvPr/>
-        </p:nvCxnSpPr>
-        <p:spPr>
-          <a:xfrm>
-            <a:off x="7390194" y="4349937"/>
-            <a:ext cx="1361928" cy="0"/>
-          </a:xfrm>
-          <a:prstGeom prst="straightConnector1">
-            <a:avLst/>
-          </a:prstGeom>
-          <a:ln w="22225">
-            <a:solidFill>
-              <a:schemeClr val="tx1"/>
-            </a:solidFill>
-            <a:tailEnd type="triangle" w="lg" len="lg"/>
-          </a:ln>
-        </p:spPr>
-        <p:style>
-          <a:lnRef idx="1">
-            <a:schemeClr val="accent1"/>
-          </a:lnRef>
-          <a:fillRef idx="0">
-            <a:schemeClr val="accent1"/>
-          </a:fillRef>
-          <a:effectRef idx="0">
-            <a:schemeClr val="accent1"/>
-          </a:effectRef>
-          <a:fontRef idx="minor">
-            <a:schemeClr val="tx1"/>
-          </a:fontRef>
-        </p:style>
-      </p:cxnSp>
-      <p:sp>
-        <p:nvSpPr>
-          <p:cNvPr id="17" name="正方形/長方形 16"/>
-          <p:cNvSpPr/>
-          <p:nvPr/>
-        </p:nvSpPr>
-        <p:spPr>
-          <a:xfrm>
-            <a:off x="3612941" y="4077551"/>
-            <a:ext cx="2061120" cy="334112"/>
-          </a:xfrm>
-          <a:prstGeom prst="rect">
-            <a:avLst/>
-          </a:prstGeom>
-          <a:noFill/>
-          <a:ln w="22225">
-            <a:noFill/>
-          </a:ln>
-        </p:spPr>
-        <p:style>
-          <a:lnRef idx="2">
-            <a:schemeClr val="accent1">
-              <a:shade val="50000"/>
-            </a:schemeClr>
-          </a:lnRef>
-          <a:fillRef idx="1">
-            <a:schemeClr val="accent1"/>
-          </a:fillRef>
-          <a:effectRef idx="0">
-            <a:schemeClr val="accent1"/>
-          </a:effectRef>
-          <a:fontRef idx="minor">
-            <a:schemeClr val="lt1"/>
-          </a:fontRef>
-        </p:style>
-        <p:txBody>
-          <a:bodyPr rtlCol="0" anchor="ctr"/>
-          <a:lstStyle/>
-          <a:p>
-            <a:pPr algn="ctr"/>
-            <a:r>
-              <a:rPr kumimoji="1" lang="ja-JP" altLang="en-US" dirty="0" smtClean="0">
-                <a:solidFill>
-                  <a:schemeClr val="tx1"/>
-                </a:solidFill>
-                <a:latin typeface="Meiryo UI" panose="020B0604030504040204" pitchFamily="50" charset="-128"/>
-                <a:ea typeface="Meiryo UI" panose="020B0604030504040204" pitchFamily="50" charset="-128"/>
-              </a:rPr>
-              <a:t>リクエスト</a:t>
-            </a:r>
-            <a:endParaRPr kumimoji="1" lang="ja-JP" altLang="en-US" dirty="0">
-              <a:solidFill>
-                <a:schemeClr val="tx1"/>
-              </a:solidFill>
-              <a:latin typeface="Meiryo UI" panose="020B0604030504040204" pitchFamily="50" charset="-128"/>
-              <a:ea typeface="Meiryo UI" panose="020B0604030504040204" pitchFamily="50" charset="-128"/>
-            </a:endParaRPr>
-          </a:p>
-        </p:txBody>
-      </p:sp>
-      <p:sp>
-        <p:nvSpPr>
-          <p:cNvPr id="18" name="正方形/長方形 17"/>
-          <p:cNvSpPr/>
-          <p:nvPr/>
-        </p:nvSpPr>
-        <p:spPr>
-          <a:xfrm>
-            <a:off x="7068542" y="4040480"/>
-            <a:ext cx="2061120" cy="334112"/>
-          </a:xfrm>
-          <a:prstGeom prst="rect">
-            <a:avLst/>
-          </a:prstGeom>
-          <a:noFill/>
-          <a:ln w="22225">
-            <a:noFill/>
-          </a:ln>
-        </p:spPr>
-        <p:style>
-          <a:lnRef idx="2">
-            <a:schemeClr val="accent1">
-              <a:shade val="50000"/>
-            </a:schemeClr>
-          </a:lnRef>
-          <a:fillRef idx="1">
-            <a:schemeClr val="accent1"/>
-          </a:fillRef>
-          <a:effectRef idx="0">
-            <a:schemeClr val="accent1"/>
-          </a:effectRef>
-          <a:fontRef idx="minor">
-            <a:schemeClr val="lt1"/>
-          </a:fontRef>
-        </p:style>
-        <p:txBody>
-          <a:bodyPr rtlCol="0" anchor="ctr"/>
-          <a:lstStyle/>
-          <a:p>
-            <a:pPr algn="ctr"/>
-            <a:r>
-              <a:rPr kumimoji="1" lang="ja-JP" altLang="en-US" dirty="0" smtClean="0">
-                <a:solidFill>
-                  <a:schemeClr val="tx1"/>
-                </a:solidFill>
-                <a:latin typeface="Meiryo UI" panose="020B0604030504040204" pitchFamily="50" charset="-128"/>
-                <a:ea typeface="Meiryo UI" panose="020B0604030504040204" pitchFamily="50" charset="-128"/>
-              </a:rPr>
-              <a:t>データ取得</a:t>
-            </a:r>
-            <a:endParaRPr kumimoji="1" lang="ja-JP" altLang="en-US" dirty="0">
-              <a:solidFill>
-                <a:schemeClr val="tx1"/>
-              </a:solidFill>
-              <a:latin typeface="Meiryo UI" panose="020B0604030504040204" pitchFamily="50" charset="-128"/>
-              <a:ea typeface="Meiryo UI" panose="020B0604030504040204" pitchFamily="50" charset="-128"/>
-            </a:endParaRPr>
-          </a:p>
-        </p:txBody>
-      </p:sp>
-      <p:cxnSp>
-        <p:nvCxnSpPr>
-          <p:cNvPr id="20" name="直線矢印コネクタ 19"/>
-          <p:cNvCxnSpPr/>
-          <p:nvPr/>
-        </p:nvCxnSpPr>
-        <p:spPr>
-          <a:xfrm>
-            <a:off x="7390194" y="4930704"/>
-            <a:ext cx="1361928" cy="0"/>
-          </a:xfrm>
-          <a:prstGeom prst="straightConnector1">
-            <a:avLst/>
-          </a:prstGeom>
-          <a:ln w="22225">
-            <a:solidFill>
-              <a:schemeClr val="tx1"/>
-            </a:solidFill>
-            <a:headEnd type="triangle" w="lg" len="lg"/>
-            <a:tailEnd type="none" w="lg" len="lg"/>
-          </a:ln>
-        </p:spPr>
-        <p:style>
-          <a:lnRef idx="1">
-            <a:schemeClr val="accent1"/>
-          </a:lnRef>
-          <a:fillRef idx="0">
-            <a:schemeClr val="accent1"/>
-          </a:fillRef>
-          <a:effectRef idx="0">
-            <a:schemeClr val="accent1"/>
-          </a:effectRef>
-          <a:fontRef idx="minor">
-            <a:schemeClr val="tx1"/>
-          </a:fontRef>
-        </p:style>
-      </p:cxnSp>
-      <p:sp>
-        <p:nvSpPr>
-          <p:cNvPr id="21" name="正方形/長方形 20"/>
-          <p:cNvSpPr/>
-          <p:nvPr/>
-        </p:nvSpPr>
-        <p:spPr>
-          <a:xfrm>
-            <a:off x="7068542" y="4584894"/>
-            <a:ext cx="2061120" cy="334112"/>
-          </a:xfrm>
-          <a:prstGeom prst="rect">
-            <a:avLst/>
-          </a:prstGeom>
-          <a:noFill/>
-          <a:ln w="22225">
-            <a:noFill/>
-          </a:ln>
-        </p:spPr>
-        <p:style>
-          <a:lnRef idx="2">
-            <a:schemeClr val="accent1">
-              <a:shade val="50000"/>
-            </a:schemeClr>
-          </a:lnRef>
-          <a:fillRef idx="1">
-            <a:schemeClr val="accent1"/>
-          </a:fillRef>
-          <a:effectRef idx="0">
-            <a:schemeClr val="accent1"/>
-          </a:effectRef>
-          <a:fontRef idx="minor">
-            <a:schemeClr val="lt1"/>
-          </a:fontRef>
-        </p:style>
-        <p:txBody>
-          <a:bodyPr rtlCol="0" anchor="ctr"/>
-          <a:lstStyle/>
-          <a:p>
-            <a:pPr algn="ctr"/>
-            <a:r>
-              <a:rPr kumimoji="1" lang="ja-JP" altLang="en-US" dirty="0" smtClean="0">
-                <a:solidFill>
-                  <a:schemeClr val="tx1"/>
-                </a:solidFill>
-                <a:latin typeface="Meiryo UI" panose="020B0604030504040204" pitchFamily="50" charset="-128"/>
-                <a:ea typeface="Meiryo UI" panose="020B0604030504040204" pitchFamily="50" charset="-128"/>
-              </a:rPr>
-              <a:t>応答</a:t>
-            </a:r>
-            <a:endParaRPr kumimoji="1" lang="ja-JP" altLang="en-US" dirty="0">
-              <a:solidFill>
-                <a:schemeClr val="tx1"/>
-              </a:solidFill>
-              <a:latin typeface="Meiryo UI" panose="020B0604030504040204" pitchFamily="50" charset="-128"/>
-              <a:ea typeface="Meiryo UI" panose="020B0604030504040204" pitchFamily="50" charset="-128"/>
-            </a:endParaRPr>
-          </a:p>
-        </p:txBody>
-      </p:sp>
-      <p:cxnSp>
-        <p:nvCxnSpPr>
-          <p:cNvPr id="22" name="直線矢印コネクタ 21"/>
-          <p:cNvCxnSpPr/>
-          <p:nvPr/>
-        </p:nvCxnSpPr>
-        <p:spPr>
-          <a:xfrm>
-            <a:off x="3904736" y="4942823"/>
-            <a:ext cx="1418192" cy="0"/>
-          </a:xfrm>
-          <a:prstGeom prst="straightConnector1">
-            <a:avLst/>
-          </a:prstGeom>
-          <a:ln w="22225">
-            <a:solidFill>
-              <a:schemeClr val="tx1"/>
-            </a:solidFill>
-            <a:headEnd type="triangle" w="lg" len="lg"/>
-            <a:tailEnd type="none" w="lg" len="lg"/>
-          </a:ln>
-        </p:spPr>
-        <p:style>
-          <a:lnRef idx="1">
-            <a:schemeClr val="accent1"/>
-          </a:lnRef>
-          <a:fillRef idx="0">
-            <a:schemeClr val="accent1"/>
-          </a:fillRef>
-          <a:effectRef idx="0">
-            <a:schemeClr val="accent1"/>
-          </a:effectRef>
-          <a:fontRef idx="minor">
-            <a:schemeClr val="tx1"/>
-          </a:fontRef>
-        </p:style>
-      </p:cxnSp>
-      <p:sp>
-        <p:nvSpPr>
-          <p:cNvPr id="23" name="正方形/長方形 22"/>
-          <p:cNvSpPr/>
-          <p:nvPr/>
-        </p:nvSpPr>
-        <p:spPr>
-          <a:xfrm>
-            <a:off x="3612941" y="4608711"/>
-            <a:ext cx="2061120" cy="334112"/>
-          </a:xfrm>
-          <a:prstGeom prst="rect">
-            <a:avLst/>
-          </a:prstGeom>
-          <a:noFill/>
-          <a:ln w="22225">
-            <a:noFill/>
-          </a:ln>
-        </p:spPr>
-        <p:style>
-          <a:lnRef idx="2">
-            <a:schemeClr val="accent1">
-              <a:shade val="50000"/>
-            </a:schemeClr>
-          </a:lnRef>
-          <a:fillRef idx="1">
-            <a:schemeClr val="accent1"/>
-          </a:fillRef>
-          <a:effectRef idx="0">
-            <a:schemeClr val="accent1"/>
-          </a:effectRef>
-          <a:fontRef idx="minor">
-            <a:schemeClr val="lt1"/>
-          </a:fontRef>
-        </p:style>
-        <p:txBody>
-          <a:bodyPr rtlCol="0" anchor="ctr"/>
-          <a:lstStyle/>
-          <a:p>
-            <a:pPr algn="ctr"/>
-            <a:r>
-              <a:rPr kumimoji="1" lang="ja-JP" altLang="en-US" dirty="0" smtClean="0">
-                <a:solidFill>
-                  <a:schemeClr val="tx1"/>
-                </a:solidFill>
-                <a:latin typeface="Meiryo UI" panose="020B0604030504040204" pitchFamily="50" charset="-128"/>
-                <a:ea typeface="Meiryo UI" panose="020B0604030504040204" pitchFamily="50" charset="-128"/>
-              </a:rPr>
-              <a:t>応答</a:t>
-            </a:r>
-            <a:endParaRPr kumimoji="1" lang="ja-JP" altLang="en-US" dirty="0">
-              <a:solidFill>
-                <a:schemeClr val="tx1"/>
-              </a:solidFill>
-              <a:latin typeface="Meiryo UI" panose="020B0604030504040204" pitchFamily="50" charset="-128"/>
-              <a:ea typeface="Meiryo UI" panose="020B0604030504040204" pitchFamily="50" charset="-128"/>
-            </a:endParaRPr>
-          </a:p>
-        </p:txBody>
-      </p:sp>
-      <p:grpSp>
-        <p:nvGrpSpPr>
-          <p:cNvPr id="37" name="グループ化 36"/>
-          <p:cNvGrpSpPr/>
-          <p:nvPr/>
-        </p:nvGrpSpPr>
-        <p:grpSpPr>
-          <a:xfrm>
-            <a:off x="1835562" y="4149257"/>
-            <a:ext cx="2069174" cy="1003270"/>
-            <a:chOff x="1835562" y="4272827"/>
-            <a:chExt cx="2069174" cy="1003270"/>
-          </a:xfrm>
-        </p:grpSpPr>
-        <p:sp>
-          <p:nvSpPr>
-            <p:cNvPr id="4" name="正方形/長方形 3"/>
-            <p:cNvSpPr/>
-            <p:nvPr/>
-          </p:nvSpPr>
-          <p:spPr>
-            <a:xfrm>
-              <a:off x="1843616" y="4272827"/>
-              <a:ext cx="2061120" cy="1003270"/>
-            </a:xfrm>
-            <a:prstGeom prst="rect">
-              <a:avLst/>
-            </a:prstGeom>
-            <a:solidFill>
-              <a:schemeClr val="bg1"/>
-            </a:solidFill>
-            <a:ln w="22225">
-              <a:solidFill>
-                <a:schemeClr val="tx1"/>
-              </a:solidFill>
-            </a:ln>
-          </p:spPr>
-          <p:style>
-            <a:lnRef idx="2">
-              <a:schemeClr val="accent1">
-                <a:shade val="50000"/>
-              </a:schemeClr>
-            </a:lnRef>
-            <a:fillRef idx="1">
-              <a:schemeClr val="accent1"/>
-            </a:fillRef>
-            <a:effectRef idx="0">
-              <a:schemeClr val="accent1"/>
-            </a:effectRef>
-            <a:fontRef idx="minor">
-              <a:schemeClr val="lt1"/>
-            </a:fontRef>
-          </p:style>
-          <p:txBody>
-            <a:bodyPr rtlCol="0" anchor="ctr"/>
-            <a:lstStyle/>
-            <a:p>
-              <a:pPr algn="ctr"/>
-              <a:endParaRPr kumimoji="1" lang="ja-JP" altLang="en-US"/>
-            </a:p>
-          </p:txBody>
-        </p:sp>
-        <p:sp>
-          <p:nvSpPr>
-            <p:cNvPr id="6" name="正方形/長方形 5"/>
-            <p:cNvSpPr/>
-            <p:nvPr/>
-          </p:nvSpPr>
-          <p:spPr>
-            <a:xfrm>
-              <a:off x="1843616" y="4299679"/>
-              <a:ext cx="2061120" cy="334112"/>
-            </a:xfrm>
-            <a:prstGeom prst="rect">
-              <a:avLst/>
-            </a:prstGeom>
-            <a:noFill/>
-            <a:ln w="22225">
-              <a:noFill/>
-            </a:ln>
-          </p:spPr>
-          <p:style>
-            <a:lnRef idx="2">
-              <a:schemeClr val="accent1">
-                <a:shade val="50000"/>
-              </a:schemeClr>
-            </a:lnRef>
-            <a:fillRef idx="1">
-              <a:schemeClr val="accent1"/>
-            </a:fillRef>
-            <a:effectRef idx="0">
-              <a:schemeClr val="accent1"/>
-            </a:effectRef>
-            <a:fontRef idx="minor">
-              <a:schemeClr val="lt1"/>
-            </a:fontRef>
-          </p:style>
-          <p:txBody>
-            <a:bodyPr rtlCol="0" anchor="ctr"/>
-            <a:lstStyle/>
-            <a:p>
-              <a:pPr algn="ctr"/>
-              <a:r>
-                <a:rPr kumimoji="1" lang="ja-JP" altLang="en-US" dirty="0" smtClean="0">
-                  <a:solidFill>
-                    <a:schemeClr val="tx1"/>
-                  </a:solidFill>
-                  <a:latin typeface="Meiryo UI" panose="020B0604030504040204" pitchFamily="50" charset="-128"/>
-                  <a:ea typeface="Meiryo UI" panose="020B0604030504040204" pitchFamily="50" charset="-128"/>
-                </a:rPr>
-                <a:t>ブラウザ</a:t>
-              </a:r>
-              <a:endParaRPr kumimoji="1" lang="ja-JP" altLang="en-US" dirty="0">
-                <a:solidFill>
-                  <a:schemeClr val="tx1"/>
-                </a:solidFill>
-                <a:latin typeface="Meiryo UI" panose="020B0604030504040204" pitchFamily="50" charset="-128"/>
-                <a:ea typeface="Meiryo UI" panose="020B0604030504040204" pitchFamily="50" charset="-128"/>
-              </a:endParaRPr>
-            </a:p>
-          </p:txBody>
-        </p:sp>
-        <p:sp>
-          <p:nvSpPr>
-            <p:cNvPr id="26" name="正方形/長方形 25"/>
-            <p:cNvSpPr/>
-            <p:nvPr/>
-          </p:nvSpPr>
-          <p:spPr>
-            <a:xfrm>
-              <a:off x="1835562" y="4584893"/>
-              <a:ext cx="2061120" cy="691203"/>
-            </a:xfrm>
-            <a:prstGeom prst="rect">
-              <a:avLst/>
-            </a:prstGeom>
-            <a:noFill/>
-            <a:ln w="22225">
-              <a:noFill/>
-            </a:ln>
-          </p:spPr>
-          <p:style>
-            <a:lnRef idx="2">
-              <a:schemeClr val="accent1">
-                <a:shade val="50000"/>
-              </a:schemeClr>
-            </a:lnRef>
-            <a:fillRef idx="1">
-              <a:schemeClr val="accent1"/>
-            </a:fillRef>
-            <a:effectRef idx="0">
-              <a:schemeClr val="accent1"/>
-            </a:effectRef>
-            <a:fontRef idx="minor">
-              <a:schemeClr val="lt1"/>
-            </a:fontRef>
-          </p:style>
-          <p:txBody>
-            <a:bodyPr rtlCol="0" anchor="ctr"/>
-            <a:lstStyle/>
-            <a:p>
-              <a:r>
-                <a:rPr kumimoji="1" lang="ja-JP" altLang="en-US" dirty="0" smtClean="0">
-                  <a:solidFill>
-                    <a:schemeClr val="tx1"/>
-                  </a:solidFill>
-                  <a:latin typeface="Meiryo UI" panose="020B0604030504040204" pitchFamily="50" charset="-128"/>
-                  <a:ea typeface="Meiryo UI" panose="020B0604030504040204" pitchFamily="50" charset="-128"/>
-                </a:rPr>
-                <a:t>・</a:t>
-              </a:r>
-              <a:r>
-                <a:rPr kumimoji="1" lang="en-US" altLang="ja-JP" dirty="0" smtClean="0">
-                  <a:solidFill>
-                    <a:schemeClr val="tx1"/>
-                  </a:solidFill>
-                  <a:latin typeface="Meiryo UI" panose="020B0604030504040204" pitchFamily="50" charset="-128"/>
-                  <a:ea typeface="Meiryo UI" panose="020B0604030504040204" pitchFamily="50" charset="-128"/>
-                </a:rPr>
-                <a:t>Invoice</a:t>
-              </a:r>
-              <a:r>
-                <a:rPr kumimoji="1" lang="ja-JP" altLang="en-US" dirty="0" smtClean="0">
-                  <a:solidFill>
-                    <a:schemeClr val="tx1"/>
-                  </a:solidFill>
-                  <a:latin typeface="Meiryo UI" panose="020B0604030504040204" pitchFamily="50" charset="-128"/>
-                  <a:ea typeface="Meiryo UI" panose="020B0604030504040204" pitchFamily="50" charset="-128"/>
-                </a:rPr>
-                <a:t>検索</a:t>
-              </a:r>
-              <a:endParaRPr kumimoji="1" lang="en-US" altLang="ja-JP" dirty="0" smtClean="0">
-                <a:solidFill>
-                  <a:schemeClr val="tx1"/>
-                </a:solidFill>
-                <a:latin typeface="Meiryo UI" panose="020B0604030504040204" pitchFamily="50" charset="-128"/>
-                <a:ea typeface="Meiryo UI" panose="020B0604030504040204" pitchFamily="50" charset="-128"/>
-              </a:endParaRPr>
-            </a:p>
-            <a:p>
-              <a:r>
-                <a:rPr kumimoji="1" lang="ja-JP" altLang="en-US" dirty="0" smtClean="0">
-                  <a:solidFill>
-                    <a:schemeClr val="tx1"/>
-                  </a:solidFill>
-                  <a:latin typeface="Meiryo UI" panose="020B0604030504040204" pitchFamily="50" charset="-128"/>
-                  <a:ea typeface="Meiryo UI" panose="020B0604030504040204" pitchFamily="50" charset="-128"/>
-                </a:rPr>
-                <a:t>・</a:t>
-              </a:r>
-              <a:r>
-                <a:rPr kumimoji="1" lang="en-US" altLang="ja-JP" dirty="0" smtClean="0">
-                  <a:solidFill>
-                    <a:schemeClr val="tx1"/>
-                  </a:solidFill>
-                  <a:latin typeface="Meiryo UI" panose="020B0604030504040204" pitchFamily="50" charset="-128"/>
-                  <a:ea typeface="Meiryo UI" panose="020B0604030504040204" pitchFamily="50" charset="-128"/>
-                </a:rPr>
-                <a:t>Invoice</a:t>
-              </a:r>
-              <a:r>
-                <a:rPr kumimoji="1" lang="ja-JP" altLang="en-US" dirty="0" smtClean="0">
-                  <a:solidFill>
-                    <a:schemeClr val="tx1"/>
-                  </a:solidFill>
-                  <a:latin typeface="Meiryo UI" panose="020B0604030504040204" pitchFamily="50" charset="-128"/>
-                  <a:ea typeface="Meiryo UI" panose="020B0604030504040204" pitchFamily="50" charset="-128"/>
-                </a:rPr>
-                <a:t>登録</a:t>
-              </a:r>
-              <a:endParaRPr kumimoji="1" lang="ja-JP" altLang="en-US" dirty="0">
-                <a:solidFill>
-                  <a:schemeClr val="tx1"/>
-                </a:solidFill>
-                <a:latin typeface="Meiryo UI" panose="020B0604030504040204" pitchFamily="50" charset="-128"/>
-                <a:ea typeface="Meiryo UI" panose="020B0604030504040204" pitchFamily="50" charset="-128"/>
-              </a:endParaRPr>
-            </a:p>
-          </p:txBody>
-        </p:sp>
-      </p:grpSp>
-      <p:grpSp>
-        <p:nvGrpSpPr>
-          <p:cNvPr id="41" name="グループ化 40"/>
-          <p:cNvGrpSpPr/>
-          <p:nvPr/>
-        </p:nvGrpSpPr>
-        <p:grpSpPr>
-          <a:xfrm>
-            <a:off x="1835562" y="2542086"/>
-            <a:ext cx="2069174" cy="1276630"/>
-            <a:chOff x="1835562" y="2542086"/>
-            <a:chExt cx="2077228" cy="1276630"/>
-          </a:xfrm>
-        </p:grpSpPr>
-        <p:grpSp>
-          <p:nvGrpSpPr>
-            <p:cNvPr id="35" name="グループ化 34"/>
-            <p:cNvGrpSpPr/>
-            <p:nvPr/>
-          </p:nvGrpSpPr>
-          <p:grpSpPr>
-            <a:xfrm>
-              <a:off x="1835562" y="2542086"/>
-              <a:ext cx="2069174" cy="1276630"/>
-              <a:chOff x="1835562" y="3122858"/>
-              <a:chExt cx="2069174" cy="1276630"/>
-            </a:xfrm>
-          </p:grpSpPr>
-          <p:sp>
-            <p:nvSpPr>
-              <p:cNvPr id="27" name="正方形/長方形 26"/>
-              <p:cNvSpPr/>
-              <p:nvPr/>
-            </p:nvSpPr>
-            <p:spPr>
-              <a:xfrm>
-                <a:off x="1843616" y="3122858"/>
-                <a:ext cx="2061120" cy="1276630"/>
-              </a:xfrm>
-              <a:prstGeom prst="rect">
-                <a:avLst/>
-              </a:prstGeom>
-              <a:solidFill>
-                <a:schemeClr val="bg1"/>
-              </a:solidFill>
-              <a:ln w="22225">
-                <a:solidFill>
-                  <a:schemeClr val="tx1"/>
-                </a:solidFill>
-              </a:ln>
-            </p:spPr>
-            <p:style>
-              <a:lnRef idx="2">
-                <a:schemeClr val="accent1">
-                  <a:shade val="50000"/>
-                </a:schemeClr>
-              </a:lnRef>
-              <a:fillRef idx="1">
-                <a:schemeClr val="accent1"/>
-              </a:fillRef>
-              <a:effectRef idx="0">
-                <a:schemeClr val="accent1"/>
-              </a:effectRef>
-              <a:fontRef idx="minor">
-                <a:schemeClr val="lt1"/>
-              </a:fontRef>
-            </p:style>
-            <p:txBody>
-              <a:bodyPr rtlCol="0" anchor="ctr"/>
-              <a:lstStyle/>
-              <a:p>
-                <a:pPr algn="ctr"/>
-                <a:endParaRPr kumimoji="1" lang="ja-JP" altLang="en-US"/>
-              </a:p>
-            </p:txBody>
-          </p:sp>
-          <p:sp>
-            <p:nvSpPr>
-              <p:cNvPr id="28" name="正方形/長方形 27"/>
-              <p:cNvSpPr/>
-              <p:nvPr/>
-            </p:nvSpPr>
-            <p:spPr>
-              <a:xfrm>
-                <a:off x="1835562" y="3128740"/>
-                <a:ext cx="2061120" cy="334112"/>
-              </a:xfrm>
-              <a:prstGeom prst="rect">
-                <a:avLst/>
-              </a:prstGeom>
-              <a:noFill/>
-              <a:ln w="22225">
-                <a:noFill/>
-              </a:ln>
-            </p:spPr>
-            <p:style>
-              <a:lnRef idx="2">
-                <a:schemeClr val="accent1">
-                  <a:shade val="50000"/>
-                </a:schemeClr>
-              </a:lnRef>
-              <a:fillRef idx="1">
-                <a:schemeClr val="accent1"/>
-              </a:fillRef>
-              <a:effectRef idx="0">
-                <a:schemeClr val="accent1"/>
-              </a:effectRef>
-              <a:fontRef idx="minor">
-                <a:schemeClr val="lt1"/>
-              </a:fontRef>
-            </p:style>
-            <p:txBody>
-              <a:bodyPr rtlCol="0" anchor="ctr"/>
-              <a:lstStyle/>
-              <a:p>
-                <a:pPr algn="ctr"/>
-                <a:r>
-                  <a:rPr kumimoji="1" lang="en-US" altLang="ja-JP" dirty="0" smtClean="0">
-                    <a:solidFill>
-                      <a:schemeClr val="tx1"/>
-                    </a:solidFill>
-                    <a:latin typeface="Meiryo UI" panose="020B0604030504040204" pitchFamily="50" charset="-128"/>
-                    <a:ea typeface="Meiryo UI" panose="020B0604030504040204" pitchFamily="50" charset="-128"/>
-                  </a:rPr>
-                  <a:t>Eclipse</a:t>
-                </a:r>
-                <a:endParaRPr kumimoji="1" lang="ja-JP" altLang="en-US" dirty="0">
-                  <a:solidFill>
-                    <a:schemeClr val="tx1"/>
-                  </a:solidFill>
-                  <a:latin typeface="Meiryo UI" panose="020B0604030504040204" pitchFamily="50" charset="-128"/>
-                  <a:ea typeface="Meiryo UI" panose="020B0604030504040204" pitchFamily="50" charset="-128"/>
-                </a:endParaRPr>
-              </a:p>
-            </p:txBody>
-          </p:sp>
-        </p:grpSp>
-        <p:sp>
-          <p:nvSpPr>
-            <p:cNvPr id="36" name="正方形/長方形 35"/>
-            <p:cNvSpPr/>
-            <p:nvPr/>
-          </p:nvSpPr>
-          <p:spPr>
-            <a:xfrm>
-              <a:off x="1851670" y="2882080"/>
-              <a:ext cx="2061120" cy="936636"/>
-            </a:xfrm>
-            <a:prstGeom prst="rect">
-              <a:avLst/>
-            </a:prstGeom>
-            <a:noFill/>
-            <a:ln w="22225">
-              <a:noFill/>
-            </a:ln>
-          </p:spPr>
-          <p:style>
-            <a:lnRef idx="2">
-              <a:schemeClr val="accent1">
-                <a:shade val="50000"/>
-              </a:schemeClr>
-            </a:lnRef>
-            <a:fillRef idx="1">
-              <a:schemeClr val="accent1"/>
-            </a:fillRef>
-            <a:effectRef idx="0">
-              <a:schemeClr val="accent1"/>
-            </a:effectRef>
-            <a:fontRef idx="minor">
-              <a:schemeClr val="lt1"/>
-            </a:fontRef>
-          </p:style>
-          <p:txBody>
-            <a:bodyPr rtlCol="0" anchor="ctr"/>
-            <a:lstStyle/>
-            <a:p>
-              <a:r>
-                <a:rPr kumimoji="1" lang="ja-JP" altLang="en-US" dirty="0" smtClean="0">
-                  <a:solidFill>
-                    <a:schemeClr val="tx1"/>
-                  </a:solidFill>
-                  <a:latin typeface="Meiryo UI" panose="020B0604030504040204" pitchFamily="50" charset="-128"/>
-                  <a:ea typeface="Meiryo UI" panose="020B0604030504040204" pitchFamily="50" charset="-128"/>
-                </a:rPr>
-                <a:t>・</a:t>
-              </a:r>
-              <a:r>
-                <a:rPr kumimoji="1" lang="en-US" altLang="ja-JP" dirty="0" smtClean="0">
-                  <a:solidFill>
-                    <a:schemeClr val="tx1"/>
-                  </a:solidFill>
-                  <a:latin typeface="Meiryo UI" panose="020B0604030504040204" pitchFamily="50" charset="-128"/>
-                  <a:ea typeface="Meiryo UI" panose="020B0604030504040204" pitchFamily="50" charset="-128"/>
-                </a:rPr>
-                <a:t>Maven</a:t>
-              </a:r>
-            </a:p>
-            <a:p>
-              <a:r>
-                <a:rPr kumimoji="1" lang="ja-JP" altLang="en-US" dirty="0" smtClean="0">
-                  <a:solidFill>
-                    <a:schemeClr val="tx1"/>
-                  </a:solidFill>
-                  <a:latin typeface="Meiryo UI" panose="020B0604030504040204" pitchFamily="50" charset="-128"/>
-                  <a:ea typeface="Meiryo UI" panose="020B0604030504040204" pitchFamily="50" charset="-128"/>
-                </a:rPr>
-                <a:t>・</a:t>
-              </a:r>
-              <a:r>
-                <a:rPr kumimoji="1" lang="en-US" altLang="ja-JP" dirty="0">
-                  <a:solidFill>
-                    <a:schemeClr val="tx1"/>
-                  </a:solidFill>
-                  <a:latin typeface="Meiryo UI" panose="020B0604030504040204" pitchFamily="50" charset="-128"/>
-                  <a:ea typeface="Meiryo UI" panose="020B0604030504040204" pitchFamily="50" charset="-128"/>
-                </a:rPr>
-                <a:t>Spring </a:t>
-              </a:r>
-              <a:r>
-                <a:rPr kumimoji="1" lang="en-US" altLang="ja-JP" dirty="0" smtClean="0">
-                  <a:solidFill>
-                    <a:schemeClr val="tx1"/>
-                  </a:solidFill>
-                  <a:latin typeface="Meiryo UI" panose="020B0604030504040204" pitchFamily="50" charset="-128"/>
-                  <a:ea typeface="Meiryo UI" panose="020B0604030504040204" pitchFamily="50" charset="-128"/>
-                </a:rPr>
-                <a:t>Boot</a:t>
-              </a:r>
-            </a:p>
-            <a:p>
-              <a:r>
-                <a:rPr kumimoji="1" lang="ja-JP" altLang="en-US" dirty="0" smtClean="0">
-                  <a:solidFill>
-                    <a:schemeClr val="tx1"/>
-                  </a:solidFill>
-                  <a:latin typeface="Meiryo UI" panose="020B0604030504040204" pitchFamily="50" charset="-128"/>
-                  <a:ea typeface="Meiryo UI" panose="020B0604030504040204" pitchFamily="50" charset="-128"/>
-                </a:rPr>
-                <a:t>・</a:t>
-              </a:r>
-              <a:r>
-                <a:rPr kumimoji="1" lang="en-US" altLang="ja-JP" dirty="0">
-                  <a:solidFill>
-                    <a:schemeClr val="tx1"/>
-                  </a:solidFill>
-                  <a:latin typeface="Meiryo UI" panose="020B0604030504040204" pitchFamily="50" charset="-128"/>
-                  <a:ea typeface="Meiryo UI" panose="020B0604030504040204" pitchFamily="50" charset="-128"/>
-                </a:rPr>
-                <a:t>Spring JPA</a:t>
-              </a:r>
-              <a:endParaRPr kumimoji="1" lang="ja-JP" altLang="en-US" dirty="0">
-                <a:solidFill>
-                  <a:schemeClr val="tx1"/>
-                </a:solidFill>
-                <a:latin typeface="Meiryo UI" panose="020B0604030504040204" pitchFamily="50" charset="-128"/>
-                <a:ea typeface="Meiryo UI" panose="020B0604030504040204" pitchFamily="50" charset="-128"/>
-              </a:endParaRPr>
-            </a:p>
-          </p:txBody>
-        </p:sp>
-      </p:grpSp>
-      <p:grpSp>
-        <p:nvGrpSpPr>
-          <p:cNvPr id="42" name="グループ化 41"/>
-          <p:cNvGrpSpPr/>
-          <p:nvPr/>
-        </p:nvGrpSpPr>
-        <p:grpSpPr>
-          <a:xfrm>
-            <a:off x="5304912" y="4012541"/>
-            <a:ext cx="2077228" cy="1276630"/>
-            <a:chOff x="1835562" y="2542086"/>
-            <a:chExt cx="2077228" cy="1276630"/>
-          </a:xfrm>
-        </p:grpSpPr>
-        <p:grpSp>
-          <p:nvGrpSpPr>
-            <p:cNvPr id="43" name="グループ化 42"/>
-            <p:cNvGrpSpPr/>
-            <p:nvPr/>
-          </p:nvGrpSpPr>
-          <p:grpSpPr>
-            <a:xfrm>
-              <a:off x="1835562" y="2542086"/>
-              <a:ext cx="2069174" cy="1276630"/>
-              <a:chOff x="1835562" y="3122858"/>
-              <a:chExt cx="2069174" cy="1276630"/>
-            </a:xfrm>
-          </p:grpSpPr>
-          <p:sp>
-            <p:nvSpPr>
-              <p:cNvPr id="45" name="正方形/長方形 44"/>
-              <p:cNvSpPr/>
-              <p:nvPr/>
-            </p:nvSpPr>
-            <p:spPr>
-              <a:xfrm>
-                <a:off x="1843616" y="3122858"/>
-                <a:ext cx="2061120" cy="1276630"/>
-              </a:xfrm>
-              <a:prstGeom prst="rect">
-                <a:avLst/>
-              </a:prstGeom>
-              <a:solidFill>
-                <a:schemeClr val="bg1"/>
-              </a:solidFill>
-              <a:ln w="22225">
-                <a:solidFill>
-                  <a:schemeClr val="tx1"/>
-                </a:solidFill>
-              </a:ln>
-            </p:spPr>
-            <p:style>
-              <a:lnRef idx="2">
-                <a:schemeClr val="accent1">
-                  <a:shade val="50000"/>
-                </a:schemeClr>
-              </a:lnRef>
-              <a:fillRef idx="1">
-                <a:schemeClr val="accent1"/>
-              </a:fillRef>
-              <a:effectRef idx="0">
-                <a:schemeClr val="accent1"/>
-              </a:effectRef>
-              <a:fontRef idx="minor">
-                <a:schemeClr val="lt1"/>
-              </a:fontRef>
-            </p:style>
-            <p:txBody>
-              <a:bodyPr rtlCol="0" anchor="ctr"/>
-              <a:lstStyle/>
-              <a:p>
-                <a:pPr algn="ctr"/>
-                <a:endParaRPr kumimoji="1" lang="ja-JP" altLang="en-US"/>
-              </a:p>
-            </p:txBody>
-          </p:sp>
-          <p:sp>
-            <p:nvSpPr>
-              <p:cNvPr id="46" name="正方形/長方形 45"/>
-              <p:cNvSpPr/>
-              <p:nvPr/>
-            </p:nvSpPr>
-            <p:spPr>
-              <a:xfrm>
-                <a:off x="1835562" y="3128740"/>
-                <a:ext cx="2061120" cy="334112"/>
-              </a:xfrm>
-              <a:prstGeom prst="rect">
-                <a:avLst/>
-              </a:prstGeom>
-              <a:noFill/>
-              <a:ln w="22225">
-                <a:noFill/>
-              </a:ln>
-            </p:spPr>
-            <p:style>
-              <a:lnRef idx="2">
-                <a:schemeClr val="accent1">
-                  <a:shade val="50000"/>
-                </a:schemeClr>
-              </a:lnRef>
-              <a:fillRef idx="1">
-                <a:schemeClr val="accent1"/>
-              </a:fillRef>
-              <a:effectRef idx="0">
-                <a:schemeClr val="accent1"/>
-              </a:effectRef>
-              <a:fontRef idx="minor">
-                <a:schemeClr val="lt1"/>
-              </a:fontRef>
-            </p:style>
-            <p:txBody>
-              <a:bodyPr rtlCol="0" anchor="ctr"/>
-              <a:lstStyle/>
-              <a:p>
-                <a:pPr algn="ctr"/>
-                <a:r>
-                  <a:rPr kumimoji="1" lang="en-US" altLang="ja-JP" dirty="0" smtClean="0">
-                    <a:solidFill>
-                      <a:schemeClr val="tx1"/>
-                    </a:solidFill>
-                    <a:latin typeface="Meiryo UI" panose="020B0604030504040204" pitchFamily="50" charset="-128"/>
-                    <a:ea typeface="Meiryo UI" panose="020B0604030504040204" pitchFamily="50" charset="-128"/>
-                  </a:rPr>
-                  <a:t>Jar</a:t>
-                </a:r>
-                <a:endParaRPr kumimoji="1" lang="ja-JP" altLang="en-US" dirty="0">
-                  <a:solidFill>
-                    <a:schemeClr val="tx1"/>
-                  </a:solidFill>
-                  <a:latin typeface="Meiryo UI" panose="020B0604030504040204" pitchFamily="50" charset="-128"/>
-                  <a:ea typeface="Meiryo UI" panose="020B0604030504040204" pitchFamily="50" charset="-128"/>
-                </a:endParaRPr>
-              </a:p>
-            </p:txBody>
-          </p:sp>
-        </p:grpSp>
-        <p:sp>
-          <p:nvSpPr>
-            <p:cNvPr id="44" name="正方形/長方形 43"/>
-            <p:cNvSpPr/>
-            <p:nvPr/>
-          </p:nvSpPr>
-          <p:spPr>
-            <a:xfrm>
-              <a:off x="1851670" y="2882080"/>
-              <a:ext cx="2061120" cy="936636"/>
-            </a:xfrm>
-            <a:prstGeom prst="rect">
-              <a:avLst/>
-            </a:prstGeom>
-            <a:noFill/>
-            <a:ln w="22225">
-              <a:noFill/>
-            </a:ln>
-          </p:spPr>
-          <p:style>
-            <a:lnRef idx="2">
-              <a:schemeClr val="accent1">
-                <a:shade val="50000"/>
-              </a:schemeClr>
-            </a:lnRef>
-            <a:fillRef idx="1">
-              <a:schemeClr val="accent1"/>
-            </a:fillRef>
-            <a:effectRef idx="0">
-              <a:schemeClr val="accent1"/>
-            </a:effectRef>
-            <a:fontRef idx="minor">
-              <a:schemeClr val="lt1"/>
-            </a:fontRef>
-          </p:style>
-          <p:txBody>
-            <a:bodyPr rtlCol="0" anchor="ctr"/>
-            <a:lstStyle/>
-            <a:p>
-              <a:r>
-                <a:rPr kumimoji="1" lang="ja-JP" altLang="en-US" dirty="0" smtClean="0">
-                  <a:solidFill>
-                    <a:schemeClr val="tx1"/>
-                  </a:solidFill>
-                  <a:latin typeface="Meiryo UI" panose="020B0604030504040204" pitchFamily="50" charset="-128"/>
-                  <a:ea typeface="Meiryo UI" panose="020B0604030504040204" pitchFamily="50" charset="-128"/>
-                </a:rPr>
-                <a:t>・</a:t>
-              </a:r>
-              <a:r>
-                <a:rPr kumimoji="1" lang="en-US" altLang="ja-JP" dirty="0" smtClean="0">
-                  <a:solidFill>
-                    <a:schemeClr val="tx1"/>
-                  </a:solidFill>
-                  <a:latin typeface="Meiryo UI" panose="020B0604030504040204" pitchFamily="50" charset="-128"/>
-                  <a:ea typeface="Meiryo UI" panose="020B0604030504040204" pitchFamily="50" charset="-128"/>
-                </a:rPr>
-                <a:t>Controller</a:t>
-              </a:r>
-            </a:p>
-            <a:p>
-              <a:r>
-                <a:rPr kumimoji="1" lang="ja-JP" altLang="en-US" dirty="0" smtClean="0">
-                  <a:solidFill>
-                    <a:schemeClr val="tx1"/>
-                  </a:solidFill>
-                  <a:latin typeface="Meiryo UI" panose="020B0604030504040204" pitchFamily="50" charset="-128"/>
-                  <a:ea typeface="Meiryo UI" panose="020B0604030504040204" pitchFamily="50" charset="-128"/>
-                </a:rPr>
-                <a:t>・</a:t>
-              </a:r>
-              <a:r>
-                <a:rPr kumimoji="1" lang="en-US" altLang="ja-JP" dirty="0" smtClean="0">
-                  <a:solidFill>
-                    <a:schemeClr val="tx1"/>
-                  </a:solidFill>
-                  <a:latin typeface="Meiryo UI" panose="020B0604030504040204" pitchFamily="50" charset="-128"/>
-                  <a:ea typeface="Meiryo UI" panose="020B0604030504040204" pitchFamily="50" charset="-128"/>
-                </a:rPr>
-                <a:t>Repository</a:t>
-              </a:r>
-            </a:p>
-            <a:p>
-              <a:r>
-                <a:rPr kumimoji="1" lang="ja-JP" altLang="en-US" dirty="0" smtClean="0">
-                  <a:solidFill>
-                    <a:schemeClr val="tx1"/>
-                  </a:solidFill>
-                  <a:latin typeface="Meiryo UI" panose="020B0604030504040204" pitchFamily="50" charset="-128"/>
-                  <a:ea typeface="Meiryo UI" panose="020B0604030504040204" pitchFamily="50" charset="-128"/>
-                </a:rPr>
-                <a:t>・</a:t>
-              </a:r>
-              <a:r>
-                <a:rPr kumimoji="1" lang="en-US" altLang="ja-JP" dirty="0" err="1" smtClean="0">
-                  <a:solidFill>
-                    <a:schemeClr val="tx1"/>
-                  </a:solidFill>
-                  <a:latin typeface="Meiryo UI" panose="020B0604030504040204" pitchFamily="50" charset="-128"/>
-                  <a:ea typeface="Meiryo UI" panose="020B0604030504040204" pitchFamily="50" charset="-128"/>
-                </a:rPr>
-                <a:t>Entiry</a:t>
-              </a:r>
-              <a:endParaRPr kumimoji="1" lang="ja-JP" altLang="en-US" dirty="0">
-                <a:solidFill>
-                  <a:schemeClr val="tx1"/>
-                </a:solidFill>
-                <a:latin typeface="Meiryo UI" panose="020B0604030504040204" pitchFamily="50" charset="-128"/>
-                <a:ea typeface="Meiryo UI" panose="020B0604030504040204" pitchFamily="50" charset="-128"/>
-              </a:endParaRPr>
-            </a:p>
-          </p:txBody>
-        </p:sp>
-      </p:grpSp>
-      <p:cxnSp>
-        <p:nvCxnSpPr>
-          <p:cNvPr id="56" name="カギ線コネクタ 55"/>
-          <p:cNvCxnSpPr>
-            <a:stCxn id="27" idx="3"/>
-            <a:endCxn id="45" idx="0"/>
-          </p:cNvCxnSpPr>
-          <p:nvPr/>
-        </p:nvCxnSpPr>
-        <p:spPr>
-          <a:xfrm>
-            <a:off x="3896713" y="3180401"/>
-            <a:ext cx="2446813" cy="832140"/>
-          </a:xfrm>
-          <a:prstGeom prst="bentConnector2">
-            <a:avLst/>
-          </a:prstGeom>
-          <a:ln w="22225">
-            <a:solidFill>
-              <a:schemeClr val="tx1"/>
-            </a:solidFill>
-            <a:headEnd w="lg" len="lg"/>
-            <a:tailEnd type="triangle" w="lg" len="lg"/>
-          </a:ln>
-        </p:spPr>
-        <p:style>
-          <a:lnRef idx="1">
-            <a:schemeClr val="accent1"/>
-          </a:lnRef>
-          <a:fillRef idx="0">
-            <a:schemeClr val="accent1"/>
-          </a:fillRef>
-          <a:effectRef idx="0">
-            <a:schemeClr val="accent1"/>
-          </a:effectRef>
-          <a:fontRef idx="minor">
-            <a:schemeClr val="tx1"/>
-          </a:fontRef>
-        </p:style>
-      </p:cxnSp>
-      <p:grpSp>
-        <p:nvGrpSpPr>
-          <p:cNvPr id="57" name="グループ化 56"/>
-          <p:cNvGrpSpPr/>
-          <p:nvPr/>
-        </p:nvGrpSpPr>
-        <p:grpSpPr>
-          <a:xfrm>
-            <a:off x="4320248" y="2982899"/>
-            <a:ext cx="1596877" cy="401988"/>
-            <a:chOff x="4394390" y="3279461"/>
-            <a:chExt cx="1596877" cy="401988"/>
-          </a:xfrm>
-        </p:grpSpPr>
-        <p:sp>
-          <p:nvSpPr>
-            <p:cNvPr id="47" name="正方形/長方形 46"/>
-            <p:cNvSpPr/>
-            <p:nvPr/>
-          </p:nvSpPr>
-          <p:spPr>
-            <a:xfrm>
-              <a:off x="4394390" y="3279461"/>
-              <a:ext cx="1596007" cy="401988"/>
-            </a:xfrm>
-            <a:prstGeom prst="rect">
-              <a:avLst/>
-            </a:prstGeom>
-            <a:solidFill>
-              <a:schemeClr val="bg1"/>
-            </a:solidFill>
-            <a:ln w="22225">
-              <a:solidFill>
-                <a:schemeClr val="tx1"/>
-              </a:solidFill>
-            </a:ln>
-          </p:spPr>
-          <p:style>
-            <a:lnRef idx="2">
-              <a:schemeClr val="accent1">
-                <a:shade val="50000"/>
-              </a:schemeClr>
-            </a:lnRef>
-            <a:fillRef idx="1">
-              <a:schemeClr val="accent1"/>
-            </a:fillRef>
-            <a:effectRef idx="0">
-              <a:schemeClr val="accent1"/>
-            </a:effectRef>
-            <a:fontRef idx="minor">
-              <a:schemeClr val="lt1"/>
-            </a:fontRef>
-          </p:style>
-          <p:txBody>
-            <a:bodyPr rtlCol="0" anchor="ctr"/>
-            <a:lstStyle/>
-            <a:p>
-              <a:pPr algn="ctr"/>
-              <a:endParaRPr kumimoji="1" lang="ja-JP" altLang="en-US"/>
-            </a:p>
-          </p:txBody>
-        </p:sp>
-        <p:sp>
-          <p:nvSpPr>
-            <p:cNvPr id="30" name="正方形/長方形 29"/>
-            <p:cNvSpPr/>
-            <p:nvPr/>
-          </p:nvSpPr>
-          <p:spPr>
-            <a:xfrm>
-              <a:off x="4395260" y="3286208"/>
-              <a:ext cx="1596007" cy="383193"/>
-            </a:xfrm>
-            <a:prstGeom prst="rect">
-              <a:avLst/>
-            </a:prstGeom>
-            <a:noFill/>
-            <a:ln w="22225">
-              <a:noFill/>
-            </a:ln>
-          </p:spPr>
-          <p:style>
-            <a:lnRef idx="2">
-              <a:schemeClr val="accent1">
-                <a:shade val="50000"/>
-              </a:schemeClr>
-            </a:lnRef>
-            <a:fillRef idx="1">
-              <a:schemeClr val="accent1"/>
-            </a:fillRef>
-            <a:effectRef idx="0">
-              <a:schemeClr val="accent1"/>
-            </a:effectRef>
-            <a:fontRef idx="minor">
-              <a:schemeClr val="lt1"/>
-            </a:fontRef>
-          </p:style>
-          <p:txBody>
-            <a:bodyPr rtlCol="0" anchor="ctr"/>
-            <a:lstStyle/>
-            <a:p>
-              <a:pPr algn="ctr"/>
-              <a:r>
-                <a:rPr kumimoji="1" lang="en-US" altLang="ja-JP" dirty="0" smtClean="0">
-                  <a:solidFill>
-                    <a:schemeClr val="tx1"/>
-                  </a:solidFill>
-                  <a:latin typeface="Meiryo UI" panose="020B0604030504040204" pitchFamily="50" charset="-128"/>
-                  <a:ea typeface="Meiryo UI" panose="020B0604030504040204" pitchFamily="50" charset="-128"/>
-                </a:rPr>
-                <a:t>Java1.8</a:t>
-              </a:r>
-              <a:endParaRPr kumimoji="1" lang="ja-JP" altLang="en-US" dirty="0">
-                <a:solidFill>
-                  <a:schemeClr val="tx1"/>
-                </a:solidFill>
-                <a:latin typeface="Meiryo UI" panose="020B0604030504040204" pitchFamily="50" charset="-128"/>
-                <a:ea typeface="Meiryo UI" panose="020B0604030504040204" pitchFamily="50" charset="-128"/>
-              </a:endParaRPr>
-            </a:p>
-          </p:txBody>
-        </p:sp>
-      </p:grpSp>
-      <p:grpSp>
-        <p:nvGrpSpPr>
-          <p:cNvPr id="59" name="グループ化 58"/>
-          <p:cNvGrpSpPr/>
-          <p:nvPr/>
-        </p:nvGrpSpPr>
-        <p:grpSpPr>
-          <a:xfrm>
-            <a:off x="9534427" y="1579658"/>
-            <a:ext cx="1596877" cy="401988"/>
-            <a:chOff x="4394390" y="3279461"/>
-            <a:chExt cx="1596877" cy="401988"/>
-          </a:xfrm>
-        </p:grpSpPr>
-        <p:sp>
-          <p:nvSpPr>
-            <p:cNvPr id="60" name="正方形/長方形 59"/>
-            <p:cNvSpPr/>
-            <p:nvPr/>
-          </p:nvSpPr>
-          <p:spPr>
-            <a:xfrm>
-              <a:off x="4394390" y="3279461"/>
-              <a:ext cx="1596007" cy="401988"/>
-            </a:xfrm>
-            <a:prstGeom prst="rect">
-              <a:avLst/>
-            </a:prstGeom>
-            <a:solidFill>
-              <a:schemeClr val="bg1"/>
-            </a:solidFill>
-            <a:ln w="22225">
-              <a:solidFill>
-                <a:schemeClr val="tx1"/>
-              </a:solidFill>
-            </a:ln>
-          </p:spPr>
-          <p:style>
-            <a:lnRef idx="2">
-              <a:schemeClr val="accent1">
-                <a:shade val="50000"/>
-              </a:schemeClr>
-            </a:lnRef>
-            <a:fillRef idx="1">
-              <a:schemeClr val="accent1"/>
-            </a:fillRef>
-            <a:effectRef idx="0">
-              <a:schemeClr val="accent1"/>
-            </a:effectRef>
-            <a:fontRef idx="minor">
-              <a:schemeClr val="lt1"/>
-            </a:fontRef>
-          </p:style>
-          <p:txBody>
-            <a:bodyPr rtlCol="0" anchor="ctr"/>
-            <a:lstStyle/>
-            <a:p>
-              <a:pPr algn="ctr"/>
-              <a:endParaRPr kumimoji="1" lang="ja-JP" altLang="en-US"/>
-            </a:p>
-          </p:txBody>
-        </p:sp>
-        <p:sp>
-          <p:nvSpPr>
-            <p:cNvPr id="61" name="正方形/長方形 60"/>
-            <p:cNvSpPr/>
-            <p:nvPr/>
-          </p:nvSpPr>
-          <p:spPr>
-            <a:xfrm>
-              <a:off x="4395260" y="3286208"/>
-              <a:ext cx="1596007" cy="383193"/>
-            </a:xfrm>
-            <a:prstGeom prst="rect">
-              <a:avLst/>
-            </a:prstGeom>
-            <a:noFill/>
-            <a:ln w="22225">
-              <a:noFill/>
-            </a:ln>
-          </p:spPr>
-          <p:style>
-            <a:lnRef idx="2">
-              <a:schemeClr val="accent1">
-                <a:shade val="50000"/>
-              </a:schemeClr>
-            </a:lnRef>
-            <a:fillRef idx="1">
-              <a:schemeClr val="accent1"/>
-            </a:fillRef>
-            <a:effectRef idx="0">
-              <a:schemeClr val="accent1"/>
-            </a:effectRef>
-            <a:fontRef idx="minor">
-              <a:schemeClr val="lt1"/>
-            </a:fontRef>
-          </p:style>
-          <p:txBody>
-            <a:bodyPr rtlCol="0" anchor="ctr"/>
-            <a:lstStyle/>
-            <a:p>
-              <a:pPr algn="ctr"/>
-              <a:r>
-                <a:rPr kumimoji="1" lang="en-US" altLang="ja-JP" dirty="0" smtClean="0">
-                  <a:solidFill>
-                    <a:schemeClr val="tx1"/>
-                  </a:solidFill>
-                  <a:latin typeface="Meiryo UI" panose="020B0604030504040204" pitchFamily="50" charset="-128"/>
-                  <a:ea typeface="Meiryo UI" panose="020B0604030504040204" pitchFamily="50" charset="-128"/>
-                </a:rPr>
-                <a:t>Slack</a:t>
-              </a:r>
-              <a:endParaRPr kumimoji="1" lang="ja-JP" altLang="en-US" dirty="0">
-                <a:solidFill>
-                  <a:schemeClr val="tx1"/>
-                </a:solidFill>
-                <a:latin typeface="Meiryo UI" panose="020B0604030504040204" pitchFamily="50" charset="-128"/>
-                <a:ea typeface="Meiryo UI" panose="020B0604030504040204" pitchFamily="50" charset="-128"/>
-              </a:endParaRPr>
-            </a:p>
-          </p:txBody>
-        </p:sp>
-      </p:grpSp>
-      <p:grpSp>
-        <p:nvGrpSpPr>
-          <p:cNvPr id="63" name="グループ化 62"/>
-          <p:cNvGrpSpPr/>
-          <p:nvPr/>
-        </p:nvGrpSpPr>
-        <p:grpSpPr>
-          <a:xfrm>
-            <a:off x="7717983" y="1579658"/>
-            <a:ext cx="1596877" cy="401988"/>
-            <a:chOff x="4394390" y="3279461"/>
-            <a:chExt cx="1596877" cy="401988"/>
-          </a:xfrm>
-        </p:grpSpPr>
-        <p:sp>
-          <p:nvSpPr>
-            <p:cNvPr id="64" name="正方形/長方形 63"/>
-            <p:cNvSpPr/>
-            <p:nvPr/>
-          </p:nvSpPr>
-          <p:spPr>
-            <a:xfrm>
-              <a:off x="4394390" y="3279461"/>
-              <a:ext cx="1596007" cy="401988"/>
-            </a:xfrm>
-            <a:prstGeom prst="rect">
-              <a:avLst/>
-            </a:prstGeom>
-            <a:solidFill>
-              <a:schemeClr val="bg1"/>
-            </a:solidFill>
-            <a:ln w="22225">
-              <a:solidFill>
-                <a:schemeClr val="tx1"/>
-              </a:solidFill>
-            </a:ln>
-          </p:spPr>
-          <p:style>
-            <a:lnRef idx="2">
-              <a:schemeClr val="accent1">
-                <a:shade val="50000"/>
-              </a:schemeClr>
-            </a:lnRef>
-            <a:fillRef idx="1">
-              <a:schemeClr val="accent1"/>
-            </a:fillRef>
-            <a:effectRef idx="0">
-              <a:schemeClr val="accent1"/>
-            </a:effectRef>
-            <a:fontRef idx="minor">
-              <a:schemeClr val="lt1"/>
-            </a:fontRef>
-          </p:style>
-          <p:txBody>
-            <a:bodyPr rtlCol="0" anchor="ctr"/>
-            <a:lstStyle/>
-            <a:p>
-              <a:pPr algn="ctr"/>
-              <a:endParaRPr kumimoji="1" lang="ja-JP" altLang="en-US"/>
-            </a:p>
-          </p:txBody>
-        </p:sp>
-        <p:sp>
-          <p:nvSpPr>
-            <p:cNvPr id="65" name="正方形/長方形 64"/>
-            <p:cNvSpPr/>
-            <p:nvPr/>
-          </p:nvSpPr>
-          <p:spPr>
-            <a:xfrm>
-              <a:off x="4395260" y="3286208"/>
-              <a:ext cx="1596007" cy="383193"/>
-            </a:xfrm>
-            <a:prstGeom prst="rect">
-              <a:avLst/>
-            </a:prstGeom>
-            <a:noFill/>
-            <a:ln w="22225">
-              <a:noFill/>
-            </a:ln>
-          </p:spPr>
-          <p:style>
-            <a:lnRef idx="2">
-              <a:schemeClr val="accent1">
-                <a:shade val="50000"/>
-              </a:schemeClr>
-            </a:lnRef>
-            <a:fillRef idx="1">
-              <a:schemeClr val="accent1"/>
-            </a:fillRef>
-            <a:effectRef idx="0">
-              <a:schemeClr val="accent1"/>
-            </a:effectRef>
-            <a:fontRef idx="minor">
-              <a:schemeClr val="lt1"/>
-            </a:fontRef>
-          </p:style>
-          <p:txBody>
-            <a:bodyPr rtlCol="0" anchor="ctr"/>
-            <a:lstStyle/>
-            <a:p>
-              <a:pPr algn="ctr"/>
-              <a:r>
-                <a:rPr kumimoji="1" lang="en-US" altLang="ja-JP" dirty="0" smtClean="0">
-                  <a:solidFill>
-                    <a:schemeClr val="tx1"/>
-                  </a:solidFill>
-                  <a:latin typeface="Meiryo UI" panose="020B0604030504040204" pitchFamily="50" charset="-128"/>
-                  <a:ea typeface="Meiryo UI" panose="020B0604030504040204" pitchFamily="50" charset="-128"/>
-                </a:rPr>
-                <a:t>GitHub</a:t>
-              </a:r>
-              <a:endParaRPr kumimoji="1" lang="ja-JP" altLang="en-US" dirty="0">
-                <a:solidFill>
-                  <a:schemeClr val="tx1"/>
-                </a:solidFill>
-                <a:latin typeface="Meiryo UI" panose="020B0604030504040204" pitchFamily="50" charset="-128"/>
-                <a:ea typeface="Meiryo UI" panose="020B0604030504040204" pitchFamily="50" charset="-128"/>
-              </a:endParaRPr>
-            </a:p>
-          </p:txBody>
-        </p:sp>
-      </p:grpSp>
-      <p:sp>
-        <p:nvSpPr>
-          <p:cNvPr id="66" name="正方形/長方形 65"/>
-          <p:cNvSpPr/>
-          <p:nvPr/>
-        </p:nvSpPr>
-        <p:spPr>
-          <a:xfrm>
-            <a:off x="8752122" y="4411663"/>
-            <a:ext cx="2061120" cy="877507"/>
-          </a:xfrm>
-          <a:prstGeom prst="rect">
-            <a:avLst/>
-          </a:prstGeom>
-          <a:noFill/>
-          <a:ln w="22225">
-            <a:noFill/>
-          </a:ln>
-        </p:spPr>
-        <p:style>
-          <a:lnRef idx="2">
-            <a:schemeClr val="accent1">
-              <a:shade val="50000"/>
-            </a:schemeClr>
-          </a:lnRef>
-          <a:fillRef idx="1">
-            <a:schemeClr val="accent1"/>
-          </a:fillRef>
-          <a:effectRef idx="0">
-            <a:schemeClr val="accent1"/>
-          </a:effectRef>
-          <a:fontRef idx="minor">
-            <a:schemeClr val="lt1"/>
-          </a:fontRef>
-        </p:style>
-        <p:txBody>
-          <a:bodyPr rtlCol="0" anchor="ctr"/>
-          <a:lstStyle/>
-          <a:p>
-            <a:r>
-              <a:rPr kumimoji="1" lang="ja-JP" altLang="en-US" dirty="0" smtClean="0">
-                <a:solidFill>
-                  <a:schemeClr val="tx1"/>
-                </a:solidFill>
-                <a:latin typeface="Meiryo UI" panose="020B0604030504040204" pitchFamily="50" charset="-128"/>
-                <a:ea typeface="Meiryo UI" panose="020B0604030504040204" pitchFamily="50" charset="-128"/>
-              </a:rPr>
-              <a:t>・</a:t>
-            </a:r>
-            <a:r>
-              <a:rPr kumimoji="1" lang="en-US" altLang="ja-JP" dirty="0" smtClean="0">
-                <a:solidFill>
-                  <a:schemeClr val="tx1"/>
-                </a:solidFill>
-                <a:latin typeface="Meiryo UI" panose="020B0604030504040204" pitchFamily="50" charset="-128"/>
-                <a:ea typeface="Meiryo UI" panose="020B0604030504040204" pitchFamily="50" charset="-128"/>
-              </a:rPr>
-              <a:t>Invoice</a:t>
-            </a:r>
-          </a:p>
-          <a:p>
-            <a:r>
-              <a:rPr kumimoji="1" lang="ja-JP" altLang="en-US" dirty="0" smtClean="0">
-                <a:solidFill>
-                  <a:schemeClr val="tx1"/>
-                </a:solidFill>
-                <a:latin typeface="Meiryo UI" panose="020B0604030504040204" pitchFamily="50" charset="-128"/>
-                <a:ea typeface="Meiryo UI" panose="020B0604030504040204" pitchFamily="50" charset="-128"/>
-              </a:rPr>
-              <a:t>・</a:t>
-            </a:r>
-            <a:r>
-              <a:rPr kumimoji="1" lang="en-US" altLang="ja-JP" dirty="0" smtClean="0">
-                <a:solidFill>
-                  <a:schemeClr val="tx1"/>
-                </a:solidFill>
-                <a:latin typeface="Meiryo UI" panose="020B0604030504040204" pitchFamily="50" charset="-128"/>
-                <a:ea typeface="Meiryo UI" panose="020B0604030504040204" pitchFamily="50" charset="-128"/>
-              </a:rPr>
-              <a:t>Order</a:t>
-            </a:r>
-          </a:p>
-          <a:p>
-            <a:r>
-              <a:rPr kumimoji="1" lang="ja-JP" altLang="en-US" dirty="0" smtClean="0">
-                <a:solidFill>
-                  <a:schemeClr val="tx1"/>
-                </a:solidFill>
-                <a:latin typeface="Meiryo UI" panose="020B0604030504040204" pitchFamily="50" charset="-128"/>
-                <a:ea typeface="Meiryo UI" panose="020B0604030504040204" pitchFamily="50" charset="-128"/>
-              </a:rPr>
-              <a:t>・</a:t>
-            </a:r>
-            <a:r>
-              <a:rPr kumimoji="1" lang="en-US" altLang="ja-JP" dirty="0" smtClean="0">
-                <a:solidFill>
-                  <a:schemeClr val="tx1"/>
-                </a:solidFill>
-                <a:latin typeface="Meiryo UI" panose="020B0604030504040204" pitchFamily="50" charset="-128"/>
-                <a:ea typeface="Meiryo UI" panose="020B0604030504040204" pitchFamily="50" charset="-128"/>
-              </a:rPr>
-              <a:t>Client</a:t>
-            </a:r>
-            <a:endParaRPr kumimoji="1" lang="ja-JP" altLang="en-US" dirty="0">
-              <a:solidFill>
-                <a:schemeClr val="tx1"/>
-              </a:solidFill>
-              <a:latin typeface="Meiryo UI" panose="020B0604030504040204" pitchFamily="50" charset="-128"/>
-              <a:ea typeface="Meiryo UI" panose="020B0604030504040204" pitchFamily="50" charset="-128"/>
-            </a:endParaRPr>
-          </a:p>
-        </p:txBody>
-      </p:sp>
-      <p:grpSp>
-        <p:nvGrpSpPr>
-          <p:cNvPr id="67" name="グループ化 66"/>
-          <p:cNvGrpSpPr/>
-          <p:nvPr/>
-        </p:nvGrpSpPr>
-        <p:grpSpPr>
-          <a:xfrm>
-            <a:off x="9216365" y="2751484"/>
-            <a:ext cx="1596877" cy="401988"/>
-            <a:chOff x="4394390" y="3279461"/>
-            <a:chExt cx="1596877" cy="401988"/>
-          </a:xfrm>
-        </p:grpSpPr>
-        <p:sp>
-          <p:nvSpPr>
-            <p:cNvPr id="68" name="正方形/長方形 67"/>
-            <p:cNvSpPr/>
-            <p:nvPr/>
-          </p:nvSpPr>
-          <p:spPr>
-            <a:xfrm>
-              <a:off x="4394390" y="3279461"/>
-              <a:ext cx="1596007" cy="401988"/>
-            </a:xfrm>
-            <a:prstGeom prst="rect">
-              <a:avLst/>
-            </a:prstGeom>
-            <a:solidFill>
-              <a:schemeClr val="bg1"/>
-            </a:solidFill>
-            <a:ln w="22225">
-              <a:solidFill>
-                <a:schemeClr val="tx1"/>
-              </a:solidFill>
-            </a:ln>
-          </p:spPr>
-          <p:style>
-            <a:lnRef idx="2">
-              <a:schemeClr val="accent1">
-                <a:shade val="50000"/>
-              </a:schemeClr>
-            </a:lnRef>
-            <a:fillRef idx="1">
-              <a:schemeClr val="accent1"/>
-            </a:fillRef>
-            <a:effectRef idx="0">
-              <a:schemeClr val="accent1"/>
-            </a:effectRef>
-            <a:fontRef idx="minor">
-              <a:schemeClr val="lt1"/>
-            </a:fontRef>
-          </p:style>
-          <p:txBody>
-            <a:bodyPr rtlCol="0" anchor="ctr"/>
-            <a:lstStyle/>
-            <a:p>
-              <a:pPr algn="ctr"/>
-              <a:endParaRPr kumimoji="1" lang="ja-JP" altLang="en-US"/>
-            </a:p>
-          </p:txBody>
-        </p:sp>
-        <p:sp>
-          <p:nvSpPr>
-            <p:cNvPr id="69" name="正方形/長方形 68"/>
-            <p:cNvSpPr/>
-            <p:nvPr/>
-          </p:nvSpPr>
-          <p:spPr>
-            <a:xfrm>
-              <a:off x="4395260" y="3286208"/>
-              <a:ext cx="1596007" cy="383193"/>
-            </a:xfrm>
-            <a:prstGeom prst="rect">
-              <a:avLst/>
-            </a:prstGeom>
-            <a:noFill/>
-            <a:ln w="22225">
-              <a:noFill/>
-            </a:ln>
-          </p:spPr>
-          <p:style>
-            <a:lnRef idx="2">
-              <a:schemeClr val="accent1">
-                <a:shade val="50000"/>
-              </a:schemeClr>
-            </a:lnRef>
-            <a:fillRef idx="1">
-              <a:schemeClr val="accent1"/>
-            </a:fillRef>
-            <a:effectRef idx="0">
-              <a:schemeClr val="accent1"/>
-            </a:effectRef>
-            <a:fontRef idx="minor">
-              <a:schemeClr val="lt1"/>
-            </a:fontRef>
-          </p:style>
-          <p:txBody>
-            <a:bodyPr rtlCol="0" anchor="ctr"/>
-            <a:lstStyle/>
-            <a:p>
-              <a:pPr algn="ctr"/>
-              <a:r>
-                <a:rPr kumimoji="1" lang="en-US" altLang="ja-JP" dirty="0" err="1" smtClean="0">
-                  <a:solidFill>
-                    <a:schemeClr val="tx1"/>
-                  </a:solidFill>
-                  <a:latin typeface="Meiryo UI" panose="020B0604030504040204" pitchFamily="50" charset="-128"/>
-                  <a:ea typeface="Meiryo UI" panose="020B0604030504040204" pitchFamily="50" charset="-128"/>
-                </a:rPr>
-                <a:t>Autodoc</a:t>
-              </a:r>
-              <a:endParaRPr kumimoji="1" lang="ja-JP" altLang="en-US" dirty="0">
-                <a:solidFill>
-                  <a:schemeClr val="tx1"/>
-                </a:solidFill>
-                <a:latin typeface="Meiryo UI" panose="020B0604030504040204" pitchFamily="50" charset="-128"/>
-                <a:ea typeface="Meiryo UI" panose="020B0604030504040204" pitchFamily="50" charset="-128"/>
-              </a:endParaRPr>
-            </a:p>
-          </p:txBody>
-        </p:sp>
-      </p:grpSp>
-      <p:grpSp>
-        <p:nvGrpSpPr>
-          <p:cNvPr id="70" name="グループ化 69"/>
-          <p:cNvGrpSpPr/>
-          <p:nvPr/>
-        </p:nvGrpSpPr>
-        <p:grpSpPr>
-          <a:xfrm>
-            <a:off x="7422021" y="2734760"/>
-            <a:ext cx="1596877" cy="401988"/>
-            <a:chOff x="4394390" y="3279461"/>
-            <a:chExt cx="1596877" cy="401988"/>
-          </a:xfrm>
-        </p:grpSpPr>
-        <p:sp>
-          <p:nvSpPr>
-            <p:cNvPr id="71" name="正方形/長方形 70"/>
-            <p:cNvSpPr/>
-            <p:nvPr/>
-          </p:nvSpPr>
-          <p:spPr>
-            <a:xfrm>
-              <a:off x="4394390" y="3279461"/>
-              <a:ext cx="1596007" cy="401988"/>
-            </a:xfrm>
-            <a:prstGeom prst="rect">
-              <a:avLst/>
-            </a:prstGeom>
-            <a:solidFill>
-              <a:schemeClr val="bg1"/>
-            </a:solidFill>
-            <a:ln w="22225">
-              <a:solidFill>
-                <a:schemeClr val="tx1"/>
-              </a:solidFill>
-            </a:ln>
-          </p:spPr>
-          <p:style>
-            <a:lnRef idx="2">
-              <a:schemeClr val="accent1">
-                <a:shade val="50000"/>
-              </a:schemeClr>
-            </a:lnRef>
-            <a:fillRef idx="1">
-              <a:schemeClr val="accent1"/>
-            </a:fillRef>
-            <a:effectRef idx="0">
-              <a:schemeClr val="accent1"/>
-            </a:effectRef>
-            <a:fontRef idx="minor">
-              <a:schemeClr val="lt1"/>
-            </a:fontRef>
-          </p:style>
-          <p:txBody>
-            <a:bodyPr rtlCol="0" anchor="ctr"/>
-            <a:lstStyle/>
-            <a:p>
-              <a:pPr algn="ctr"/>
-              <a:endParaRPr kumimoji="1" lang="ja-JP" altLang="en-US"/>
-            </a:p>
-          </p:txBody>
-        </p:sp>
-        <p:sp>
-          <p:nvSpPr>
-            <p:cNvPr id="72" name="正方形/長方形 71"/>
-            <p:cNvSpPr/>
-            <p:nvPr/>
-          </p:nvSpPr>
-          <p:spPr>
-            <a:xfrm>
-              <a:off x="4395260" y="3286208"/>
-              <a:ext cx="1596007" cy="383193"/>
-            </a:xfrm>
-            <a:prstGeom prst="rect">
-              <a:avLst/>
-            </a:prstGeom>
-            <a:noFill/>
-            <a:ln w="22225">
-              <a:noFill/>
-            </a:ln>
-          </p:spPr>
-          <p:style>
-            <a:lnRef idx="2">
-              <a:schemeClr val="accent1">
-                <a:shade val="50000"/>
-              </a:schemeClr>
-            </a:lnRef>
-            <a:fillRef idx="1">
-              <a:schemeClr val="accent1"/>
-            </a:fillRef>
-            <a:effectRef idx="0">
-              <a:schemeClr val="accent1"/>
-            </a:effectRef>
-            <a:fontRef idx="minor">
-              <a:schemeClr val="lt1"/>
-            </a:fontRef>
-          </p:style>
-          <p:txBody>
-            <a:bodyPr rtlCol="0" anchor="ctr"/>
-            <a:lstStyle/>
-            <a:p>
-              <a:pPr algn="ctr"/>
-              <a:r>
-                <a:rPr kumimoji="1" lang="en-US" altLang="ja-JP" dirty="0" err="1">
-                  <a:solidFill>
-                    <a:schemeClr val="tx1"/>
-                  </a:solidFill>
-                  <a:latin typeface="Meiryo UI" panose="020B0604030504040204" pitchFamily="50" charset="-128"/>
-                  <a:ea typeface="Meiryo UI" panose="020B0604030504040204" pitchFamily="50" charset="-128"/>
-                </a:rPr>
-                <a:t>CheckStyle</a:t>
-              </a:r>
-              <a:endParaRPr kumimoji="1" lang="ja-JP" altLang="en-US" dirty="0">
-                <a:solidFill>
-                  <a:schemeClr val="tx1"/>
-                </a:solidFill>
-                <a:latin typeface="Meiryo UI" panose="020B0604030504040204" pitchFamily="50" charset="-128"/>
-                <a:ea typeface="Meiryo UI" panose="020B0604030504040204" pitchFamily="50" charset="-128"/>
-              </a:endParaRPr>
-            </a:p>
-          </p:txBody>
-        </p:sp>
-      </p:grpSp>
-      <p:grpSp>
-        <p:nvGrpSpPr>
-          <p:cNvPr id="73" name="グループ化 72"/>
-          <p:cNvGrpSpPr/>
-          <p:nvPr/>
-        </p:nvGrpSpPr>
-        <p:grpSpPr>
-          <a:xfrm>
-            <a:off x="7430547" y="3273231"/>
-            <a:ext cx="1596877" cy="401988"/>
-            <a:chOff x="4394390" y="3279461"/>
-            <a:chExt cx="1596877" cy="401988"/>
-          </a:xfrm>
-        </p:grpSpPr>
-        <p:sp>
-          <p:nvSpPr>
-            <p:cNvPr id="74" name="正方形/長方形 73"/>
-            <p:cNvSpPr/>
-            <p:nvPr/>
-          </p:nvSpPr>
-          <p:spPr>
-            <a:xfrm>
-              <a:off x="4394390" y="3279461"/>
-              <a:ext cx="1596007" cy="401988"/>
-            </a:xfrm>
-            <a:prstGeom prst="rect">
-              <a:avLst/>
-            </a:prstGeom>
-            <a:solidFill>
-              <a:schemeClr val="bg1"/>
-            </a:solidFill>
-            <a:ln w="22225">
-              <a:solidFill>
-                <a:schemeClr val="tx1"/>
-              </a:solidFill>
-            </a:ln>
-          </p:spPr>
-          <p:style>
-            <a:lnRef idx="2">
-              <a:schemeClr val="accent1">
-                <a:shade val="50000"/>
-              </a:schemeClr>
-            </a:lnRef>
-            <a:fillRef idx="1">
-              <a:schemeClr val="accent1"/>
-            </a:fillRef>
-            <a:effectRef idx="0">
-              <a:schemeClr val="accent1"/>
-            </a:effectRef>
-            <a:fontRef idx="minor">
-              <a:schemeClr val="lt1"/>
-            </a:fontRef>
-          </p:style>
-          <p:txBody>
-            <a:bodyPr rtlCol="0" anchor="ctr"/>
-            <a:lstStyle/>
-            <a:p>
-              <a:pPr algn="ctr"/>
-              <a:endParaRPr kumimoji="1" lang="ja-JP" altLang="en-US"/>
-            </a:p>
-          </p:txBody>
-        </p:sp>
-        <p:sp>
-          <p:nvSpPr>
-            <p:cNvPr id="75" name="正方形/長方形 74"/>
-            <p:cNvSpPr/>
-            <p:nvPr/>
-          </p:nvSpPr>
-          <p:spPr>
-            <a:xfrm>
-              <a:off x="4395260" y="3286208"/>
-              <a:ext cx="1596007" cy="383193"/>
-            </a:xfrm>
-            <a:prstGeom prst="rect">
-              <a:avLst/>
-            </a:prstGeom>
-            <a:noFill/>
-            <a:ln w="22225">
-              <a:noFill/>
-            </a:ln>
-          </p:spPr>
-          <p:style>
-            <a:lnRef idx="2">
-              <a:schemeClr val="accent1">
-                <a:shade val="50000"/>
-              </a:schemeClr>
-            </a:lnRef>
-            <a:fillRef idx="1">
-              <a:schemeClr val="accent1"/>
-            </a:fillRef>
-            <a:effectRef idx="0">
-              <a:schemeClr val="accent1"/>
-            </a:effectRef>
-            <a:fontRef idx="minor">
-              <a:schemeClr val="lt1"/>
-            </a:fontRef>
-          </p:style>
-          <p:txBody>
-            <a:bodyPr rtlCol="0" anchor="ctr"/>
-            <a:lstStyle/>
-            <a:p>
-              <a:pPr algn="ctr"/>
-              <a:r>
-                <a:rPr kumimoji="1" lang="en-US" altLang="ja-JP" dirty="0" err="1">
-                  <a:solidFill>
-                    <a:schemeClr val="tx1"/>
-                  </a:solidFill>
-                  <a:latin typeface="Meiryo UI" panose="020B0604030504040204" pitchFamily="50" charset="-128"/>
-                  <a:ea typeface="Meiryo UI" panose="020B0604030504040204" pitchFamily="50" charset="-128"/>
-                </a:rPr>
-                <a:t>FingBugs</a:t>
-              </a:r>
-              <a:endParaRPr kumimoji="1" lang="ja-JP" altLang="en-US" dirty="0">
-                <a:solidFill>
-                  <a:schemeClr val="tx1"/>
-                </a:solidFill>
-                <a:latin typeface="Meiryo UI" panose="020B0604030504040204" pitchFamily="50" charset="-128"/>
-                <a:ea typeface="Meiryo UI" panose="020B0604030504040204" pitchFamily="50" charset="-128"/>
-              </a:endParaRPr>
-            </a:p>
-          </p:txBody>
-        </p:sp>
-      </p:grpSp>
-      <p:grpSp>
-        <p:nvGrpSpPr>
-          <p:cNvPr id="76" name="グループ化 75"/>
-          <p:cNvGrpSpPr/>
-          <p:nvPr/>
-        </p:nvGrpSpPr>
-        <p:grpSpPr>
-          <a:xfrm>
-            <a:off x="9216365" y="3270580"/>
-            <a:ext cx="1596877" cy="401988"/>
-            <a:chOff x="4394390" y="3279461"/>
-            <a:chExt cx="1596877" cy="401988"/>
-          </a:xfrm>
-        </p:grpSpPr>
-        <p:sp>
-          <p:nvSpPr>
-            <p:cNvPr id="77" name="正方形/長方形 76"/>
-            <p:cNvSpPr/>
-            <p:nvPr/>
-          </p:nvSpPr>
-          <p:spPr>
-            <a:xfrm>
-              <a:off x="4394390" y="3279461"/>
-              <a:ext cx="1596007" cy="401988"/>
-            </a:xfrm>
-            <a:prstGeom prst="rect">
-              <a:avLst/>
-            </a:prstGeom>
-            <a:solidFill>
-              <a:schemeClr val="bg1"/>
-            </a:solidFill>
-            <a:ln w="22225">
-              <a:solidFill>
-                <a:schemeClr val="tx1"/>
-              </a:solidFill>
-            </a:ln>
-          </p:spPr>
-          <p:style>
-            <a:lnRef idx="2">
-              <a:schemeClr val="accent1">
-                <a:shade val="50000"/>
-              </a:schemeClr>
-            </a:lnRef>
-            <a:fillRef idx="1">
-              <a:schemeClr val="accent1"/>
-            </a:fillRef>
-            <a:effectRef idx="0">
-              <a:schemeClr val="accent1"/>
-            </a:effectRef>
-            <a:fontRef idx="minor">
-              <a:schemeClr val="lt1"/>
-            </a:fontRef>
-          </p:style>
-          <p:txBody>
-            <a:bodyPr rtlCol="0" anchor="ctr"/>
-            <a:lstStyle/>
-            <a:p>
-              <a:pPr algn="ctr"/>
-              <a:endParaRPr kumimoji="1" lang="ja-JP" altLang="en-US"/>
-            </a:p>
-          </p:txBody>
-        </p:sp>
-        <p:sp>
-          <p:nvSpPr>
-            <p:cNvPr id="78" name="正方形/長方形 77"/>
-            <p:cNvSpPr/>
-            <p:nvPr/>
-          </p:nvSpPr>
-          <p:spPr>
-            <a:xfrm>
-              <a:off x="4395260" y="3286208"/>
-              <a:ext cx="1596007" cy="383193"/>
-            </a:xfrm>
-            <a:prstGeom prst="rect">
-              <a:avLst/>
-            </a:prstGeom>
-            <a:noFill/>
-            <a:ln w="22225">
-              <a:noFill/>
-            </a:ln>
-          </p:spPr>
-          <p:style>
-            <a:lnRef idx="2">
-              <a:schemeClr val="accent1">
-                <a:shade val="50000"/>
-              </a:schemeClr>
-            </a:lnRef>
-            <a:fillRef idx="1">
-              <a:schemeClr val="accent1"/>
-            </a:fillRef>
-            <a:effectRef idx="0">
-              <a:schemeClr val="accent1"/>
-            </a:effectRef>
-            <a:fontRef idx="minor">
-              <a:schemeClr val="lt1"/>
-            </a:fontRef>
-          </p:style>
-          <p:txBody>
-            <a:bodyPr rtlCol="0" anchor="ctr"/>
-            <a:lstStyle/>
-            <a:p>
-              <a:pPr algn="ctr"/>
-              <a:r>
-                <a:rPr kumimoji="1" lang="en-US" altLang="ja-JP" dirty="0">
-                  <a:solidFill>
-                    <a:schemeClr val="tx1"/>
-                  </a:solidFill>
-                  <a:latin typeface="Meiryo UI" panose="020B0604030504040204" pitchFamily="50" charset="-128"/>
-                  <a:ea typeface="Meiryo UI" panose="020B0604030504040204" pitchFamily="50" charset="-128"/>
-                </a:rPr>
-                <a:t>Jenkins</a:t>
-              </a:r>
-              <a:endParaRPr kumimoji="1" lang="ja-JP" altLang="en-US" dirty="0">
-                <a:solidFill>
-                  <a:schemeClr val="tx1"/>
-                </a:solidFill>
-                <a:latin typeface="Meiryo UI" panose="020B0604030504040204" pitchFamily="50" charset="-128"/>
-                <a:ea typeface="Meiryo UI" panose="020B0604030504040204" pitchFamily="50" charset="-128"/>
-              </a:endParaRPr>
-            </a:p>
-          </p:txBody>
-        </p:sp>
-      </p:grpSp>
-      <p:sp>
-        <p:nvSpPr>
-          <p:cNvPr id="79" name="角丸四角形 78"/>
-          <p:cNvSpPr/>
-          <p:nvPr/>
-        </p:nvSpPr>
-        <p:spPr>
-          <a:xfrm>
-            <a:off x="7278130" y="2334859"/>
-            <a:ext cx="3776724" cy="1483857"/>
-          </a:xfrm>
-          <a:prstGeom prst="roundRect">
-            <a:avLst/>
-          </a:prstGeom>
-          <a:solidFill>
-            <a:schemeClr val="accent1">
-              <a:alpha val="50000"/>
-            </a:schemeClr>
-          </a:solidFill>
-          <a:ln>
-            <a:solidFill>
-              <a:schemeClr val="accent1">
-                <a:shade val="50000"/>
-              </a:schemeClr>
-            </a:solidFill>
-          </a:ln>
-        </p:spPr>
-        <p:style>
-          <a:lnRef idx="2">
-            <a:schemeClr val="accent1">
-              <a:shade val="50000"/>
-            </a:schemeClr>
-          </a:lnRef>
-          <a:fillRef idx="1">
-            <a:schemeClr val="accent1"/>
-          </a:fillRef>
-          <a:effectRef idx="0">
-            <a:schemeClr val="accent1"/>
-          </a:effectRef>
-          <a:fontRef idx="minor">
-            <a:schemeClr val="lt1"/>
-          </a:fontRef>
-        </p:style>
-        <p:txBody>
-          <a:bodyPr rtlCol="0" anchor="ctr"/>
-          <a:lstStyle/>
-          <a:p>
-            <a:pPr algn="ctr"/>
-            <a:endParaRPr kumimoji="1" lang="ja-JP" altLang="en-US"/>
-          </a:p>
-        </p:txBody>
-      </p:sp>
-      <p:sp>
-        <p:nvSpPr>
-          <p:cNvPr id="80" name="正方形/長方形 79"/>
-          <p:cNvSpPr/>
-          <p:nvPr/>
-        </p:nvSpPr>
-        <p:spPr>
-          <a:xfrm>
-            <a:off x="4144358" y="2643567"/>
-            <a:ext cx="2061120" cy="334112"/>
-          </a:xfrm>
-          <a:prstGeom prst="rect">
-            <a:avLst/>
-          </a:prstGeom>
-          <a:noFill/>
-          <a:ln w="22225">
-            <a:noFill/>
-          </a:ln>
-        </p:spPr>
-        <p:style>
-          <a:lnRef idx="2">
-            <a:schemeClr val="accent1">
-              <a:shade val="50000"/>
-            </a:schemeClr>
-          </a:lnRef>
-          <a:fillRef idx="1">
-            <a:schemeClr val="accent1"/>
-          </a:fillRef>
-          <a:effectRef idx="0">
-            <a:schemeClr val="accent1"/>
-          </a:effectRef>
-          <a:fontRef idx="minor">
-            <a:schemeClr val="lt1"/>
-          </a:fontRef>
-        </p:style>
-        <p:txBody>
-          <a:bodyPr rtlCol="0" anchor="ctr"/>
-          <a:lstStyle/>
-          <a:p>
-            <a:pPr algn="ctr"/>
-            <a:r>
-              <a:rPr kumimoji="1" lang="ja-JP" altLang="en-US" dirty="0" smtClean="0">
-                <a:solidFill>
-                  <a:schemeClr val="tx1"/>
-                </a:solidFill>
-                <a:latin typeface="Meiryo UI" panose="020B0604030504040204" pitchFamily="50" charset="-128"/>
-                <a:ea typeface="Meiryo UI" panose="020B0604030504040204" pitchFamily="50" charset="-128"/>
-              </a:rPr>
-              <a:t>ビルド</a:t>
-            </a:r>
-            <a:endParaRPr kumimoji="1" lang="ja-JP" altLang="en-US" dirty="0">
-              <a:solidFill>
-                <a:schemeClr val="tx1"/>
-              </a:solidFill>
-              <a:latin typeface="Meiryo UI" panose="020B0604030504040204" pitchFamily="50" charset="-128"/>
-              <a:ea typeface="Meiryo UI" panose="020B0604030504040204" pitchFamily="50" charset="-128"/>
-            </a:endParaRPr>
-          </a:p>
-        </p:txBody>
-      </p:sp>
-      <p:sp>
-        <p:nvSpPr>
-          <p:cNvPr id="81" name="正方形/長方形 80"/>
-          <p:cNvSpPr/>
-          <p:nvPr/>
-        </p:nvSpPr>
-        <p:spPr>
-          <a:xfrm>
-            <a:off x="7270106" y="2334217"/>
-            <a:ext cx="3784747" cy="334112"/>
-          </a:xfrm>
-          <a:prstGeom prst="rect">
-            <a:avLst/>
-          </a:prstGeom>
-          <a:noFill/>
-          <a:ln w="22225">
-            <a:noFill/>
-          </a:ln>
-        </p:spPr>
-        <p:style>
-          <a:lnRef idx="2">
-            <a:schemeClr val="accent1">
-              <a:shade val="50000"/>
-            </a:schemeClr>
-          </a:lnRef>
-          <a:fillRef idx="1">
-            <a:schemeClr val="accent1"/>
-          </a:fillRef>
-          <a:effectRef idx="0">
-            <a:schemeClr val="accent1"/>
-          </a:effectRef>
-          <a:fontRef idx="minor">
-            <a:schemeClr val="lt1"/>
-          </a:fontRef>
-        </p:style>
-        <p:txBody>
-          <a:bodyPr rtlCol="0" anchor="ctr"/>
-          <a:lstStyle/>
-          <a:p>
-            <a:pPr algn="ctr"/>
-            <a:r>
-              <a:rPr kumimoji="1" lang="ja-JP" altLang="en-US" dirty="0" smtClean="0">
-                <a:solidFill>
-                  <a:schemeClr val="tx1"/>
-                </a:solidFill>
-                <a:latin typeface="Meiryo UI" panose="020B0604030504040204" pitchFamily="50" charset="-128"/>
-                <a:ea typeface="Meiryo UI" panose="020B0604030504040204" pitchFamily="50" charset="-128"/>
-              </a:rPr>
-              <a:t>未対応</a:t>
-            </a:r>
-            <a:endParaRPr kumimoji="1" lang="ja-JP" altLang="en-US" dirty="0">
-              <a:solidFill>
-                <a:schemeClr val="tx1"/>
-              </a:solidFill>
-              <a:latin typeface="Meiryo UI" panose="020B0604030504040204" pitchFamily="50" charset="-128"/>
-              <a:ea typeface="Meiryo UI" panose="020B0604030504040204" pitchFamily="50" charset="-128"/>
-            </a:endParaRPr>
-          </a:p>
-        </p:txBody>
-      </p:sp>
-    </p:spTree>
-    <p:extLst>
-      <p:ext uri="{BB962C8B-B14F-4D97-AF65-F5344CB8AC3E}">
-        <p14:creationId xmlns:p14="http://schemas.microsoft.com/office/powerpoint/2010/main" val="1544417043"/>
-      </p:ext>
-    </p:extLst>
-  </p:cSld>
-  <p:clrMapOvr>
-    <a:masterClrMapping/>
-  </p:clrMapOvr>
-</p:sld>
-</file>
-
-<file path=ppt/slides/slide3.xml><?xml version="1.0" encoding="utf-8"?>
-<p:sld xmlns:a="http://schemas.openxmlformats.org/drawingml/2006/main" xmlns:r="http://schemas.openxmlformats.org/officeDocument/2006/relationships" xmlns:p="http://schemas.openxmlformats.org/presentationml/2006/main">
-  <p:cSld>
-    <p:spTree>
-      <p:nvGrpSpPr>
-        <p:cNvPr id="1" name=""/>
-        <p:cNvGrpSpPr/>
-        <p:nvPr/>
-      </p:nvGrpSpPr>
-      <p:grpSpPr>
-        <a:xfrm>
-          <a:off x="0" y="0"/>
-          <a:ext cx="0" cy="0"/>
-          <a:chOff x="0" y="0"/>
-          <a:chExt cx="0" cy="0"/>
-        </a:xfrm>
-      </p:grpSpPr>
-      <p:sp>
-        <p:nvSpPr>
-          <p:cNvPr id="2" name="タイトル 1"/>
-          <p:cNvSpPr>
-            <a:spLocks noGrp="1"/>
-          </p:cNvSpPr>
-          <p:nvPr>
-            <p:ph type="title"/>
-          </p:nvPr>
-        </p:nvSpPr>
-        <p:spPr/>
-        <p:txBody>
-          <a:bodyPr/>
-          <a:lstStyle/>
-          <a:p>
-            <a:r>
-              <a:rPr kumimoji="1" lang="ja-JP" altLang="en-US" dirty="0" smtClean="0">
-                <a:latin typeface="Meiryo UI" panose="020B0604030504040204" pitchFamily="50" charset="-128"/>
-                <a:ea typeface="Meiryo UI" panose="020B0604030504040204" pitchFamily="50" charset="-128"/>
-              </a:rPr>
-              <a:t>振り返り　</a:t>
-            </a:r>
-            <a:r>
-              <a:rPr lang="en-US" altLang="ja-JP" dirty="0">
-                <a:latin typeface="Meiryo UI" panose="020B0604030504040204" pitchFamily="50" charset="-128"/>
-                <a:ea typeface="Meiryo UI" panose="020B0604030504040204" pitchFamily="50" charset="-128"/>
-              </a:rPr>
-              <a:t>1</a:t>
-            </a:r>
-            <a:r>
-              <a:rPr kumimoji="1" lang="en-US" altLang="ja-JP" dirty="0" smtClean="0">
-                <a:latin typeface="Meiryo UI" panose="020B0604030504040204" pitchFamily="50" charset="-128"/>
-                <a:ea typeface="Meiryo UI" panose="020B0604030504040204" pitchFamily="50" charset="-128"/>
-              </a:rPr>
-              <a:t>/6</a:t>
-            </a:r>
-            <a:endParaRPr kumimoji="1" lang="ja-JP" altLang="en-US" dirty="0">
-              <a:latin typeface="Meiryo UI" panose="020B0604030504040204" pitchFamily="50" charset="-128"/>
-              <a:ea typeface="Meiryo UI" panose="020B0604030504040204" pitchFamily="50" charset="-128"/>
-            </a:endParaRPr>
-          </a:p>
-        </p:txBody>
-      </p:sp>
-      <p:sp>
-        <p:nvSpPr>
-          <p:cNvPr id="3" name="コンテンツ プレースホルダー 2"/>
-          <p:cNvSpPr>
-            <a:spLocks noGrp="1"/>
-          </p:cNvSpPr>
-          <p:nvPr>
-            <p:ph idx="1"/>
-          </p:nvPr>
-        </p:nvSpPr>
-        <p:spPr/>
-        <p:txBody>
-          <a:bodyPr>
-            <a:normAutofit/>
-          </a:bodyPr>
-          <a:lstStyle/>
-          <a:p>
-            <a:r>
-              <a:rPr kumimoji="1" lang="en-US" altLang="ja-JP" sz="2800" dirty="0" smtClean="0">
-                <a:latin typeface="Meiryo UI" panose="020B0604030504040204" pitchFamily="50" charset="-128"/>
-                <a:ea typeface="Meiryo UI" panose="020B0604030504040204" pitchFamily="50" charset="-128"/>
-              </a:rPr>
-              <a:t>Eclipse</a:t>
-            </a:r>
-            <a:br>
-              <a:rPr kumimoji="1" lang="en-US" altLang="ja-JP" sz="2800" dirty="0" smtClean="0">
-                <a:latin typeface="Meiryo UI" panose="020B0604030504040204" pitchFamily="50" charset="-128"/>
-                <a:ea typeface="Meiryo UI" panose="020B0604030504040204" pitchFamily="50" charset="-128"/>
-              </a:rPr>
-            </a:br>
-            <a:r>
-              <a:rPr lang="ja-JP" altLang="en-US" sz="2400" dirty="0">
-                <a:latin typeface="Meiryo UI" panose="020B0604030504040204" pitchFamily="50" charset="-128"/>
-                <a:ea typeface="Meiryo UI" panose="020B0604030504040204" pitchFamily="50" charset="-128"/>
-              </a:rPr>
-              <a:t>今回</a:t>
-            </a:r>
-            <a:r>
-              <a:rPr lang="ja-JP" altLang="en-US" sz="2400" dirty="0" smtClean="0">
-                <a:latin typeface="Meiryo UI" panose="020B0604030504040204" pitchFamily="50" charset="-128"/>
-                <a:ea typeface="Meiryo UI" panose="020B0604030504040204" pitchFamily="50" charset="-128"/>
-              </a:rPr>
-              <a:t>は</a:t>
-            </a:r>
-            <a:r>
-              <a:rPr lang="en-US" altLang="ja-JP" sz="2400" dirty="0" smtClean="0">
-                <a:latin typeface="Meiryo UI" panose="020B0604030504040204" pitchFamily="50" charset="-128"/>
-                <a:ea typeface="Meiryo UI" panose="020B0604030504040204" pitchFamily="50" charset="-128"/>
-              </a:rPr>
-              <a:t>Java</a:t>
-            </a:r>
-            <a:r>
-              <a:rPr lang="ja-JP" altLang="en-US" sz="2400" dirty="0" smtClean="0">
-                <a:latin typeface="Meiryo UI" panose="020B0604030504040204" pitchFamily="50" charset="-128"/>
-                <a:ea typeface="Meiryo UI" panose="020B0604030504040204" pitchFamily="50" charset="-128"/>
-              </a:rPr>
-              <a:t> で使用しましたが、業務では</a:t>
-            </a:r>
-            <a:r>
-              <a:rPr lang="en-US" altLang="ja-JP" sz="2400" dirty="0" smtClean="0">
-                <a:latin typeface="Meiryo UI" panose="020B0604030504040204" pitchFamily="50" charset="-128"/>
-                <a:ea typeface="Meiryo UI" panose="020B0604030504040204" pitchFamily="50" charset="-128"/>
-              </a:rPr>
-              <a:t>PHP</a:t>
-            </a:r>
-            <a:r>
-              <a:rPr lang="ja-JP" altLang="en-US" sz="2400" dirty="0" err="1" smtClean="0">
-                <a:latin typeface="Meiryo UI" panose="020B0604030504040204" pitchFamily="50" charset="-128"/>
-                <a:ea typeface="Meiryo UI" panose="020B0604030504040204" pitchFamily="50" charset="-128"/>
-              </a:rPr>
-              <a:t>、</a:t>
-            </a:r>
-            <a:r>
-              <a:rPr lang="en-US" altLang="ja-JP" sz="2400" dirty="0" smtClean="0">
-                <a:latin typeface="Meiryo UI" panose="020B0604030504040204" pitchFamily="50" charset="-128"/>
-                <a:ea typeface="Meiryo UI" panose="020B0604030504040204" pitchFamily="50" charset="-128"/>
-              </a:rPr>
-              <a:t>C++</a:t>
-            </a:r>
-            <a:r>
-              <a:rPr lang="ja-JP" altLang="en-US" sz="2400" dirty="0" err="1" smtClean="0">
-                <a:latin typeface="Meiryo UI" panose="020B0604030504040204" pitchFamily="50" charset="-128"/>
-                <a:ea typeface="Meiryo UI" panose="020B0604030504040204" pitchFamily="50" charset="-128"/>
-              </a:rPr>
-              <a:t>、</a:t>
-            </a:r>
-            <a:r>
-              <a:rPr lang="en-US" altLang="ja-JP" sz="2400" dirty="0" err="1" smtClean="0">
-                <a:latin typeface="Meiryo UI" panose="020B0604030504040204" pitchFamily="50" charset="-128"/>
-                <a:ea typeface="Meiryo UI" panose="020B0604030504040204" pitchFamily="50" charset="-128"/>
-              </a:rPr>
-              <a:t>Node.Js</a:t>
-            </a:r>
-            <a:r>
-              <a:rPr lang="ja-JP" altLang="en-US" sz="2400" dirty="0" smtClean="0">
-                <a:latin typeface="Meiryo UI" panose="020B0604030504040204" pitchFamily="50" charset="-128"/>
-                <a:ea typeface="Meiryo UI" panose="020B0604030504040204" pitchFamily="50" charset="-128"/>
-              </a:rPr>
-              <a:t> なども</a:t>
-            </a:r>
-            <a:r>
-              <a:rPr lang="en-US" altLang="ja-JP" sz="2400" dirty="0" smtClean="0">
-                <a:latin typeface="Meiryo UI" panose="020B0604030504040204" pitchFamily="50" charset="-128"/>
-                <a:ea typeface="Meiryo UI" panose="020B0604030504040204" pitchFamily="50" charset="-128"/>
-              </a:rPr>
-              <a:t>Eclipse</a:t>
-            </a:r>
-            <a:r>
-              <a:rPr lang="ja-JP" altLang="en-US" sz="2400" dirty="0" smtClean="0">
-                <a:latin typeface="Meiryo UI" panose="020B0604030504040204" pitchFamily="50" charset="-128"/>
-                <a:ea typeface="Meiryo UI" panose="020B0604030504040204" pitchFamily="50" charset="-128"/>
-              </a:rPr>
-              <a:t> を使用しており、一つの開発環境でいろいろな言語を使用できる所が良いと思います。</a:t>
-            </a:r>
-            <a:r>
-              <a:rPr lang="en-US" altLang="ja-JP" sz="2400" dirty="0">
-                <a:latin typeface="Meiryo UI" panose="020B0604030504040204" pitchFamily="50" charset="-128"/>
-                <a:ea typeface="Meiryo UI" panose="020B0604030504040204" pitchFamily="50" charset="-128"/>
-              </a:rPr>
-              <a:t/>
-            </a:r>
-            <a:br>
-              <a:rPr lang="en-US" altLang="ja-JP" sz="2400" dirty="0">
-                <a:latin typeface="Meiryo UI" panose="020B0604030504040204" pitchFamily="50" charset="-128"/>
-                <a:ea typeface="Meiryo UI" panose="020B0604030504040204" pitchFamily="50" charset="-128"/>
-              </a:rPr>
-            </a:br>
-            <a:r>
-              <a:rPr lang="ja-JP" altLang="en-US" sz="2400" dirty="0" smtClean="0">
-                <a:latin typeface="Meiryo UI" panose="020B0604030504040204" pitchFamily="50" charset="-128"/>
-                <a:ea typeface="Meiryo UI" panose="020B0604030504040204" pitchFamily="50" charset="-128"/>
-              </a:rPr>
-              <a:t>デバッグ機能もそれなりに使用できるため重宝しています。</a:t>
-            </a:r>
-            <a:r>
-              <a:rPr lang="en-US" altLang="ja-JP" sz="2400" dirty="0">
-                <a:latin typeface="Meiryo UI" panose="020B0604030504040204" pitchFamily="50" charset="-128"/>
-                <a:ea typeface="Meiryo UI" panose="020B0604030504040204" pitchFamily="50" charset="-128"/>
-              </a:rPr>
-              <a:t/>
-            </a:r>
-            <a:br>
-              <a:rPr lang="en-US" altLang="ja-JP" sz="2400" dirty="0">
-                <a:latin typeface="Meiryo UI" panose="020B0604030504040204" pitchFamily="50" charset="-128"/>
-                <a:ea typeface="Meiryo UI" panose="020B0604030504040204" pitchFamily="50" charset="-128"/>
-              </a:rPr>
-            </a:br>
-            <a:r>
-              <a:rPr lang="en-US" altLang="ja-JP" sz="2400" dirty="0" smtClean="0">
-                <a:latin typeface="Meiryo UI" panose="020B0604030504040204" pitchFamily="50" charset="-128"/>
-                <a:ea typeface="Meiryo UI" panose="020B0604030504040204" pitchFamily="50" charset="-128"/>
-              </a:rPr>
-              <a:t>※</a:t>
-            </a:r>
-            <a:r>
-              <a:rPr lang="ja-JP" altLang="en-US" sz="2400" dirty="0" smtClean="0">
-                <a:latin typeface="Meiryo UI" panose="020B0604030504040204" pitchFamily="50" charset="-128"/>
-                <a:ea typeface="Meiryo UI" panose="020B0604030504040204" pitchFamily="50" charset="-128"/>
-              </a:rPr>
-              <a:t>追加でインストールできるプラグインが多いため、どれを使用して良いのかがわかりにくいところがありますが</a:t>
-            </a:r>
-            <a:r>
-              <a:rPr lang="en-US" altLang="ja-JP" sz="2400" dirty="0" smtClean="0">
-                <a:latin typeface="Meiryo UI" panose="020B0604030504040204" pitchFamily="50" charset="-128"/>
-                <a:ea typeface="Meiryo UI" panose="020B0604030504040204" pitchFamily="50" charset="-128"/>
-              </a:rPr>
-              <a:t>…</a:t>
-            </a:r>
-            <a:r>
-              <a:rPr lang="ja-JP" altLang="en-US" sz="2400" dirty="0" err="1" smtClean="0">
-                <a:latin typeface="Meiryo UI" panose="020B0604030504040204" pitchFamily="50" charset="-128"/>
-                <a:ea typeface="Meiryo UI" panose="020B0604030504040204" pitchFamily="50" charset="-128"/>
-              </a:rPr>
-              <a:t>。</a:t>
-            </a:r>
-            <a:endParaRPr lang="en-US" altLang="ja-JP" sz="2400" dirty="0" smtClean="0">
-              <a:latin typeface="Meiryo UI" panose="020B0604030504040204" pitchFamily="50" charset="-128"/>
-              <a:ea typeface="Meiryo UI" panose="020B0604030504040204" pitchFamily="50" charset="-128"/>
-            </a:endParaRPr>
-          </a:p>
-        </p:txBody>
-      </p:sp>
-    </p:spTree>
-    <p:extLst>
-      <p:ext uri="{BB962C8B-B14F-4D97-AF65-F5344CB8AC3E}">
-        <p14:creationId xmlns:p14="http://schemas.microsoft.com/office/powerpoint/2010/main" val="2200427108"/>
-      </p:ext>
-    </p:extLst>
-  </p:cSld>
-  <p:clrMapOvr>
-    <a:masterClrMapping/>
-  </p:clrMapOvr>
-</p:sld>
-</file>
-
-<file path=ppt/slides/slide4.xml><?xml version="1.0" encoding="utf-8"?>
-<p:sld xmlns:a="http://schemas.openxmlformats.org/drawingml/2006/main" xmlns:r="http://schemas.openxmlformats.org/officeDocument/2006/relationships" xmlns:p="http://schemas.openxmlformats.org/presentationml/2006/main">
-  <p:cSld>
-    <p:spTree>
-      <p:nvGrpSpPr>
-        <p:cNvPr id="1" name=""/>
-        <p:cNvGrpSpPr/>
-        <p:nvPr/>
-      </p:nvGrpSpPr>
-      <p:grpSpPr>
-        <a:xfrm>
-          <a:off x="0" y="0"/>
-          <a:ext cx="0" cy="0"/>
-          <a:chOff x="0" y="0"/>
-          <a:chExt cx="0" cy="0"/>
-        </a:xfrm>
-      </p:grpSpPr>
-      <p:sp>
-        <p:nvSpPr>
-          <p:cNvPr id="2" name="タイトル 1"/>
-          <p:cNvSpPr>
-            <a:spLocks noGrp="1"/>
-          </p:cNvSpPr>
-          <p:nvPr>
-            <p:ph type="title"/>
-          </p:nvPr>
-        </p:nvSpPr>
-        <p:spPr/>
-        <p:txBody>
-          <a:bodyPr/>
-          <a:lstStyle/>
-          <a:p>
-            <a:r>
-              <a:rPr kumimoji="1" lang="ja-JP" altLang="en-US" dirty="0" smtClean="0">
-                <a:latin typeface="Meiryo UI" panose="020B0604030504040204" pitchFamily="50" charset="-128"/>
-                <a:ea typeface="Meiryo UI" panose="020B0604030504040204" pitchFamily="50" charset="-128"/>
-              </a:rPr>
-              <a:t>振り返り</a:t>
-            </a:r>
-            <a:r>
-              <a:rPr lang="ja-JP" altLang="en-US" dirty="0">
-                <a:latin typeface="Meiryo UI" panose="020B0604030504040204" pitchFamily="50" charset="-128"/>
-                <a:ea typeface="Meiryo UI" panose="020B0604030504040204" pitchFamily="50" charset="-128"/>
-              </a:rPr>
-              <a:t>　</a:t>
-            </a:r>
-            <a:r>
-              <a:rPr lang="en-US" altLang="ja-JP" dirty="0" smtClean="0">
-                <a:latin typeface="Meiryo UI" panose="020B0604030504040204" pitchFamily="50" charset="-128"/>
-                <a:ea typeface="Meiryo UI" panose="020B0604030504040204" pitchFamily="50" charset="-128"/>
-              </a:rPr>
-              <a:t>2/6</a:t>
-            </a:r>
-            <a:endParaRPr kumimoji="1" lang="ja-JP" altLang="en-US" dirty="0">
-              <a:latin typeface="Meiryo UI" panose="020B0604030504040204" pitchFamily="50" charset="-128"/>
-              <a:ea typeface="Meiryo UI" panose="020B0604030504040204" pitchFamily="50" charset="-128"/>
-            </a:endParaRPr>
-          </a:p>
-        </p:txBody>
-      </p:sp>
-      <p:sp>
-        <p:nvSpPr>
-          <p:cNvPr id="3" name="コンテンツ プレースホルダー 2"/>
-          <p:cNvSpPr>
-            <a:spLocks noGrp="1"/>
-          </p:cNvSpPr>
-          <p:nvPr>
-            <p:ph idx="1"/>
-          </p:nvPr>
-        </p:nvSpPr>
-        <p:spPr/>
-        <p:txBody>
-          <a:bodyPr>
-            <a:normAutofit/>
-          </a:bodyPr>
-          <a:lstStyle/>
-          <a:p>
-            <a:r>
-              <a:rPr lang="en-US" altLang="ja-JP" sz="2800" dirty="0" smtClean="0">
-                <a:latin typeface="Meiryo UI" panose="020B0604030504040204" pitchFamily="50" charset="-128"/>
-                <a:ea typeface="Meiryo UI" panose="020B0604030504040204" pitchFamily="50" charset="-128"/>
-              </a:rPr>
-              <a:t>Maven</a:t>
-            </a:r>
-            <a:br>
-              <a:rPr lang="en-US" altLang="ja-JP" sz="2800" dirty="0" smtClean="0">
-                <a:latin typeface="Meiryo UI" panose="020B0604030504040204" pitchFamily="50" charset="-128"/>
-                <a:ea typeface="Meiryo UI" panose="020B0604030504040204" pitchFamily="50" charset="-128"/>
-              </a:rPr>
-            </a:br>
-            <a:r>
-              <a:rPr lang="ja-JP" altLang="en-US" sz="2400" dirty="0" smtClean="0">
-                <a:latin typeface="Meiryo UI" panose="020B0604030504040204" pitchFamily="50" charset="-128"/>
-                <a:ea typeface="Meiryo UI" panose="020B0604030504040204" pitchFamily="50" charset="-128"/>
-              </a:rPr>
-              <a:t>親子関係でパッケージの管理が可能で、管理が煩雑になりにくい点が良かったです。</a:t>
-            </a:r>
-            <a:r>
-              <a:rPr lang="en-US" altLang="ja-JP" sz="2400" dirty="0" smtClean="0">
-                <a:latin typeface="Meiryo UI" panose="020B0604030504040204" pitchFamily="50" charset="-128"/>
-                <a:ea typeface="Meiryo UI" panose="020B0604030504040204" pitchFamily="50" charset="-128"/>
-              </a:rPr>
-              <a:t/>
-            </a:r>
-            <a:br>
-              <a:rPr lang="en-US" altLang="ja-JP" sz="2400" dirty="0" smtClean="0">
-                <a:latin typeface="Meiryo UI" panose="020B0604030504040204" pitchFamily="50" charset="-128"/>
-                <a:ea typeface="Meiryo UI" panose="020B0604030504040204" pitchFamily="50" charset="-128"/>
-              </a:rPr>
-            </a:br>
-            <a:r>
-              <a:rPr lang="en-US" altLang="ja-JP" sz="2400" dirty="0" smtClean="0">
-                <a:latin typeface="Meiryo UI" panose="020B0604030504040204" pitchFamily="50" charset="-128"/>
-                <a:ea typeface="Meiryo UI" panose="020B0604030504040204" pitchFamily="50" charset="-128"/>
-              </a:rPr>
-              <a:t>pom.xml</a:t>
-            </a:r>
-            <a:r>
-              <a:rPr lang="ja-JP" altLang="en-US" sz="2400" dirty="0" smtClean="0">
-                <a:latin typeface="Meiryo UI" panose="020B0604030504040204" pitchFamily="50" charset="-128"/>
-                <a:ea typeface="Meiryo UI" panose="020B0604030504040204" pitchFamily="50" charset="-128"/>
-              </a:rPr>
-              <a:t> の設定がすべて</a:t>
-            </a:r>
-            <a:r>
-              <a:rPr lang="en-US" altLang="ja-JP" sz="2400" dirty="0" smtClean="0">
-                <a:latin typeface="Meiryo UI" panose="020B0604030504040204" pitchFamily="50" charset="-128"/>
-                <a:ea typeface="Meiryo UI" panose="020B0604030504040204" pitchFamily="50" charset="-128"/>
-              </a:rPr>
-              <a:t>GUI</a:t>
-            </a:r>
-            <a:r>
-              <a:rPr lang="ja-JP" altLang="en-US" sz="2400" dirty="0" smtClean="0">
-                <a:latin typeface="Meiryo UI" panose="020B0604030504040204" pitchFamily="50" charset="-128"/>
-                <a:ea typeface="Meiryo UI" panose="020B0604030504040204" pitchFamily="50" charset="-128"/>
-              </a:rPr>
-              <a:t> で出来なかったため</a:t>
-            </a:r>
-            <a:r>
-              <a:rPr lang="en-US" altLang="ja-JP" sz="2400" dirty="0" smtClean="0">
-                <a:latin typeface="Meiryo UI" panose="020B0604030504040204" pitchFamily="50" charset="-128"/>
-                <a:ea typeface="Meiryo UI" panose="020B0604030504040204" pitchFamily="50" charset="-128"/>
-              </a:rPr>
-              <a:t>xml</a:t>
-            </a:r>
-            <a:r>
-              <a:rPr lang="ja-JP" altLang="en-US" sz="2400" dirty="0" smtClean="0">
-                <a:latin typeface="Meiryo UI" panose="020B0604030504040204" pitchFamily="50" charset="-128"/>
-                <a:ea typeface="Meiryo UI" panose="020B0604030504040204" pitchFamily="50" charset="-128"/>
-              </a:rPr>
-              <a:t> を直接書く必要がありました。</a:t>
-            </a:r>
-            <a:r>
-              <a:rPr lang="en-US" altLang="ja-JP" sz="2400" dirty="0" smtClean="0">
-                <a:latin typeface="Meiryo UI" panose="020B0604030504040204" pitchFamily="50" charset="-128"/>
-                <a:ea typeface="Meiryo UI" panose="020B0604030504040204" pitchFamily="50" charset="-128"/>
-              </a:rPr>
-              <a:t/>
-            </a:r>
-            <a:br>
-              <a:rPr lang="en-US" altLang="ja-JP" sz="2400" dirty="0" smtClean="0">
-                <a:latin typeface="Meiryo UI" panose="020B0604030504040204" pitchFamily="50" charset="-128"/>
-                <a:ea typeface="Meiryo UI" panose="020B0604030504040204" pitchFamily="50" charset="-128"/>
-              </a:rPr>
-            </a:br>
-            <a:r>
-              <a:rPr lang="ja-JP" altLang="en-US" sz="2400" dirty="0" smtClean="0">
-                <a:latin typeface="Meiryo UI" panose="020B0604030504040204" pitchFamily="50" charset="-128"/>
-                <a:ea typeface="Meiryo UI" panose="020B0604030504040204" pitchFamily="50" charset="-128"/>
-              </a:rPr>
-              <a:t>このあたりの操作方法を今後の課題としていきたいと考えます。</a:t>
-            </a:r>
-            <a:endParaRPr lang="en-US" altLang="ja-JP" sz="2400" dirty="0">
-              <a:latin typeface="Meiryo UI" panose="020B0604030504040204" pitchFamily="50" charset="-128"/>
-              <a:ea typeface="Meiryo UI" panose="020B0604030504040204" pitchFamily="50" charset="-128"/>
-            </a:endParaRPr>
-          </a:p>
-        </p:txBody>
-      </p:sp>
-    </p:spTree>
-    <p:extLst>
-      <p:ext uri="{BB962C8B-B14F-4D97-AF65-F5344CB8AC3E}">
-        <p14:creationId xmlns:p14="http://schemas.microsoft.com/office/powerpoint/2010/main" val="3319991591"/>
-      </p:ext>
-    </p:extLst>
-  </p:cSld>
-  <p:clrMapOvr>
-    <a:masterClrMapping/>
-  </p:clrMapOvr>
-</p:sld>
-</file>
-
-<file path=ppt/slides/slide5.xml><?xml version="1.0" encoding="utf-8"?>
-<p:sld xmlns:a="http://schemas.openxmlformats.org/drawingml/2006/main" xmlns:r="http://schemas.openxmlformats.org/officeDocument/2006/relationships" xmlns:p="http://schemas.openxmlformats.org/presentationml/2006/main">
-  <p:cSld>
-    <p:spTree>
-      <p:nvGrpSpPr>
-        <p:cNvPr id="1" name=""/>
-        <p:cNvGrpSpPr/>
-        <p:nvPr/>
-      </p:nvGrpSpPr>
-      <p:grpSpPr>
-        <a:xfrm>
-          <a:off x="0" y="0"/>
-          <a:ext cx="0" cy="0"/>
-          <a:chOff x="0" y="0"/>
-          <a:chExt cx="0" cy="0"/>
-        </a:xfrm>
-      </p:grpSpPr>
-      <p:sp>
-        <p:nvSpPr>
-          <p:cNvPr id="2" name="タイトル 1"/>
-          <p:cNvSpPr>
-            <a:spLocks noGrp="1"/>
-          </p:cNvSpPr>
-          <p:nvPr>
-            <p:ph type="title"/>
-          </p:nvPr>
-        </p:nvSpPr>
-        <p:spPr/>
-        <p:txBody>
-          <a:bodyPr/>
-          <a:lstStyle/>
-          <a:p>
-            <a:r>
-              <a:rPr kumimoji="1" lang="ja-JP" altLang="en-US" dirty="0" smtClean="0">
-                <a:latin typeface="Meiryo UI" panose="020B0604030504040204" pitchFamily="50" charset="-128"/>
-                <a:ea typeface="Meiryo UI" panose="020B0604030504040204" pitchFamily="50" charset="-128"/>
-              </a:rPr>
-              <a:t>振り返り</a:t>
-            </a:r>
-            <a:r>
-              <a:rPr lang="ja-JP" altLang="en-US" dirty="0">
-                <a:latin typeface="Meiryo UI" panose="020B0604030504040204" pitchFamily="50" charset="-128"/>
-                <a:ea typeface="Meiryo UI" panose="020B0604030504040204" pitchFamily="50" charset="-128"/>
-              </a:rPr>
-              <a:t>　</a:t>
-            </a:r>
-            <a:r>
-              <a:rPr lang="en-US" altLang="ja-JP" dirty="0" smtClean="0">
-                <a:latin typeface="Meiryo UI" panose="020B0604030504040204" pitchFamily="50" charset="-128"/>
-                <a:ea typeface="Meiryo UI" panose="020B0604030504040204" pitchFamily="50" charset="-128"/>
-              </a:rPr>
-              <a:t>3/6</a:t>
-            </a:r>
-            <a:endParaRPr kumimoji="1" lang="ja-JP" altLang="en-US" dirty="0">
-              <a:latin typeface="Meiryo UI" panose="020B0604030504040204" pitchFamily="50" charset="-128"/>
-              <a:ea typeface="Meiryo UI" panose="020B0604030504040204" pitchFamily="50" charset="-128"/>
-            </a:endParaRPr>
-          </a:p>
-        </p:txBody>
-      </p:sp>
-      <p:sp>
-        <p:nvSpPr>
-          <p:cNvPr id="3" name="コンテンツ プレースホルダー 2"/>
-          <p:cNvSpPr>
-            <a:spLocks noGrp="1"/>
-          </p:cNvSpPr>
-          <p:nvPr>
-            <p:ph idx="1"/>
-          </p:nvPr>
-        </p:nvSpPr>
-        <p:spPr/>
-        <p:txBody>
-          <a:bodyPr>
-            <a:normAutofit fontScale="92500"/>
-          </a:bodyPr>
-          <a:lstStyle/>
-          <a:p>
-            <a:r>
-              <a:rPr lang="en-US" altLang="ja-JP" sz="3000" dirty="0">
-                <a:latin typeface="Meiryo UI" panose="020B0604030504040204" pitchFamily="50" charset="-128"/>
-                <a:ea typeface="Meiryo UI" panose="020B0604030504040204" pitchFamily="50" charset="-128"/>
-              </a:rPr>
-              <a:t>Spring Framework</a:t>
-            </a:r>
-            <a:r>
-              <a:rPr lang="en-US" altLang="ja-JP" sz="2800" dirty="0" smtClean="0">
-                <a:latin typeface="Meiryo UI" panose="020B0604030504040204" pitchFamily="50" charset="-128"/>
-                <a:ea typeface="Meiryo UI" panose="020B0604030504040204" pitchFamily="50" charset="-128"/>
-              </a:rPr>
-              <a:t/>
-            </a:r>
-            <a:br>
-              <a:rPr lang="en-US" altLang="ja-JP" sz="2800" dirty="0" smtClean="0">
-                <a:latin typeface="Meiryo UI" panose="020B0604030504040204" pitchFamily="50" charset="-128"/>
-                <a:ea typeface="Meiryo UI" panose="020B0604030504040204" pitchFamily="50" charset="-128"/>
-              </a:rPr>
-            </a:br>
-            <a:r>
-              <a:rPr lang="ja-JP" altLang="en-US" sz="2600" dirty="0" smtClean="0">
-                <a:latin typeface="Meiryo UI" panose="020B0604030504040204" pitchFamily="50" charset="-128"/>
-                <a:ea typeface="Meiryo UI" panose="020B0604030504040204" pitchFamily="50" charset="-128"/>
-              </a:rPr>
-              <a:t>初めて使用するにあたり、たくさんのコンポーネントがあり、どれを使用して良いのかがわかりにくかったです。</a:t>
-            </a:r>
-            <a:r>
-              <a:rPr lang="en-US" altLang="ja-JP" sz="2600" dirty="0" smtClean="0">
-                <a:latin typeface="Meiryo UI" panose="020B0604030504040204" pitchFamily="50" charset="-128"/>
-                <a:ea typeface="Meiryo UI" panose="020B0604030504040204" pitchFamily="50" charset="-128"/>
-              </a:rPr>
-              <a:t/>
-            </a:r>
-            <a:br>
-              <a:rPr lang="en-US" altLang="ja-JP" sz="2600" dirty="0" smtClean="0">
-                <a:latin typeface="Meiryo UI" panose="020B0604030504040204" pitchFamily="50" charset="-128"/>
-                <a:ea typeface="Meiryo UI" panose="020B0604030504040204" pitchFamily="50" charset="-128"/>
-              </a:rPr>
-            </a:br>
-            <a:r>
-              <a:rPr lang="ja-JP" altLang="en-US" sz="2600" dirty="0">
-                <a:latin typeface="Meiryo UI" panose="020B0604030504040204" pitchFamily="50" charset="-128"/>
-                <a:ea typeface="Meiryo UI" panose="020B0604030504040204" pitchFamily="50" charset="-128"/>
-              </a:rPr>
-              <a:t>何</a:t>
-            </a:r>
-            <a:r>
-              <a:rPr lang="ja-JP" altLang="en-US" sz="2600" dirty="0" smtClean="0">
-                <a:latin typeface="Meiryo UI" panose="020B0604030504040204" pitchFamily="50" charset="-128"/>
-                <a:ea typeface="Meiryo UI" panose="020B0604030504040204" pitchFamily="50" charset="-128"/>
-              </a:rPr>
-              <a:t>を</a:t>
-            </a:r>
-            <a:r>
-              <a:rPr lang="ja-JP" altLang="en-US" sz="2600" dirty="0">
-                <a:latin typeface="Meiryo UI" panose="020B0604030504040204" pitchFamily="50" charset="-128"/>
-                <a:ea typeface="Meiryo UI" panose="020B0604030504040204" pitchFamily="50" charset="-128"/>
-              </a:rPr>
-              <a:t>使</a:t>
-            </a:r>
-            <a:r>
-              <a:rPr lang="ja-JP" altLang="en-US" sz="2600" dirty="0" smtClean="0">
-                <a:latin typeface="Meiryo UI" panose="020B0604030504040204" pitchFamily="50" charset="-128"/>
-                <a:ea typeface="Meiryo UI" panose="020B0604030504040204" pitchFamily="50" charset="-128"/>
-              </a:rPr>
-              <a:t>うかが理解できてからはすんなりと開発できそうな感じはありましたが、フレームワーク独特の使用方法など、まだまだ理解するところが多いと感じました。</a:t>
-            </a:r>
-            <a:r>
-              <a:rPr lang="en-US" altLang="ja-JP" sz="2600" dirty="0" smtClean="0">
-                <a:latin typeface="Meiryo UI" panose="020B0604030504040204" pitchFamily="50" charset="-128"/>
-                <a:ea typeface="Meiryo UI" panose="020B0604030504040204" pitchFamily="50" charset="-128"/>
-              </a:rPr>
-              <a:t/>
-            </a:r>
-            <a:br>
-              <a:rPr lang="en-US" altLang="ja-JP" sz="2600" dirty="0" smtClean="0">
-                <a:latin typeface="Meiryo UI" panose="020B0604030504040204" pitchFamily="50" charset="-128"/>
-                <a:ea typeface="Meiryo UI" panose="020B0604030504040204" pitchFamily="50" charset="-128"/>
-              </a:rPr>
-            </a:br>
-            <a:r>
-              <a:rPr lang="en-US" altLang="ja-JP" sz="2600" dirty="0" smtClean="0">
-                <a:latin typeface="Meiryo UI" panose="020B0604030504040204" pitchFamily="50" charset="-128"/>
-                <a:ea typeface="Meiryo UI" panose="020B0604030504040204" pitchFamily="50" charset="-128"/>
-              </a:rPr>
-              <a:t>※</a:t>
-            </a:r>
-            <a:r>
-              <a:rPr lang="ja-JP" altLang="en-US" sz="2600" dirty="0" smtClean="0">
-                <a:latin typeface="Meiryo UI" panose="020B0604030504040204" pitchFamily="50" charset="-128"/>
-                <a:ea typeface="Meiryo UI" panose="020B0604030504040204" pitchFamily="50" charset="-128"/>
-              </a:rPr>
-              <a:t>個人的にはフレームワークのバグや脆弱性に引きずられるのが嫌なので、小規模なプロジェクトでは、フレームワークは使用したくないです。</a:t>
-            </a:r>
-            <a:endParaRPr lang="en-US" altLang="ja-JP" sz="2600" dirty="0" smtClean="0">
-              <a:latin typeface="Meiryo UI" panose="020B0604030504040204" pitchFamily="50" charset="-128"/>
-              <a:ea typeface="Meiryo UI" panose="020B0604030504040204" pitchFamily="50" charset="-128"/>
-            </a:endParaRPr>
-          </a:p>
-        </p:txBody>
-      </p:sp>
-    </p:spTree>
-    <p:extLst>
-      <p:ext uri="{BB962C8B-B14F-4D97-AF65-F5344CB8AC3E}">
-        <p14:creationId xmlns:p14="http://schemas.microsoft.com/office/powerpoint/2010/main" val="1244173773"/>
-      </p:ext>
-    </p:extLst>
-  </p:cSld>
-  <p:clrMapOvr>
-    <a:masterClrMapping/>
-  </p:clrMapOvr>
-</p:sld>
-</file>
-
-<file path=ppt/slides/slide6.xml><?xml version="1.0" encoding="utf-8"?>
-<p:sld xmlns:a="http://schemas.openxmlformats.org/drawingml/2006/main" xmlns:r="http://schemas.openxmlformats.org/officeDocument/2006/relationships" xmlns:p="http://schemas.openxmlformats.org/presentationml/2006/main">
-  <p:cSld>
-    <p:spTree>
-      <p:nvGrpSpPr>
-        <p:cNvPr id="1" name=""/>
-        <p:cNvGrpSpPr/>
-        <p:nvPr/>
-      </p:nvGrpSpPr>
-      <p:grpSpPr>
-        <a:xfrm>
-          <a:off x="0" y="0"/>
-          <a:ext cx="0" cy="0"/>
-          <a:chOff x="0" y="0"/>
-          <a:chExt cx="0" cy="0"/>
-        </a:xfrm>
-      </p:grpSpPr>
-      <p:sp>
-        <p:nvSpPr>
-          <p:cNvPr id="2" name="タイトル 1"/>
-          <p:cNvSpPr>
-            <a:spLocks noGrp="1"/>
-          </p:cNvSpPr>
-          <p:nvPr>
-            <p:ph type="title"/>
-          </p:nvPr>
-        </p:nvSpPr>
-        <p:spPr/>
-        <p:txBody>
-          <a:bodyPr/>
-          <a:lstStyle/>
-          <a:p>
-            <a:r>
-              <a:rPr kumimoji="1" lang="ja-JP" altLang="en-US" dirty="0" smtClean="0">
-                <a:latin typeface="Meiryo UI" panose="020B0604030504040204" pitchFamily="50" charset="-128"/>
-                <a:ea typeface="Meiryo UI" panose="020B0604030504040204" pitchFamily="50" charset="-128"/>
-              </a:rPr>
-              <a:t>振り返り</a:t>
-            </a:r>
-            <a:r>
-              <a:rPr lang="ja-JP" altLang="en-US" dirty="0">
-                <a:latin typeface="Meiryo UI" panose="020B0604030504040204" pitchFamily="50" charset="-128"/>
-                <a:ea typeface="Meiryo UI" panose="020B0604030504040204" pitchFamily="50" charset="-128"/>
-              </a:rPr>
-              <a:t>　</a:t>
-            </a:r>
-            <a:r>
-              <a:rPr lang="en-US" altLang="ja-JP" dirty="0" smtClean="0">
-                <a:latin typeface="Meiryo UI" panose="020B0604030504040204" pitchFamily="50" charset="-128"/>
-                <a:ea typeface="Meiryo UI" panose="020B0604030504040204" pitchFamily="50" charset="-128"/>
-              </a:rPr>
-              <a:t>4/6</a:t>
-            </a:r>
-            <a:endParaRPr kumimoji="1" lang="ja-JP" altLang="en-US" dirty="0">
-              <a:latin typeface="Meiryo UI" panose="020B0604030504040204" pitchFamily="50" charset="-128"/>
-              <a:ea typeface="Meiryo UI" panose="020B0604030504040204" pitchFamily="50" charset="-128"/>
-            </a:endParaRPr>
-          </a:p>
-        </p:txBody>
-      </p:sp>
-      <p:sp>
-        <p:nvSpPr>
-          <p:cNvPr id="3" name="コンテンツ プレースホルダー 2"/>
-          <p:cNvSpPr>
-            <a:spLocks noGrp="1"/>
-          </p:cNvSpPr>
-          <p:nvPr>
-            <p:ph idx="1"/>
-          </p:nvPr>
-        </p:nvSpPr>
-        <p:spPr/>
-        <p:txBody>
-          <a:bodyPr>
-            <a:noAutofit/>
-          </a:bodyPr>
-          <a:lstStyle/>
-          <a:p>
-            <a:r>
-              <a:rPr lang="en-US" altLang="ja-JP" sz="2800" dirty="0" smtClean="0">
-                <a:latin typeface="Meiryo UI" panose="020B0604030504040204" pitchFamily="50" charset="-128"/>
-                <a:ea typeface="Meiryo UI" panose="020B0604030504040204" pitchFamily="50" charset="-128"/>
-              </a:rPr>
-              <a:t>GitHub</a:t>
-            </a:r>
-            <a:br>
-              <a:rPr lang="en-US" altLang="ja-JP" sz="2800" dirty="0" smtClean="0">
-                <a:latin typeface="Meiryo UI" panose="020B0604030504040204" pitchFamily="50" charset="-128"/>
-                <a:ea typeface="Meiryo UI" panose="020B0604030504040204" pitchFamily="50" charset="-128"/>
-              </a:rPr>
-            </a:br>
-            <a:r>
-              <a:rPr lang="ja-JP" altLang="en-US" sz="2400" dirty="0" smtClean="0">
-                <a:latin typeface="Meiryo UI" panose="020B0604030504040204" pitchFamily="50" charset="-128"/>
-                <a:ea typeface="Meiryo UI" panose="020B0604030504040204" pitchFamily="50" charset="-128"/>
-              </a:rPr>
-              <a:t>主に</a:t>
-            </a:r>
-            <a:r>
-              <a:rPr lang="en-US" altLang="ja-JP" sz="2400" dirty="0" smtClean="0">
-                <a:latin typeface="Meiryo UI" panose="020B0604030504040204" pitchFamily="50" charset="-128"/>
-                <a:ea typeface="Meiryo UI" panose="020B0604030504040204" pitchFamily="50" charset="-128"/>
-              </a:rPr>
-              <a:t>VSS</a:t>
-            </a:r>
-            <a:r>
-              <a:rPr lang="ja-JP" altLang="en-US" sz="2400" dirty="0" err="1" smtClean="0">
-                <a:latin typeface="Meiryo UI" panose="020B0604030504040204" pitchFamily="50" charset="-128"/>
-                <a:ea typeface="Meiryo UI" panose="020B0604030504040204" pitchFamily="50" charset="-128"/>
-              </a:rPr>
-              <a:t>、</a:t>
-            </a:r>
-            <a:r>
-              <a:rPr lang="en-US" altLang="ja-JP" sz="2400" dirty="0" smtClean="0">
-                <a:latin typeface="Meiryo UI" panose="020B0604030504040204" pitchFamily="50" charset="-128"/>
-                <a:ea typeface="Meiryo UI" panose="020B0604030504040204" pitchFamily="50" charset="-128"/>
-              </a:rPr>
-              <a:t>SVN</a:t>
-            </a:r>
-            <a:r>
-              <a:rPr lang="ja-JP" altLang="en-US" sz="2400" dirty="0" smtClean="0">
-                <a:latin typeface="Meiryo UI" panose="020B0604030504040204" pitchFamily="50" charset="-128"/>
-                <a:ea typeface="Meiryo UI" panose="020B0604030504040204" pitchFamily="50" charset="-128"/>
-              </a:rPr>
-              <a:t> を使用してきましたので、</a:t>
-            </a:r>
-            <a:r>
-              <a:rPr lang="en-US" altLang="ja-JP" sz="2400" dirty="0" err="1" smtClean="0">
-                <a:latin typeface="Meiryo UI" panose="020B0604030504040204" pitchFamily="50" charset="-128"/>
-                <a:ea typeface="Meiryo UI" panose="020B0604030504040204" pitchFamily="50" charset="-128"/>
-              </a:rPr>
-              <a:t>Git</a:t>
-            </a:r>
-            <a:r>
-              <a:rPr lang="ja-JP" altLang="en-US" sz="2400" dirty="0" smtClean="0">
-                <a:latin typeface="Meiryo UI" panose="020B0604030504040204" pitchFamily="50" charset="-128"/>
-                <a:ea typeface="Meiryo UI" panose="020B0604030504040204" pitchFamily="50" charset="-128"/>
-              </a:rPr>
-              <a:t> はソースの差分管理程度のみで使用してきました。</a:t>
-            </a:r>
-            <a:r>
-              <a:rPr lang="en-US" altLang="ja-JP" sz="2400" dirty="0" smtClean="0">
-                <a:latin typeface="Meiryo UI" panose="020B0604030504040204" pitchFamily="50" charset="-128"/>
-                <a:ea typeface="Meiryo UI" panose="020B0604030504040204" pitchFamily="50" charset="-128"/>
-              </a:rPr>
-              <a:t/>
-            </a:r>
-            <a:br>
-              <a:rPr lang="en-US" altLang="ja-JP" sz="2400" dirty="0" smtClean="0">
-                <a:latin typeface="Meiryo UI" panose="020B0604030504040204" pitchFamily="50" charset="-128"/>
-                <a:ea typeface="Meiryo UI" panose="020B0604030504040204" pitchFamily="50" charset="-128"/>
-              </a:rPr>
-            </a:br>
-            <a:r>
-              <a:rPr lang="ja-JP" altLang="en-US" sz="2400" dirty="0" smtClean="0">
-                <a:latin typeface="Meiryo UI" panose="020B0604030504040204" pitchFamily="50" charset="-128"/>
-                <a:ea typeface="Meiryo UI" panose="020B0604030504040204" pitchFamily="50" charset="-128"/>
-              </a:rPr>
-              <a:t>客先によってソース管理の方法が違うので現状では</a:t>
-            </a:r>
-            <a:r>
-              <a:rPr lang="en-US" altLang="ja-JP" sz="2400" dirty="0" err="1" smtClean="0">
-                <a:latin typeface="Meiryo UI" panose="020B0604030504040204" pitchFamily="50" charset="-128"/>
-                <a:ea typeface="Meiryo UI" panose="020B0604030504040204" pitchFamily="50" charset="-128"/>
-              </a:rPr>
-              <a:t>Git</a:t>
-            </a:r>
-            <a:r>
-              <a:rPr lang="ja-JP" altLang="en-US" sz="2400" dirty="0" smtClean="0">
-                <a:latin typeface="Meiryo UI" panose="020B0604030504040204" pitchFamily="50" charset="-128"/>
-                <a:ea typeface="Meiryo UI" panose="020B0604030504040204" pitchFamily="50" charset="-128"/>
-              </a:rPr>
-              <a:t> を使用する頻度がほぼ無いですが、差分管理以外の機能についても知っておく必要があると考えますので、今後の課題にしたいと思います。</a:t>
-            </a:r>
-            <a:r>
-              <a:rPr lang="en-US" altLang="ja-JP" sz="2400" dirty="0" smtClean="0">
-                <a:latin typeface="Meiryo UI" panose="020B0604030504040204" pitchFamily="50" charset="-128"/>
-                <a:ea typeface="Meiryo UI" panose="020B0604030504040204" pitchFamily="50" charset="-128"/>
-              </a:rPr>
-              <a:t/>
-            </a:r>
-            <a:br>
-              <a:rPr lang="en-US" altLang="ja-JP" sz="2400" dirty="0" smtClean="0">
-                <a:latin typeface="Meiryo UI" panose="020B0604030504040204" pitchFamily="50" charset="-128"/>
-                <a:ea typeface="Meiryo UI" panose="020B0604030504040204" pitchFamily="50" charset="-128"/>
-              </a:rPr>
-            </a:br>
-            <a:endParaRPr lang="en-US" altLang="ja-JP" sz="2400" dirty="0">
-              <a:latin typeface="Meiryo UI" panose="020B0604030504040204" pitchFamily="50" charset="-128"/>
-              <a:ea typeface="Meiryo UI" panose="020B0604030504040204" pitchFamily="50" charset="-128"/>
-            </a:endParaRPr>
-          </a:p>
-          <a:p>
-            <a:pPr marL="0" indent="0">
-              <a:buNone/>
-            </a:pPr>
-            <a:endParaRPr kumimoji="1" lang="ja-JP" altLang="en-US" sz="2800" dirty="0">
-              <a:latin typeface="Meiryo UI" panose="020B0604030504040204" pitchFamily="50" charset="-128"/>
-              <a:ea typeface="Meiryo UI" panose="020B0604030504040204" pitchFamily="50" charset="-128"/>
-            </a:endParaRPr>
-          </a:p>
-        </p:txBody>
-      </p:sp>
-    </p:spTree>
-    <p:extLst>
-      <p:ext uri="{BB962C8B-B14F-4D97-AF65-F5344CB8AC3E}">
-        <p14:creationId xmlns:p14="http://schemas.microsoft.com/office/powerpoint/2010/main" val="2138112587"/>
-      </p:ext>
-    </p:extLst>
-  </p:cSld>
-  <p:clrMapOvr>
-    <a:masterClrMapping/>
-  </p:clrMapOvr>
-</p:sld>
-</file>
-
-<file path=ppt/slides/slide7.xml><?xml version="1.0" encoding="utf-8"?>
-<p:sld xmlns:a="http://schemas.openxmlformats.org/drawingml/2006/main" xmlns:r="http://schemas.openxmlformats.org/officeDocument/2006/relationships" xmlns:p="http://schemas.openxmlformats.org/presentationml/2006/main">
-  <p:cSld>
-    <p:spTree>
-      <p:nvGrpSpPr>
-        <p:cNvPr id="1" name=""/>
-        <p:cNvGrpSpPr/>
-        <p:nvPr/>
-      </p:nvGrpSpPr>
-      <p:grpSpPr>
-        <a:xfrm>
-          <a:off x="0" y="0"/>
-          <a:ext cx="0" cy="0"/>
-          <a:chOff x="0" y="0"/>
-          <a:chExt cx="0" cy="0"/>
-        </a:xfrm>
-      </p:grpSpPr>
-      <p:sp>
-        <p:nvSpPr>
-          <p:cNvPr id="2" name="タイトル 1"/>
-          <p:cNvSpPr>
-            <a:spLocks noGrp="1"/>
-          </p:cNvSpPr>
-          <p:nvPr>
-            <p:ph type="title"/>
-          </p:nvPr>
-        </p:nvSpPr>
-        <p:spPr/>
-        <p:txBody>
-          <a:bodyPr/>
-          <a:lstStyle/>
-          <a:p>
-            <a:r>
-              <a:rPr kumimoji="1" lang="ja-JP" altLang="en-US" dirty="0" smtClean="0">
-                <a:latin typeface="Meiryo UI" panose="020B0604030504040204" pitchFamily="50" charset="-128"/>
-                <a:ea typeface="Meiryo UI" panose="020B0604030504040204" pitchFamily="50" charset="-128"/>
-              </a:rPr>
-              <a:t>振り返り</a:t>
-            </a:r>
-            <a:r>
-              <a:rPr lang="ja-JP" altLang="en-US" dirty="0">
-                <a:latin typeface="Meiryo UI" panose="020B0604030504040204" pitchFamily="50" charset="-128"/>
-                <a:ea typeface="Meiryo UI" panose="020B0604030504040204" pitchFamily="50" charset="-128"/>
-              </a:rPr>
-              <a:t>　</a:t>
-            </a:r>
-            <a:r>
-              <a:rPr lang="en-US" altLang="ja-JP" dirty="0" smtClean="0">
-                <a:latin typeface="Meiryo UI" panose="020B0604030504040204" pitchFamily="50" charset="-128"/>
-                <a:ea typeface="Meiryo UI" panose="020B0604030504040204" pitchFamily="50" charset="-128"/>
-              </a:rPr>
-              <a:t>5/6</a:t>
-            </a:r>
-            <a:endParaRPr kumimoji="1" lang="ja-JP" altLang="en-US" dirty="0">
-              <a:latin typeface="Meiryo UI" panose="020B0604030504040204" pitchFamily="50" charset="-128"/>
-              <a:ea typeface="Meiryo UI" panose="020B0604030504040204" pitchFamily="50" charset="-128"/>
-            </a:endParaRPr>
-          </a:p>
-        </p:txBody>
-      </p:sp>
-      <p:sp>
-        <p:nvSpPr>
-          <p:cNvPr id="3" name="コンテンツ プレースホルダー 2"/>
-          <p:cNvSpPr>
-            <a:spLocks noGrp="1"/>
-          </p:cNvSpPr>
-          <p:nvPr>
-            <p:ph idx="1"/>
-          </p:nvPr>
-        </p:nvSpPr>
-        <p:spPr/>
-        <p:txBody>
-          <a:bodyPr>
-            <a:noAutofit/>
-          </a:bodyPr>
-          <a:lstStyle/>
-          <a:p>
-            <a:r>
-              <a:rPr kumimoji="1" lang="en-US" altLang="ja-JP" sz="2800" dirty="0" smtClean="0">
-                <a:latin typeface="Meiryo UI" panose="020B0604030504040204" pitchFamily="50" charset="-128"/>
-                <a:ea typeface="Meiryo UI" panose="020B0604030504040204" pitchFamily="50" charset="-128"/>
-              </a:rPr>
-              <a:t>Slack</a:t>
-            </a:r>
-            <a:r>
-              <a:rPr lang="en-US" altLang="ja-JP" sz="2800" dirty="0" smtClean="0">
-                <a:latin typeface="Meiryo UI" panose="020B0604030504040204" pitchFamily="50" charset="-128"/>
-                <a:ea typeface="Meiryo UI" panose="020B0604030504040204" pitchFamily="50" charset="-128"/>
-              </a:rPr>
-              <a:t/>
-            </a:r>
-            <a:br>
-              <a:rPr lang="en-US" altLang="ja-JP" sz="2800" dirty="0" smtClean="0">
-                <a:latin typeface="Meiryo UI" panose="020B0604030504040204" pitchFamily="50" charset="-128"/>
-                <a:ea typeface="Meiryo UI" panose="020B0604030504040204" pitchFamily="50" charset="-128"/>
-              </a:rPr>
-            </a:br>
-            <a:r>
-              <a:rPr lang="ja-JP" altLang="en-US" sz="2400" dirty="0" smtClean="0">
-                <a:latin typeface="Meiryo UI" panose="020B0604030504040204" pitchFamily="50" charset="-128"/>
-                <a:ea typeface="Meiryo UI" panose="020B0604030504040204" pitchFamily="50" charset="-128"/>
-              </a:rPr>
-              <a:t>コミュニケーションツールとしては良いかなと思いました。</a:t>
-            </a:r>
-            <a:r>
-              <a:rPr lang="en-US" altLang="ja-JP" sz="2400" dirty="0" smtClean="0">
-                <a:latin typeface="Meiryo UI" panose="020B0604030504040204" pitchFamily="50" charset="-128"/>
-                <a:ea typeface="Meiryo UI" panose="020B0604030504040204" pitchFamily="50" charset="-128"/>
-              </a:rPr>
-              <a:t/>
-            </a:r>
-            <a:br>
-              <a:rPr lang="en-US" altLang="ja-JP" sz="2400" dirty="0" smtClean="0">
-                <a:latin typeface="Meiryo UI" panose="020B0604030504040204" pitchFamily="50" charset="-128"/>
-                <a:ea typeface="Meiryo UI" panose="020B0604030504040204" pitchFamily="50" charset="-128"/>
-              </a:rPr>
-            </a:br>
-            <a:r>
-              <a:rPr lang="en-US" altLang="ja-JP" sz="2400" dirty="0" smtClean="0">
-                <a:latin typeface="Meiryo UI" panose="020B0604030504040204" pitchFamily="50" charset="-128"/>
-                <a:ea typeface="Meiryo UI" panose="020B0604030504040204" pitchFamily="50" charset="-128"/>
-              </a:rPr>
-              <a:t>※</a:t>
-            </a:r>
-            <a:r>
-              <a:rPr lang="ja-JP" altLang="en-US" sz="2400" dirty="0" smtClean="0">
-                <a:latin typeface="Meiryo UI" panose="020B0604030504040204" pitchFamily="50" charset="-128"/>
-                <a:ea typeface="Meiryo UI" panose="020B0604030504040204" pitchFamily="50" charset="-128"/>
-              </a:rPr>
-              <a:t>無いものねだりになってしまいますが、社内ツールとして同様なものがあっても良いのではないかと思いました。</a:t>
-            </a:r>
-            <a:endParaRPr lang="en-US" altLang="ja-JP" sz="2400" dirty="0">
-              <a:latin typeface="Meiryo UI" panose="020B0604030504040204" pitchFamily="50" charset="-128"/>
-              <a:ea typeface="Meiryo UI" panose="020B0604030504040204" pitchFamily="50" charset="-128"/>
-            </a:endParaRPr>
-          </a:p>
-        </p:txBody>
-      </p:sp>
-    </p:spTree>
-    <p:extLst>
-      <p:ext uri="{BB962C8B-B14F-4D97-AF65-F5344CB8AC3E}">
-        <p14:creationId xmlns:p14="http://schemas.microsoft.com/office/powerpoint/2010/main" val="2618172262"/>
-      </p:ext>
-    </p:extLst>
-  </p:cSld>
-  <p:clrMapOvr>
-    <a:masterClrMapping/>
-  </p:clrMapOvr>
-</p:sld>
-</file>
-
-<file path=ppt/slides/slide8.xml><?xml version="1.0" encoding="utf-8"?>
-<p:sld xmlns:a="http://schemas.openxmlformats.org/drawingml/2006/main" xmlns:r="http://schemas.openxmlformats.org/officeDocument/2006/relationships" xmlns:p="http://schemas.openxmlformats.org/presentationml/2006/main">
-  <p:cSld>
-    <p:spTree>
-      <p:nvGrpSpPr>
-        <p:cNvPr id="1" name=""/>
-        <p:cNvGrpSpPr/>
-        <p:nvPr/>
-      </p:nvGrpSpPr>
-      <p:grpSpPr>
-        <a:xfrm>
-          <a:off x="0" y="0"/>
-          <a:ext cx="0" cy="0"/>
-          <a:chOff x="0" y="0"/>
-          <a:chExt cx="0" cy="0"/>
-        </a:xfrm>
-      </p:grpSpPr>
-      <p:sp>
-        <p:nvSpPr>
-          <p:cNvPr id="2" name="タイトル 1"/>
-          <p:cNvSpPr>
-            <a:spLocks noGrp="1"/>
-          </p:cNvSpPr>
-          <p:nvPr>
-            <p:ph type="title"/>
-          </p:nvPr>
-        </p:nvSpPr>
-        <p:spPr/>
-        <p:txBody>
-          <a:bodyPr/>
-          <a:lstStyle/>
-          <a:p>
-            <a:r>
-              <a:rPr kumimoji="1" lang="ja-JP" altLang="en-US" dirty="0" smtClean="0">
-                <a:latin typeface="Meiryo UI" panose="020B0604030504040204" pitchFamily="50" charset="-128"/>
-                <a:ea typeface="Meiryo UI" panose="020B0604030504040204" pitchFamily="50" charset="-128"/>
-              </a:rPr>
-              <a:t>振り返り</a:t>
-            </a:r>
-            <a:r>
-              <a:rPr lang="ja-JP" altLang="en-US" dirty="0">
-                <a:latin typeface="Meiryo UI" panose="020B0604030504040204" pitchFamily="50" charset="-128"/>
-                <a:ea typeface="Meiryo UI" panose="020B0604030504040204" pitchFamily="50" charset="-128"/>
-              </a:rPr>
-              <a:t>　</a:t>
-            </a:r>
-            <a:r>
-              <a:rPr lang="en-US" altLang="ja-JP" dirty="0" smtClean="0">
-                <a:latin typeface="Meiryo UI" panose="020B0604030504040204" pitchFamily="50" charset="-128"/>
-                <a:ea typeface="Meiryo UI" panose="020B0604030504040204" pitchFamily="50" charset="-128"/>
-              </a:rPr>
-              <a:t>6/6</a:t>
-            </a:r>
-            <a:endParaRPr kumimoji="1" lang="ja-JP" altLang="en-US" dirty="0">
-              <a:latin typeface="Meiryo UI" panose="020B0604030504040204" pitchFamily="50" charset="-128"/>
-              <a:ea typeface="Meiryo UI" panose="020B0604030504040204" pitchFamily="50" charset="-128"/>
-            </a:endParaRPr>
-          </a:p>
-        </p:txBody>
-      </p:sp>
-      <p:sp>
-        <p:nvSpPr>
-          <p:cNvPr id="3" name="コンテンツ プレースホルダー 2"/>
-          <p:cNvSpPr>
-            <a:spLocks noGrp="1"/>
-          </p:cNvSpPr>
-          <p:nvPr>
-            <p:ph idx="1"/>
-          </p:nvPr>
-        </p:nvSpPr>
-        <p:spPr/>
-        <p:txBody>
-          <a:bodyPr>
-            <a:noAutofit/>
-          </a:bodyPr>
-          <a:lstStyle/>
-          <a:p>
-            <a:r>
-              <a:rPr lang="en-US" altLang="ja-JP" sz="2800" dirty="0" err="1" smtClean="0">
-                <a:latin typeface="Meiryo UI" panose="020B0604030504040204" pitchFamily="50" charset="-128"/>
-                <a:ea typeface="Meiryo UI" panose="020B0604030504040204" pitchFamily="50" charset="-128"/>
-              </a:rPr>
-              <a:t>CheckStype</a:t>
-            </a:r>
-            <a:endParaRPr lang="en-US" altLang="ja-JP" sz="2800" dirty="0" smtClean="0">
-              <a:latin typeface="Meiryo UI" panose="020B0604030504040204" pitchFamily="50" charset="-128"/>
-              <a:ea typeface="Meiryo UI" panose="020B0604030504040204" pitchFamily="50" charset="-128"/>
-            </a:endParaRPr>
-          </a:p>
-          <a:p>
-            <a:r>
-              <a:rPr kumimoji="1" lang="en-US" altLang="ja-JP" sz="2800" dirty="0" err="1" smtClean="0">
-                <a:latin typeface="Meiryo UI" panose="020B0604030504040204" pitchFamily="50" charset="-128"/>
-                <a:ea typeface="Meiryo UI" panose="020B0604030504040204" pitchFamily="50" charset="-128"/>
-              </a:rPr>
-              <a:t>FindBugs</a:t>
-            </a:r>
-            <a:endParaRPr kumimoji="1" lang="en-US" altLang="ja-JP" sz="2800" dirty="0" smtClean="0">
-              <a:latin typeface="Meiryo UI" panose="020B0604030504040204" pitchFamily="50" charset="-128"/>
-              <a:ea typeface="Meiryo UI" panose="020B0604030504040204" pitchFamily="50" charset="-128"/>
-            </a:endParaRPr>
-          </a:p>
-          <a:p>
-            <a:r>
-              <a:rPr lang="en-US" altLang="ja-JP" sz="2800" dirty="0" err="1" smtClean="0">
-                <a:latin typeface="Meiryo UI" panose="020B0604030504040204" pitchFamily="50" charset="-128"/>
-                <a:ea typeface="Meiryo UI" panose="020B0604030504040204" pitchFamily="50" charset="-128"/>
-              </a:rPr>
-              <a:t>Autodoc</a:t>
-            </a:r>
-            <a:endParaRPr lang="en-US" altLang="ja-JP" sz="2800" dirty="0" smtClean="0">
-              <a:latin typeface="Meiryo UI" panose="020B0604030504040204" pitchFamily="50" charset="-128"/>
-              <a:ea typeface="Meiryo UI" panose="020B0604030504040204" pitchFamily="50" charset="-128"/>
-            </a:endParaRPr>
-          </a:p>
-          <a:p>
-            <a:r>
-              <a:rPr kumimoji="1" lang="en-US" altLang="ja-JP" sz="2800" dirty="0" smtClean="0">
-                <a:latin typeface="Meiryo UI" panose="020B0604030504040204" pitchFamily="50" charset="-128"/>
-                <a:ea typeface="Meiryo UI" panose="020B0604030504040204" pitchFamily="50" charset="-128"/>
-              </a:rPr>
-              <a:t>Jenkins</a:t>
-            </a:r>
-            <a:br>
-              <a:rPr kumimoji="1" lang="en-US" altLang="ja-JP" sz="2800" dirty="0" smtClean="0">
-                <a:latin typeface="Meiryo UI" panose="020B0604030504040204" pitchFamily="50" charset="-128"/>
-                <a:ea typeface="Meiryo UI" panose="020B0604030504040204" pitchFamily="50" charset="-128"/>
-              </a:rPr>
-            </a:br>
-            <a:r>
-              <a:rPr lang="ja-JP" altLang="en-US" sz="2400" dirty="0" smtClean="0">
-                <a:latin typeface="Meiryo UI" panose="020B0604030504040204" pitchFamily="50" charset="-128"/>
-                <a:ea typeface="Meiryo UI" panose="020B0604030504040204" pitchFamily="50" charset="-128"/>
-              </a:rPr>
-              <a:t>上記が今回</a:t>
-            </a:r>
-            <a:r>
-              <a:rPr kumimoji="1" lang="ja-JP" altLang="en-US" sz="2400" dirty="0" smtClean="0">
-                <a:latin typeface="Meiryo UI" panose="020B0604030504040204" pitchFamily="50" charset="-128"/>
-                <a:ea typeface="Meiryo UI" panose="020B0604030504040204" pitchFamily="50" charset="-128"/>
-              </a:rPr>
-              <a:t>使用することができませんでしたが、</a:t>
-            </a:r>
-            <a:r>
-              <a:rPr kumimoji="1" lang="en-US" altLang="ja-JP" sz="2400" dirty="0" err="1" smtClean="0">
-                <a:latin typeface="Meiryo UI" panose="020B0604030504040204" pitchFamily="50" charset="-128"/>
-                <a:ea typeface="Meiryo UI" panose="020B0604030504040204" pitchFamily="50" charset="-128"/>
-              </a:rPr>
-              <a:t>Autodoc</a:t>
-            </a:r>
-            <a:r>
-              <a:rPr kumimoji="1" lang="ja-JP" altLang="en-US" sz="2400" dirty="0" err="1" smtClean="0">
-                <a:latin typeface="Meiryo UI" panose="020B0604030504040204" pitchFamily="50" charset="-128"/>
-                <a:ea typeface="Meiryo UI" panose="020B0604030504040204" pitchFamily="50" charset="-128"/>
-              </a:rPr>
-              <a:t>、</a:t>
-            </a:r>
-            <a:r>
-              <a:rPr kumimoji="1" lang="en-US" altLang="ja-JP" sz="2400" dirty="0" smtClean="0">
-                <a:latin typeface="Meiryo UI" panose="020B0604030504040204" pitchFamily="50" charset="-128"/>
-                <a:ea typeface="Meiryo UI" panose="020B0604030504040204" pitchFamily="50" charset="-128"/>
-              </a:rPr>
-              <a:t>Jenkins</a:t>
-            </a:r>
-            <a:r>
-              <a:rPr kumimoji="1" lang="ja-JP" altLang="en-US" sz="2400" dirty="0" smtClean="0">
-                <a:latin typeface="Meiryo UI" panose="020B0604030504040204" pitchFamily="50" charset="-128"/>
-                <a:ea typeface="Meiryo UI" panose="020B0604030504040204" pitchFamily="50" charset="-128"/>
-              </a:rPr>
-              <a:t> 以外は使用したことがあるため、</a:t>
-            </a:r>
-            <a:r>
-              <a:rPr lang="en-US" altLang="ja-JP" sz="2400" dirty="0">
-                <a:latin typeface="Meiryo UI" panose="020B0604030504040204" pitchFamily="50" charset="-128"/>
-                <a:ea typeface="Meiryo UI" panose="020B0604030504040204" pitchFamily="50" charset="-128"/>
-              </a:rPr>
-              <a:t> </a:t>
-            </a:r>
-            <a:r>
-              <a:rPr lang="en-US" altLang="ja-JP" sz="2400" dirty="0" err="1" smtClean="0">
-                <a:latin typeface="Meiryo UI" panose="020B0604030504040204" pitchFamily="50" charset="-128"/>
-                <a:ea typeface="Meiryo UI" panose="020B0604030504040204" pitchFamily="50" charset="-128"/>
-              </a:rPr>
-              <a:t>Autodoc</a:t>
-            </a:r>
-            <a:r>
-              <a:rPr lang="ja-JP" altLang="en-US" sz="2400" dirty="0" err="1">
-                <a:latin typeface="Meiryo UI" panose="020B0604030504040204" pitchFamily="50" charset="-128"/>
-                <a:ea typeface="Meiryo UI" panose="020B0604030504040204" pitchFamily="50" charset="-128"/>
-              </a:rPr>
-              <a:t>、</a:t>
-            </a:r>
-            <a:r>
-              <a:rPr lang="en-US" altLang="ja-JP" sz="2400" dirty="0" smtClean="0">
-                <a:latin typeface="Meiryo UI" panose="020B0604030504040204" pitchFamily="50" charset="-128"/>
-                <a:ea typeface="Meiryo UI" panose="020B0604030504040204" pitchFamily="50" charset="-128"/>
-              </a:rPr>
-              <a:t>Jenkins</a:t>
-            </a:r>
-            <a:r>
-              <a:rPr lang="ja-JP" altLang="en-US" sz="2400" dirty="0" smtClean="0">
-                <a:latin typeface="Meiryo UI" panose="020B0604030504040204" pitchFamily="50" charset="-128"/>
-                <a:ea typeface="Meiryo UI" panose="020B0604030504040204" pitchFamily="50" charset="-128"/>
-              </a:rPr>
-              <a:t> の使用方法について今後の課題と考えています。</a:t>
-            </a:r>
-            <a:endParaRPr kumimoji="1" lang="en-US" altLang="ja-JP" sz="2400" dirty="0" smtClean="0">
-              <a:latin typeface="Meiryo UI" panose="020B0604030504040204" pitchFamily="50" charset="-128"/>
-              <a:ea typeface="Meiryo UI" panose="020B0604030504040204" pitchFamily="50" charset="-128"/>
-            </a:endParaRPr>
-          </a:p>
-          <a:p>
-            <a:endParaRPr kumimoji="1" lang="ja-JP" altLang="en-US" sz="2800" dirty="0">
-              <a:latin typeface="Meiryo UI" panose="020B0604030504040204" pitchFamily="50" charset="-128"/>
-              <a:ea typeface="Meiryo UI" panose="020B0604030504040204" pitchFamily="50" charset="-128"/>
-            </a:endParaRPr>
-          </a:p>
-        </p:txBody>
-      </p:sp>
-    </p:spTree>
-    <p:extLst>
-      <p:ext uri="{BB962C8B-B14F-4D97-AF65-F5344CB8AC3E}">
-        <p14:creationId xmlns:p14="http://schemas.microsoft.com/office/powerpoint/2010/main" val="3492174179"/>
-      </p:ext>
-    </p:extLst>
-  </p:cSld>
-  <p:clrMapOvr>
-    <a:masterClrMapping/>
-  </p:clrMapOvr>
-</p:sld>
-</file>
-
-<file path=ppt/slides/slide9.xml><?xml version="1.0" encoding="utf-8"?>
-<p:sld xmlns:a="http://schemas.openxmlformats.org/drawingml/2006/main" xmlns:r="http://schemas.openxmlformats.org/officeDocument/2006/relationships" xmlns:p="http://schemas.openxmlformats.org/presentationml/2006/main">
-  <p:cSld>
-    <p:spTree>
-      <p:nvGrpSpPr>
-        <p:cNvPr id="1" name=""/>
-        <p:cNvGrpSpPr/>
-        <p:nvPr/>
-      </p:nvGrpSpPr>
-      <p:grpSpPr>
-        <a:xfrm>
-          <a:off x="0" y="0"/>
-          <a:ext cx="0" cy="0"/>
-          <a:chOff x="0" y="0"/>
-          <a:chExt cx="0" cy="0"/>
-        </a:xfrm>
-      </p:grpSpPr>
-      <p:sp>
-        <p:nvSpPr>
-          <p:cNvPr id="2" name="タイトル 1"/>
-          <p:cNvSpPr>
-            <a:spLocks noGrp="1"/>
-          </p:cNvSpPr>
-          <p:nvPr>
-            <p:ph type="title"/>
-          </p:nvPr>
-        </p:nvSpPr>
-        <p:spPr/>
-        <p:txBody>
-          <a:bodyPr/>
-          <a:lstStyle/>
-          <a:p>
-            <a:r>
-              <a:rPr kumimoji="1" lang="ja-JP" altLang="en-US" dirty="0" smtClean="0">
-                <a:latin typeface="Meiryo UI" panose="020B0604030504040204" pitchFamily="50" charset="-128"/>
-                <a:ea typeface="Meiryo UI" panose="020B0604030504040204" pitchFamily="50" charset="-128"/>
-              </a:rPr>
               <a:t>課題</a:t>
             </a:r>
             <a:endParaRPr kumimoji="1" lang="ja-JP" altLang="en-US" dirty="0">
@@ -8026,14 +4104,14 @@
             <p:ph idx="1"/>
             <p:extLst>
               <p:ext uri="{D42A27DB-BD31-4B8C-83A1-F6EECF244321}">
-                <p14:modId xmlns:p14="http://schemas.microsoft.com/office/powerpoint/2010/main" val="1281120353"/>
+                <p14:modId xmlns:p14="http://schemas.microsoft.com/office/powerpoint/2010/main" val="1131739060"/>
               </p:ext>
             </p:extLst>
           </p:nvPr>
         </p:nvGraphicFramePr>
         <p:xfrm>
           <a:off x="1260389" y="2016125"/>
-          <a:ext cx="10602097" cy="2286000"/>
+          <a:ext cx="10602097" cy="1828800"/>
         </p:xfrm>
         <a:graphic>
           <a:graphicData uri="http://schemas.openxmlformats.org/drawingml/2006/table">
@@ -8354,11 +4432,11 @@
                     <a:lstStyle/>
                     <a:p>
                       <a:r>
-                        <a:rPr kumimoji="1" lang="en-US" altLang="ja-JP" sz="2400" dirty="0" err="1" smtClean="0">
+                        <a:rPr kumimoji="1" lang="en-US" altLang="ja-JP" sz="2400" dirty="0" smtClean="0">
                           <a:latin typeface="Meiryo UI" panose="020B0604030504040204" pitchFamily="50" charset="-128"/>
                           <a:ea typeface="Meiryo UI" panose="020B0604030504040204" pitchFamily="50" charset="-128"/>
                         </a:rPr>
-                        <a:t>Autodoc</a:t>
+                        <a:t>Jenkins</a:t>
                       </a:r>
                       <a:r>
                         <a:rPr kumimoji="1" lang="ja-JP" altLang="en-US" sz="2400" dirty="0" smtClean="0">
@@ -8398,84 +4476,6 @@
                         <a:defRPr/>
                       </a:pPr>
                       <a:r>
-                        <a:rPr kumimoji="1" lang="en-US" altLang="ja-JP" sz="2400" dirty="0" err="1" smtClean="0">
-                          <a:latin typeface="Meiryo UI" panose="020B0604030504040204" pitchFamily="50" charset="-128"/>
-                          <a:ea typeface="Meiryo UI" panose="020B0604030504040204" pitchFamily="50" charset="-128"/>
-                        </a:rPr>
-                        <a:t>Autodoc</a:t>
-                      </a:r>
-                      <a:r>
-                        <a:rPr kumimoji="1" lang="ja-JP" altLang="en-US" sz="2400" dirty="0" smtClean="0">
-                          <a:latin typeface="Meiryo UI" panose="020B0604030504040204" pitchFamily="50" charset="-128"/>
-                          <a:ea typeface="Meiryo UI" panose="020B0604030504040204" pitchFamily="50" charset="-128"/>
-                        </a:rPr>
-                        <a:t> の使用方法を理解する。</a:t>
-                      </a:r>
-                    </a:p>
-                  </a:txBody>
-                  <a:tcPr/>
-                </a:tc>
-                <a:extLst>
-                  <a:ext uri="{0D108BD9-81ED-4DB2-BD59-A6C34878D82A}">
-                    <a16:rowId xmlns:a16="http://schemas.microsoft.com/office/drawing/2014/main" val="531886373"/>
-                  </a:ext>
-                </a:extLst>
-              </a:tr>
-              <a:tr h="185420">
-                <a:tc>
-                  <a:txBody>
-                    <a:bodyPr/>
-                    <a:lstStyle/>
-                    <a:p>
-                      <a:pPr algn="ctr"/>
-                      <a:r>
-                        <a:rPr kumimoji="1" lang="en-US" altLang="ja-JP" sz="2400" dirty="0" smtClean="0">
-                          <a:latin typeface="Meiryo UI" panose="020B0604030504040204" pitchFamily="50" charset="-128"/>
-                          <a:ea typeface="Meiryo UI" panose="020B0604030504040204" pitchFamily="50" charset="-128"/>
-                        </a:rPr>
-                        <a:t>4</a:t>
-                      </a:r>
-                      <a:endParaRPr kumimoji="1" lang="ja-JP" altLang="en-US" sz="2400" dirty="0">
-                        <a:latin typeface="Meiryo UI" panose="020B0604030504040204" pitchFamily="50" charset="-128"/>
-                        <a:ea typeface="Meiryo UI" panose="020B0604030504040204" pitchFamily="50" charset="-128"/>
-                      </a:endParaRPr>
-                    </a:p>
-                  </a:txBody>
-                  <a:tcPr/>
-                </a:tc>
-                <a:tc>
-                  <a:txBody>
-                    <a:bodyPr/>
-                    <a:lstStyle/>
-                    <a:p>
-                      <a:r>
-                        <a:rPr kumimoji="1" lang="en-US" altLang="ja-JP" sz="2400" dirty="0" smtClean="0">
-                          <a:latin typeface="Meiryo UI" panose="020B0604030504040204" pitchFamily="50" charset="-128"/>
-                          <a:ea typeface="Meiryo UI" panose="020B0604030504040204" pitchFamily="50" charset="-128"/>
-                        </a:rPr>
-                        <a:t>Jenkins</a:t>
-                      </a:r>
-                      <a:r>
-                        <a:rPr kumimoji="1" lang="ja-JP" altLang="en-US" sz="2400" dirty="0" smtClean="0">
-                          <a:latin typeface="Meiryo UI" panose="020B0604030504040204" pitchFamily="50" charset="-128"/>
-                          <a:ea typeface="Meiryo UI" panose="020B0604030504040204" pitchFamily="50" charset="-128"/>
-                        </a:rPr>
-                        <a:t> の使用方法</a:t>
-                      </a:r>
-                      <a:endParaRPr kumimoji="1" lang="ja-JP" altLang="en-US" sz="2400" dirty="0">
-                        <a:latin typeface="Meiryo UI" panose="020B0604030504040204" pitchFamily="50" charset="-128"/>
-                        <a:ea typeface="Meiryo UI" panose="020B0604030504040204" pitchFamily="50" charset="-128"/>
-                      </a:endParaRPr>
-                    </a:p>
-                  </a:txBody>
-                  <a:tcPr/>
-                </a:tc>
-                <a:tc>
-                  <a:txBody>
-                    <a:bodyPr/>
-                    <a:lstStyle/>
-                    <a:p>
-                      <a:r>
                         <a:rPr kumimoji="1" lang="en-US" altLang="ja-JP" sz="2400" dirty="0" smtClean="0">
                           <a:latin typeface="Meiryo UI" panose="020B0604030504040204" pitchFamily="50" charset="-128"/>
                           <a:ea typeface="Meiryo UI" panose="020B0604030504040204" pitchFamily="50" charset="-128"/>
@@ -8489,17 +4489,13 @@
                         </a:rPr>
                         <a:t>の使用方法を理解する。</a:t>
                       </a:r>
-                      <a:endParaRPr kumimoji="1" lang="ja-JP" altLang="en-US" sz="2400" dirty="0">
-                        <a:latin typeface="Meiryo UI" panose="020B0604030504040204" pitchFamily="50" charset="-128"/>
-                        <a:ea typeface="Meiryo UI" panose="020B0604030504040204" pitchFamily="50" charset="-128"/>
-                      </a:endParaRPr>
                     </a:p>
                   </a:txBody>
                   <a:tcPr/>
                 </a:tc>
                 <a:extLst>
                   <a:ext uri="{0D108BD9-81ED-4DB2-BD59-A6C34878D82A}">
-                    <a16:rowId xmlns:a16="http://schemas.microsoft.com/office/drawing/2014/main" val="2534080669"/>
+                    <a16:rowId xmlns:a16="http://schemas.microsoft.com/office/drawing/2014/main" val="531886373"/>
                   </a:ext>
                 </a:extLst>
               </a:tr>
@@ -8517,6 +4513,4155 @@
   <p:clrMapOvr>
     <a:masterClrMapping/>
   </p:clrMapOvr>
+  <p:timing>
+    <p:tnLst>
+      <p:par>
+        <p:cTn id="1" dur="indefinite" restart="never" nodeType="tmRoot"/>
+      </p:par>
+    </p:tnLst>
+  </p:timing>
+</p:sld>
+</file>
+
+<file path=ppt/slides/slide11.xml><?xml version="1.0" encoding="utf-8"?>
+<p:sld xmlns:a="http://schemas.openxmlformats.org/drawingml/2006/main" xmlns:r="http://schemas.openxmlformats.org/officeDocument/2006/relationships" xmlns:p="http://schemas.openxmlformats.org/presentationml/2006/main">
+  <p:cSld>
+    <p:spTree>
+      <p:nvGrpSpPr>
+        <p:cNvPr id="1" name=""/>
+        <p:cNvGrpSpPr/>
+        <p:nvPr/>
+      </p:nvGrpSpPr>
+      <p:grpSpPr>
+        <a:xfrm>
+          <a:off x="0" y="0"/>
+          <a:ext cx="0" cy="0"/>
+          <a:chOff x="0" y="0"/>
+          <a:chExt cx="0" cy="0"/>
+        </a:xfrm>
+      </p:grpSpPr>
+      <p:sp>
+        <p:nvSpPr>
+          <p:cNvPr id="2" name="タイトル 1"/>
+          <p:cNvSpPr>
+            <a:spLocks noGrp="1"/>
+          </p:cNvSpPr>
+          <p:nvPr>
+            <p:ph type="title"/>
+          </p:nvPr>
+        </p:nvSpPr>
+        <p:spPr/>
+        <p:txBody>
+          <a:bodyPr/>
+          <a:lstStyle/>
+          <a:p>
+            <a:r>
+              <a:rPr kumimoji="1" lang="ja-JP" altLang="en-US" dirty="0" smtClean="0">
+                <a:latin typeface="Meiryo UI" panose="020B0604030504040204" pitchFamily="50" charset="-128"/>
+                <a:ea typeface="Meiryo UI" panose="020B0604030504040204" pitchFamily="50" charset="-128"/>
+              </a:rPr>
+              <a:t>まとめ</a:t>
+            </a:r>
+            <a:endParaRPr kumimoji="1" lang="ja-JP" altLang="en-US" dirty="0">
+              <a:latin typeface="Meiryo UI" panose="020B0604030504040204" pitchFamily="50" charset="-128"/>
+              <a:ea typeface="Meiryo UI" panose="020B0604030504040204" pitchFamily="50" charset="-128"/>
+            </a:endParaRPr>
+          </a:p>
+        </p:txBody>
+      </p:sp>
+      <p:sp>
+        <p:nvSpPr>
+          <p:cNvPr id="3" name="コンテンツ プレースホルダー 2"/>
+          <p:cNvSpPr>
+            <a:spLocks noGrp="1"/>
+          </p:cNvSpPr>
+          <p:nvPr>
+            <p:ph idx="1"/>
+          </p:nvPr>
+        </p:nvSpPr>
+        <p:spPr>
+          <a:xfrm>
+            <a:off x="1534695" y="2015732"/>
+            <a:ext cx="9969445" cy="3450613"/>
+          </a:xfrm>
+        </p:spPr>
+        <p:txBody>
+          <a:bodyPr>
+            <a:normAutofit/>
+          </a:bodyPr>
+          <a:lstStyle/>
+          <a:p>
+            <a:r>
+              <a:rPr kumimoji="1" lang="ja-JP" altLang="en-US" sz="2400" dirty="0" smtClean="0">
+                <a:latin typeface="Meiryo UI" panose="020B0604030504040204" pitchFamily="50" charset="-128"/>
+                <a:ea typeface="Meiryo UI" panose="020B0604030504040204" pitchFamily="50" charset="-128"/>
+              </a:rPr>
+              <a:t>通常の業務では使用しないものなど、新たな発見があり参加して良かったです。</a:t>
+            </a:r>
+            <a:endParaRPr kumimoji="1" lang="en-US" altLang="ja-JP" sz="2400" dirty="0" smtClean="0">
+              <a:latin typeface="Meiryo UI" panose="020B0604030504040204" pitchFamily="50" charset="-128"/>
+              <a:ea typeface="Meiryo UI" panose="020B0604030504040204" pitchFamily="50" charset="-128"/>
+            </a:endParaRPr>
+          </a:p>
+          <a:p>
+            <a:r>
+              <a:rPr lang="ja-JP" altLang="en-US" sz="2400" dirty="0" smtClean="0">
+                <a:latin typeface="Meiryo UI" panose="020B0604030504040204" pitchFamily="50" charset="-128"/>
+                <a:ea typeface="Meiryo UI" panose="020B0604030504040204" pitchFamily="50" charset="-128"/>
+              </a:rPr>
+              <a:t>作業する時間が厳しい状況にあったため、目標とするところまで届かなかったです。</a:t>
+            </a:r>
+            <a:r>
+              <a:rPr lang="en-US" altLang="ja-JP" sz="2400" dirty="0" smtClean="0">
+                <a:latin typeface="Meiryo UI" panose="020B0604030504040204" pitchFamily="50" charset="-128"/>
+                <a:ea typeface="Meiryo UI" panose="020B0604030504040204" pitchFamily="50" charset="-128"/>
+              </a:rPr>
+              <a:t/>
+            </a:r>
+            <a:br>
+              <a:rPr lang="en-US" altLang="ja-JP" sz="2400" dirty="0" smtClean="0">
+                <a:latin typeface="Meiryo UI" panose="020B0604030504040204" pitchFamily="50" charset="-128"/>
+                <a:ea typeface="Meiryo UI" panose="020B0604030504040204" pitchFamily="50" charset="-128"/>
+              </a:rPr>
+            </a:br>
+            <a:r>
+              <a:rPr lang="ja-JP" altLang="en-US" sz="2400" dirty="0" smtClean="0">
+                <a:latin typeface="Meiryo UI" panose="020B0604030504040204" pitchFamily="50" charset="-128"/>
+                <a:ea typeface="Meiryo UI" panose="020B0604030504040204" pitchFamily="50" charset="-128"/>
+              </a:rPr>
+              <a:t>そのため、次回の開催からは、極力自宅での作業時間を減らして作業が進むように考えて頂きたいです。</a:t>
+            </a:r>
+            <a:endParaRPr lang="en-US" altLang="ja-JP" sz="2400" dirty="0" smtClean="0">
+              <a:latin typeface="Meiryo UI" panose="020B0604030504040204" pitchFamily="50" charset="-128"/>
+              <a:ea typeface="Meiryo UI" panose="020B0604030504040204" pitchFamily="50" charset="-128"/>
+            </a:endParaRPr>
+          </a:p>
+        </p:txBody>
+      </p:sp>
+    </p:spTree>
+    <p:extLst>
+      <p:ext uri="{BB962C8B-B14F-4D97-AF65-F5344CB8AC3E}">
+        <p14:creationId xmlns:p14="http://schemas.microsoft.com/office/powerpoint/2010/main" val="3177157045"/>
+      </p:ext>
+    </p:extLst>
+  </p:cSld>
+  <p:clrMapOvr>
+    <a:masterClrMapping/>
+  </p:clrMapOvr>
+  <p:timing>
+    <p:tnLst>
+      <p:par>
+        <p:cTn id="1" dur="indefinite" restart="never" nodeType="tmRoot"/>
+      </p:par>
+    </p:tnLst>
+  </p:timing>
+</p:sld>
+</file>
+
+<file path=ppt/slides/slide2.xml><?xml version="1.0" encoding="utf-8"?>
+<p:sld xmlns:a="http://schemas.openxmlformats.org/drawingml/2006/main" xmlns:r="http://schemas.openxmlformats.org/officeDocument/2006/relationships" xmlns:p="http://schemas.openxmlformats.org/presentationml/2006/main">
+  <p:cSld>
+    <p:spTree>
+      <p:nvGrpSpPr>
+        <p:cNvPr id="1" name=""/>
+        <p:cNvGrpSpPr/>
+        <p:nvPr/>
+      </p:nvGrpSpPr>
+      <p:grpSpPr>
+        <a:xfrm>
+          <a:off x="0" y="0"/>
+          <a:ext cx="0" cy="0"/>
+          <a:chOff x="0" y="0"/>
+          <a:chExt cx="0" cy="0"/>
+        </a:xfrm>
+      </p:grpSpPr>
+      <p:sp>
+        <p:nvSpPr>
+          <p:cNvPr id="2" name="タイトル 1"/>
+          <p:cNvSpPr>
+            <a:spLocks noGrp="1"/>
+          </p:cNvSpPr>
+          <p:nvPr>
+            <p:ph type="title"/>
+          </p:nvPr>
+        </p:nvSpPr>
+        <p:spPr/>
+        <p:txBody>
+          <a:bodyPr/>
+          <a:lstStyle/>
+          <a:p>
+            <a:r>
+              <a:rPr kumimoji="1" lang="ja-JP" altLang="en-US" dirty="0" smtClean="0">
+                <a:latin typeface="Meiryo UI" panose="020B0604030504040204" pitchFamily="50" charset="-128"/>
+                <a:ea typeface="Meiryo UI" panose="020B0604030504040204" pitchFamily="50" charset="-128"/>
+              </a:rPr>
+              <a:t>全体構成</a:t>
+            </a:r>
+            <a:endParaRPr kumimoji="1" lang="ja-JP" altLang="en-US" dirty="0">
+              <a:latin typeface="Meiryo UI" panose="020B0604030504040204" pitchFamily="50" charset="-128"/>
+              <a:ea typeface="Meiryo UI" panose="020B0604030504040204" pitchFamily="50" charset="-128"/>
+            </a:endParaRPr>
+          </a:p>
+        </p:txBody>
+      </p:sp>
+      <p:sp>
+        <p:nvSpPr>
+          <p:cNvPr id="3" name="正方形/長方形 2"/>
+          <p:cNvSpPr/>
+          <p:nvPr/>
+        </p:nvSpPr>
+        <p:spPr>
+          <a:xfrm>
+            <a:off x="1534696" y="2298357"/>
+            <a:ext cx="9617008" cy="3247679"/>
+          </a:xfrm>
+          <a:prstGeom prst="rect">
+            <a:avLst/>
+          </a:prstGeom>
+          <a:noFill/>
+          <a:ln w="22225">
+            <a:solidFill>
+              <a:schemeClr val="tx1"/>
+            </a:solidFill>
+          </a:ln>
+        </p:spPr>
+        <p:style>
+          <a:lnRef idx="2">
+            <a:schemeClr val="accent1">
+              <a:shade val="50000"/>
+            </a:schemeClr>
+          </a:lnRef>
+          <a:fillRef idx="1">
+            <a:schemeClr val="accent1"/>
+          </a:fillRef>
+          <a:effectRef idx="0">
+            <a:schemeClr val="accent1"/>
+          </a:effectRef>
+          <a:fontRef idx="minor">
+            <a:schemeClr val="lt1"/>
+          </a:fontRef>
+        </p:style>
+        <p:txBody>
+          <a:bodyPr rtlCol="0" anchor="ctr"/>
+          <a:lstStyle/>
+          <a:p>
+            <a:pPr algn="ctr"/>
+            <a:endParaRPr kumimoji="1" lang="ja-JP" altLang="en-US"/>
+          </a:p>
+        </p:txBody>
+      </p:sp>
+      <p:sp>
+        <p:nvSpPr>
+          <p:cNvPr id="5" name="正方形/長方形 4"/>
+          <p:cNvSpPr/>
+          <p:nvPr/>
+        </p:nvSpPr>
+        <p:spPr>
+          <a:xfrm>
+            <a:off x="1534696" y="2292185"/>
+            <a:ext cx="9617008" cy="334112"/>
+          </a:xfrm>
+          <a:prstGeom prst="rect">
+            <a:avLst/>
+          </a:prstGeom>
+          <a:noFill/>
+          <a:ln w="22225">
+            <a:noFill/>
+          </a:ln>
+        </p:spPr>
+        <p:style>
+          <a:lnRef idx="2">
+            <a:schemeClr val="accent1">
+              <a:shade val="50000"/>
+            </a:schemeClr>
+          </a:lnRef>
+          <a:fillRef idx="1">
+            <a:schemeClr val="accent1"/>
+          </a:fillRef>
+          <a:effectRef idx="0">
+            <a:schemeClr val="accent1"/>
+          </a:effectRef>
+          <a:fontRef idx="minor">
+            <a:schemeClr val="lt1"/>
+          </a:fontRef>
+        </p:style>
+        <p:txBody>
+          <a:bodyPr rtlCol="0" anchor="ctr"/>
+          <a:lstStyle/>
+          <a:p>
+            <a:pPr algn="ctr"/>
+            <a:r>
+              <a:rPr kumimoji="1" lang="en-US" altLang="ja-JP" dirty="0">
+                <a:solidFill>
+                  <a:schemeClr val="tx1"/>
+                </a:solidFill>
+                <a:latin typeface="Meiryo UI" panose="020B0604030504040204" pitchFamily="50" charset="-128"/>
+                <a:ea typeface="Meiryo UI" panose="020B0604030504040204" pitchFamily="50" charset="-128"/>
+              </a:rPr>
+              <a:t>PCK-136-290</a:t>
+            </a:r>
+            <a:endParaRPr kumimoji="1" lang="ja-JP" altLang="en-US" dirty="0">
+              <a:solidFill>
+                <a:schemeClr val="tx1"/>
+              </a:solidFill>
+              <a:latin typeface="Meiryo UI" panose="020B0604030504040204" pitchFamily="50" charset="-128"/>
+              <a:ea typeface="Meiryo UI" panose="020B0604030504040204" pitchFamily="50" charset="-128"/>
+            </a:endParaRPr>
+          </a:p>
+        </p:txBody>
+      </p:sp>
+      <p:sp>
+        <p:nvSpPr>
+          <p:cNvPr id="9" name="正方形/長方形 8"/>
+          <p:cNvSpPr/>
+          <p:nvPr/>
+        </p:nvSpPr>
+        <p:spPr>
+          <a:xfrm>
+            <a:off x="8752122" y="3991471"/>
+            <a:ext cx="2061120" cy="1297700"/>
+          </a:xfrm>
+          <a:prstGeom prst="rect">
+            <a:avLst/>
+          </a:prstGeom>
+          <a:solidFill>
+            <a:schemeClr val="bg1"/>
+          </a:solidFill>
+          <a:ln w="22225">
+            <a:solidFill>
+              <a:schemeClr val="tx1"/>
+            </a:solidFill>
+          </a:ln>
+        </p:spPr>
+        <p:style>
+          <a:lnRef idx="2">
+            <a:schemeClr val="accent1">
+              <a:shade val="50000"/>
+            </a:schemeClr>
+          </a:lnRef>
+          <a:fillRef idx="1">
+            <a:schemeClr val="accent1"/>
+          </a:fillRef>
+          <a:effectRef idx="0">
+            <a:schemeClr val="accent1"/>
+          </a:effectRef>
+          <a:fontRef idx="minor">
+            <a:schemeClr val="lt1"/>
+          </a:fontRef>
+        </p:style>
+        <p:txBody>
+          <a:bodyPr rtlCol="0" anchor="ctr"/>
+          <a:lstStyle/>
+          <a:p>
+            <a:pPr algn="ctr"/>
+            <a:endParaRPr kumimoji="1" lang="ja-JP" altLang="en-US"/>
+          </a:p>
+        </p:txBody>
+      </p:sp>
+      <p:sp>
+        <p:nvSpPr>
+          <p:cNvPr id="10" name="正方形/長方形 9"/>
+          <p:cNvSpPr/>
+          <p:nvPr/>
+        </p:nvSpPr>
+        <p:spPr>
+          <a:xfrm>
+            <a:off x="8752122" y="3991471"/>
+            <a:ext cx="2061120" cy="334112"/>
+          </a:xfrm>
+          <a:prstGeom prst="rect">
+            <a:avLst/>
+          </a:prstGeom>
+          <a:noFill/>
+          <a:ln w="22225">
+            <a:noFill/>
+          </a:ln>
+        </p:spPr>
+        <p:style>
+          <a:lnRef idx="2">
+            <a:schemeClr val="accent1">
+              <a:shade val="50000"/>
+            </a:schemeClr>
+          </a:lnRef>
+          <a:fillRef idx="1">
+            <a:schemeClr val="accent1"/>
+          </a:fillRef>
+          <a:effectRef idx="0">
+            <a:schemeClr val="accent1"/>
+          </a:effectRef>
+          <a:fontRef idx="minor">
+            <a:schemeClr val="lt1"/>
+          </a:fontRef>
+        </p:style>
+        <p:txBody>
+          <a:bodyPr rtlCol="0" anchor="ctr"/>
+          <a:lstStyle/>
+          <a:p>
+            <a:pPr algn="ctr"/>
+            <a:r>
+              <a:rPr kumimoji="1" lang="en-US" altLang="ja-JP" dirty="0" smtClean="0">
+                <a:solidFill>
+                  <a:schemeClr val="tx1"/>
+                </a:solidFill>
+                <a:latin typeface="Meiryo UI" panose="020B0604030504040204" pitchFamily="50" charset="-128"/>
+                <a:ea typeface="Meiryo UI" panose="020B0604030504040204" pitchFamily="50" charset="-128"/>
+              </a:rPr>
+              <a:t>MySQL</a:t>
+            </a:r>
+            <a:endParaRPr kumimoji="1" lang="ja-JP" altLang="en-US" dirty="0">
+              <a:solidFill>
+                <a:schemeClr val="tx1"/>
+              </a:solidFill>
+              <a:latin typeface="Meiryo UI" panose="020B0604030504040204" pitchFamily="50" charset="-128"/>
+              <a:ea typeface="Meiryo UI" panose="020B0604030504040204" pitchFamily="50" charset="-128"/>
+            </a:endParaRPr>
+          </a:p>
+        </p:txBody>
+      </p:sp>
+      <p:cxnSp>
+        <p:nvCxnSpPr>
+          <p:cNvPr id="12" name="直線矢印コネクタ 11"/>
+          <p:cNvCxnSpPr/>
+          <p:nvPr/>
+        </p:nvCxnSpPr>
+        <p:spPr>
+          <a:xfrm>
+            <a:off x="3904736" y="4404826"/>
+            <a:ext cx="1421265" cy="239"/>
+          </a:xfrm>
+          <a:prstGeom prst="straightConnector1">
+            <a:avLst/>
+          </a:prstGeom>
+          <a:ln w="22225">
+            <a:solidFill>
+              <a:schemeClr val="tx1"/>
+            </a:solidFill>
+            <a:tailEnd type="triangle" w="lg" len="lg"/>
+          </a:ln>
+        </p:spPr>
+        <p:style>
+          <a:lnRef idx="1">
+            <a:schemeClr val="accent1"/>
+          </a:lnRef>
+          <a:fillRef idx="0">
+            <a:schemeClr val="accent1"/>
+          </a:fillRef>
+          <a:effectRef idx="0">
+            <a:schemeClr val="accent1"/>
+          </a:effectRef>
+          <a:fontRef idx="minor">
+            <a:schemeClr val="tx1"/>
+          </a:fontRef>
+        </p:style>
+      </p:cxnSp>
+      <p:cxnSp>
+        <p:nvCxnSpPr>
+          <p:cNvPr id="14" name="直線矢印コネクタ 13"/>
+          <p:cNvCxnSpPr/>
+          <p:nvPr/>
+        </p:nvCxnSpPr>
+        <p:spPr>
+          <a:xfrm>
+            <a:off x="7390194" y="4349937"/>
+            <a:ext cx="1361928" cy="0"/>
+          </a:xfrm>
+          <a:prstGeom prst="straightConnector1">
+            <a:avLst/>
+          </a:prstGeom>
+          <a:ln w="22225">
+            <a:solidFill>
+              <a:schemeClr val="tx1"/>
+            </a:solidFill>
+            <a:tailEnd type="triangle" w="lg" len="lg"/>
+          </a:ln>
+        </p:spPr>
+        <p:style>
+          <a:lnRef idx="1">
+            <a:schemeClr val="accent1"/>
+          </a:lnRef>
+          <a:fillRef idx="0">
+            <a:schemeClr val="accent1"/>
+          </a:fillRef>
+          <a:effectRef idx="0">
+            <a:schemeClr val="accent1"/>
+          </a:effectRef>
+          <a:fontRef idx="minor">
+            <a:schemeClr val="tx1"/>
+          </a:fontRef>
+        </p:style>
+      </p:cxnSp>
+      <p:sp>
+        <p:nvSpPr>
+          <p:cNvPr id="17" name="正方形/長方形 16"/>
+          <p:cNvSpPr/>
+          <p:nvPr/>
+        </p:nvSpPr>
+        <p:spPr>
+          <a:xfrm>
+            <a:off x="3612941" y="4077551"/>
+            <a:ext cx="2061120" cy="334112"/>
+          </a:xfrm>
+          <a:prstGeom prst="rect">
+            <a:avLst/>
+          </a:prstGeom>
+          <a:noFill/>
+          <a:ln w="22225">
+            <a:noFill/>
+          </a:ln>
+        </p:spPr>
+        <p:style>
+          <a:lnRef idx="2">
+            <a:schemeClr val="accent1">
+              <a:shade val="50000"/>
+            </a:schemeClr>
+          </a:lnRef>
+          <a:fillRef idx="1">
+            <a:schemeClr val="accent1"/>
+          </a:fillRef>
+          <a:effectRef idx="0">
+            <a:schemeClr val="accent1"/>
+          </a:effectRef>
+          <a:fontRef idx="minor">
+            <a:schemeClr val="lt1"/>
+          </a:fontRef>
+        </p:style>
+        <p:txBody>
+          <a:bodyPr rtlCol="0" anchor="ctr"/>
+          <a:lstStyle/>
+          <a:p>
+            <a:pPr algn="ctr"/>
+            <a:r>
+              <a:rPr kumimoji="1" lang="ja-JP" altLang="en-US" dirty="0" smtClean="0">
+                <a:solidFill>
+                  <a:schemeClr val="tx1"/>
+                </a:solidFill>
+                <a:latin typeface="Meiryo UI" panose="020B0604030504040204" pitchFamily="50" charset="-128"/>
+                <a:ea typeface="Meiryo UI" panose="020B0604030504040204" pitchFamily="50" charset="-128"/>
+              </a:rPr>
+              <a:t>リクエスト</a:t>
+            </a:r>
+            <a:endParaRPr kumimoji="1" lang="ja-JP" altLang="en-US" dirty="0">
+              <a:solidFill>
+                <a:schemeClr val="tx1"/>
+              </a:solidFill>
+              <a:latin typeface="Meiryo UI" panose="020B0604030504040204" pitchFamily="50" charset="-128"/>
+              <a:ea typeface="Meiryo UI" panose="020B0604030504040204" pitchFamily="50" charset="-128"/>
+            </a:endParaRPr>
+          </a:p>
+        </p:txBody>
+      </p:sp>
+      <p:sp>
+        <p:nvSpPr>
+          <p:cNvPr id="18" name="正方形/長方形 17"/>
+          <p:cNvSpPr/>
+          <p:nvPr/>
+        </p:nvSpPr>
+        <p:spPr>
+          <a:xfrm>
+            <a:off x="7068542" y="4040480"/>
+            <a:ext cx="2061120" cy="334112"/>
+          </a:xfrm>
+          <a:prstGeom prst="rect">
+            <a:avLst/>
+          </a:prstGeom>
+          <a:noFill/>
+          <a:ln w="22225">
+            <a:noFill/>
+          </a:ln>
+        </p:spPr>
+        <p:style>
+          <a:lnRef idx="2">
+            <a:schemeClr val="accent1">
+              <a:shade val="50000"/>
+            </a:schemeClr>
+          </a:lnRef>
+          <a:fillRef idx="1">
+            <a:schemeClr val="accent1"/>
+          </a:fillRef>
+          <a:effectRef idx="0">
+            <a:schemeClr val="accent1"/>
+          </a:effectRef>
+          <a:fontRef idx="minor">
+            <a:schemeClr val="lt1"/>
+          </a:fontRef>
+        </p:style>
+        <p:txBody>
+          <a:bodyPr rtlCol="0" anchor="ctr"/>
+          <a:lstStyle/>
+          <a:p>
+            <a:pPr algn="ctr"/>
+            <a:r>
+              <a:rPr kumimoji="1" lang="ja-JP" altLang="en-US" dirty="0" smtClean="0">
+                <a:solidFill>
+                  <a:schemeClr val="tx1"/>
+                </a:solidFill>
+                <a:latin typeface="Meiryo UI" panose="020B0604030504040204" pitchFamily="50" charset="-128"/>
+                <a:ea typeface="Meiryo UI" panose="020B0604030504040204" pitchFamily="50" charset="-128"/>
+              </a:rPr>
+              <a:t>データ取得</a:t>
+            </a:r>
+            <a:endParaRPr kumimoji="1" lang="ja-JP" altLang="en-US" dirty="0">
+              <a:solidFill>
+                <a:schemeClr val="tx1"/>
+              </a:solidFill>
+              <a:latin typeface="Meiryo UI" panose="020B0604030504040204" pitchFamily="50" charset="-128"/>
+              <a:ea typeface="Meiryo UI" panose="020B0604030504040204" pitchFamily="50" charset="-128"/>
+            </a:endParaRPr>
+          </a:p>
+        </p:txBody>
+      </p:sp>
+      <p:cxnSp>
+        <p:nvCxnSpPr>
+          <p:cNvPr id="20" name="直線矢印コネクタ 19"/>
+          <p:cNvCxnSpPr/>
+          <p:nvPr/>
+        </p:nvCxnSpPr>
+        <p:spPr>
+          <a:xfrm>
+            <a:off x="7390194" y="4930704"/>
+            <a:ext cx="1361928" cy="0"/>
+          </a:xfrm>
+          <a:prstGeom prst="straightConnector1">
+            <a:avLst/>
+          </a:prstGeom>
+          <a:ln w="22225">
+            <a:solidFill>
+              <a:schemeClr val="tx1"/>
+            </a:solidFill>
+            <a:headEnd type="triangle" w="lg" len="lg"/>
+            <a:tailEnd type="none" w="lg" len="lg"/>
+          </a:ln>
+        </p:spPr>
+        <p:style>
+          <a:lnRef idx="1">
+            <a:schemeClr val="accent1"/>
+          </a:lnRef>
+          <a:fillRef idx="0">
+            <a:schemeClr val="accent1"/>
+          </a:fillRef>
+          <a:effectRef idx="0">
+            <a:schemeClr val="accent1"/>
+          </a:effectRef>
+          <a:fontRef idx="minor">
+            <a:schemeClr val="tx1"/>
+          </a:fontRef>
+        </p:style>
+      </p:cxnSp>
+      <p:sp>
+        <p:nvSpPr>
+          <p:cNvPr id="21" name="正方形/長方形 20"/>
+          <p:cNvSpPr/>
+          <p:nvPr/>
+        </p:nvSpPr>
+        <p:spPr>
+          <a:xfrm>
+            <a:off x="7068542" y="4584894"/>
+            <a:ext cx="2061120" cy="334112"/>
+          </a:xfrm>
+          <a:prstGeom prst="rect">
+            <a:avLst/>
+          </a:prstGeom>
+          <a:noFill/>
+          <a:ln w="22225">
+            <a:noFill/>
+          </a:ln>
+        </p:spPr>
+        <p:style>
+          <a:lnRef idx="2">
+            <a:schemeClr val="accent1">
+              <a:shade val="50000"/>
+            </a:schemeClr>
+          </a:lnRef>
+          <a:fillRef idx="1">
+            <a:schemeClr val="accent1"/>
+          </a:fillRef>
+          <a:effectRef idx="0">
+            <a:schemeClr val="accent1"/>
+          </a:effectRef>
+          <a:fontRef idx="minor">
+            <a:schemeClr val="lt1"/>
+          </a:fontRef>
+        </p:style>
+        <p:txBody>
+          <a:bodyPr rtlCol="0" anchor="ctr"/>
+          <a:lstStyle/>
+          <a:p>
+            <a:pPr algn="ctr"/>
+            <a:r>
+              <a:rPr kumimoji="1" lang="ja-JP" altLang="en-US" dirty="0" smtClean="0">
+                <a:solidFill>
+                  <a:schemeClr val="tx1"/>
+                </a:solidFill>
+                <a:latin typeface="Meiryo UI" panose="020B0604030504040204" pitchFamily="50" charset="-128"/>
+                <a:ea typeface="Meiryo UI" panose="020B0604030504040204" pitchFamily="50" charset="-128"/>
+              </a:rPr>
+              <a:t>応答</a:t>
+            </a:r>
+            <a:endParaRPr kumimoji="1" lang="ja-JP" altLang="en-US" dirty="0">
+              <a:solidFill>
+                <a:schemeClr val="tx1"/>
+              </a:solidFill>
+              <a:latin typeface="Meiryo UI" panose="020B0604030504040204" pitchFamily="50" charset="-128"/>
+              <a:ea typeface="Meiryo UI" panose="020B0604030504040204" pitchFamily="50" charset="-128"/>
+            </a:endParaRPr>
+          </a:p>
+        </p:txBody>
+      </p:sp>
+      <p:cxnSp>
+        <p:nvCxnSpPr>
+          <p:cNvPr id="22" name="直線矢印コネクタ 21"/>
+          <p:cNvCxnSpPr/>
+          <p:nvPr/>
+        </p:nvCxnSpPr>
+        <p:spPr>
+          <a:xfrm>
+            <a:off x="3904736" y="4942823"/>
+            <a:ext cx="1418192" cy="0"/>
+          </a:xfrm>
+          <a:prstGeom prst="straightConnector1">
+            <a:avLst/>
+          </a:prstGeom>
+          <a:ln w="22225">
+            <a:solidFill>
+              <a:schemeClr val="tx1"/>
+            </a:solidFill>
+            <a:headEnd type="triangle" w="lg" len="lg"/>
+            <a:tailEnd type="none" w="lg" len="lg"/>
+          </a:ln>
+        </p:spPr>
+        <p:style>
+          <a:lnRef idx="1">
+            <a:schemeClr val="accent1"/>
+          </a:lnRef>
+          <a:fillRef idx="0">
+            <a:schemeClr val="accent1"/>
+          </a:fillRef>
+          <a:effectRef idx="0">
+            <a:schemeClr val="accent1"/>
+          </a:effectRef>
+          <a:fontRef idx="minor">
+            <a:schemeClr val="tx1"/>
+          </a:fontRef>
+        </p:style>
+      </p:cxnSp>
+      <p:sp>
+        <p:nvSpPr>
+          <p:cNvPr id="23" name="正方形/長方形 22"/>
+          <p:cNvSpPr/>
+          <p:nvPr/>
+        </p:nvSpPr>
+        <p:spPr>
+          <a:xfrm>
+            <a:off x="3612941" y="4608711"/>
+            <a:ext cx="2061120" cy="334112"/>
+          </a:xfrm>
+          <a:prstGeom prst="rect">
+            <a:avLst/>
+          </a:prstGeom>
+          <a:noFill/>
+          <a:ln w="22225">
+            <a:noFill/>
+          </a:ln>
+        </p:spPr>
+        <p:style>
+          <a:lnRef idx="2">
+            <a:schemeClr val="accent1">
+              <a:shade val="50000"/>
+            </a:schemeClr>
+          </a:lnRef>
+          <a:fillRef idx="1">
+            <a:schemeClr val="accent1"/>
+          </a:fillRef>
+          <a:effectRef idx="0">
+            <a:schemeClr val="accent1"/>
+          </a:effectRef>
+          <a:fontRef idx="minor">
+            <a:schemeClr val="lt1"/>
+          </a:fontRef>
+        </p:style>
+        <p:txBody>
+          <a:bodyPr rtlCol="0" anchor="ctr"/>
+          <a:lstStyle/>
+          <a:p>
+            <a:pPr algn="ctr"/>
+            <a:r>
+              <a:rPr kumimoji="1" lang="ja-JP" altLang="en-US" dirty="0" smtClean="0">
+                <a:solidFill>
+                  <a:schemeClr val="tx1"/>
+                </a:solidFill>
+                <a:latin typeface="Meiryo UI" panose="020B0604030504040204" pitchFamily="50" charset="-128"/>
+                <a:ea typeface="Meiryo UI" panose="020B0604030504040204" pitchFamily="50" charset="-128"/>
+              </a:rPr>
+              <a:t>応答</a:t>
+            </a:r>
+            <a:endParaRPr kumimoji="1" lang="ja-JP" altLang="en-US" dirty="0">
+              <a:solidFill>
+                <a:schemeClr val="tx1"/>
+              </a:solidFill>
+              <a:latin typeface="Meiryo UI" panose="020B0604030504040204" pitchFamily="50" charset="-128"/>
+              <a:ea typeface="Meiryo UI" panose="020B0604030504040204" pitchFamily="50" charset="-128"/>
+            </a:endParaRPr>
+          </a:p>
+        </p:txBody>
+      </p:sp>
+      <p:grpSp>
+        <p:nvGrpSpPr>
+          <p:cNvPr id="37" name="グループ化 36"/>
+          <p:cNvGrpSpPr/>
+          <p:nvPr/>
+        </p:nvGrpSpPr>
+        <p:grpSpPr>
+          <a:xfrm>
+            <a:off x="1835562" y="4149257"/>
+            <a:ext cx="2069174" cy="1003270"/>
+            <a:chOff x="1835562" y="4272827"/>
+            <a:chExt cx="2069174" cy="1003270"/>
+          </a:xfrm>
+        </p:grpSpPr>
+        <p:sp>
+          <p:nvSpPr>
+            <p:cNvPr id="4" name="正方形/長方形 3"/>
+            <p:cNvSpPr/>
+            <p:nvPr/>
+          </p:nvSpPr>
+          <p:spPr>
+            <a:xfrm>
+              <a:off x="1843616" y="4272827"/>
+              <a:ext cx="2061120" cy="1003270"/>
+            </a:xfrm>
+            <a:prstGeom prst="rect">
+              <a:avLst/>
+            </a:prstGeom>
+            <a:solidFill>
+              <a:schemeClr val="bg1"/>
+            </a:solidFill>
+            <a:ln w="22225">
+              <a:solidFill>
+                <a:schemeClr val="tx1"/>
+              </a:solidFill>
+            </a:ln>
+          </p:spPr>
+          <p:style>
+            <a:lnRef idx="2">
+              <a:schemeClr val="accent1">
+                <a:shade val="50000"/>
+              </a:schemeClr>
+            </a:lnRef>
+            <a:fillRef idx="1">
+              <a:schemeClr val="accent1"/>
+            </a:fillRef>
+            <a:effectRef idx="0">
+              <a:schemeClr val="accent1"/>
+            </a:effectRef>
+            <a:fontRef idx="minor">
+              <a:schemeClr val="lt1"/>
+            </a:fontRef>
+          </p:style>
+          <p:txBody>
+            <a:bodyPr rtlCol="0" anchor="ctr"/>
+            <a:lstStyle/>
+            <a:p>
+              <a:pPr algn="ctr"/>
+              <a:endParaRPr kumimoji="1" lang="ja-JP" altLang="en-US"/>
+            </a:p>
+          </p:txBody>
+        </p:sp>
+        <p:sp>
+          <p:nvSpPr>
+            <p:cNvPr id="6" name="正方形/長方形 5"/>
+            <p:cNvSpPr/>
+            <p:nvPr/>
+          </p:nvSpPr>
+          <p:spPr>
+            <a:xfrm>
+              <a:off x="1843616" y="4299679"/>
+              <a:ext cx="2061120" cy="334112"/>
+            </a:xfrm>
+            <a:prstGeom prst="rect">
+              <a:avLst/>
+            </a:prstGeom>
+            <a:noFill/>
+            <a:ln w="22225">
+              <a:noFill/>
+            </a:ln>
+          </p:spPr>
+          <p:style>
+            <a:lnRef idx="2">
+              <a:schemeClr val="accent1">
+                <a:shade val="50000"/>
+              </a:schemeClr>
+            </a:lnRef>
+            <a:fillRef idx="1">
+              <a:schemeClr val="accent1"/>
+            </a:fillRef>
+            <a:effectRef idx="0">
+              <a:schemeClr val="accent1"/>
+            </a:effectRef>
+            <a:fontRef idx="minor">
+              <a:schemeClr val="lt1"/>
+            </a:fontRef>
+          </p:style>
+          <p:txBody>
+            <a:bodyPr rtlCol="0" anchor="ctr"/>
+            <a:lstStyle/>
+            <a:p>
+              <a:pPr algn="ctr"/>
+              <a:r>
+                <a:rPr kumimoji="1" lang="ja-JP" altLang="en-US" dirty="0" smtClean="0">
+                  <a:solidFill>
+                    <a:schemeClr val="tx1"/>
+                  </a:solidFill>
+                  <a:latin typeface="Meiryo UI" panose="020B0604030504040204" pitchFamily="50" charset="-128"/>
+                  <a:ea typeface="Meiryo UI" panose="020B0604030504040204" pitchFamily="50" charset="-128"/>
+                </a:rPr>
+                <a:t>ブラウザ</a:t>
+              </a:r>
+              <a:endParaRPr kumimoji="1" lang="ja-JP" altLang="en-US" dirty="0">
+                <a:solidFill>
+                  <a:schemeClr val="tx1"/>
+                </a:solidFill>
+                <a:latin typeface="Meiryo UI" panose="020B0604030504040204" pitchFamily="50" charset="-128"/>
+                <a:ea typeface="Meiryo UI" panose="020B0604030504040204" pitchFamily="50" charset="-128"/>
+              </a:endParaRPr>
+            </a:p>
+          </p:txBody>
+        </p:sp>
+        <p:sp>
+          <p:nvSpPr>
+            <p:cNvPr id="26" name="正方形/長方形 25"/>
+            <p:cNvSpPr/>
+            <p:nvPr/>
+          </p:nvSpPr>
+          <p:spPr>
+            <a:xfrm>
+              <a:off x="1835562" y="4584893"/>
+              <a:ext cx="2061120" cy="691203"/>
+            </a:xfrm>
+            <a:prstGeom prst="rect">
+              <a:avLst/>
+            </a:prstGeom>
+            <a:noFill/>
+            <a:ln w="22225">
+              <a:noFill/>
+            </a:ln>
+          </p:spPr>
+          <p:style>
+            <a:lnRef idx="2">
+              <a:schemeClr val="accent1">
+                <a:shade val="50000"/>
+              </a:schemeClr>
+            </a:lnRef>
+            <a:fillRef idx="1">
+              <a:schemeClr val="accent1"/>
+            </a:fillRef>
+            <a:effectRef idx="0">
+              <a:schemeClr val="accent1"/>
+            </a:effectRef>
+            <a:fontRef idx="minor">
+              <a:schemeClr val="lt1"/>
+            </a:fontRef>
+          </p:style>
+          <p:txBody>
+            <a:bodyPr rtlCol="0" anchor="ctr"/>
+            <a:lstStyle/>
+            <a:p>
+              <a:r>
+                <a:rPr kumimoji="1" lang="ja-JP" altLang="en-US" dirty="0" smtClean="0">
+                  <a:solidFill>
+                    <a:schemeClr val="tx1"/>
+                  </a:solidFill>
+                  <a:latin typeface="Meiryo UI" panose="020B0604030504040204" pitchFamily="50" charset="-128"/>
+                  <a:ea typeface="Meiryo UI" panose="020B0604030504040204" pitchFamily="50" charset="-128"/>
+                </a:rPr>
+                <a:t>・</a:t>
+              </a:r>
+              <a:r>
+                <a:rPr kumimoji="1" lang="en-US" altLang="ja-JP" dirty="0" smtClean="0">
+                  <a:solidFill>
+                    <a:schemeClr val="tx1"/>
+                  </a:solidFill>
+                  <a:latin typeface="Meiryo UI" panose="020B0604030504040204" pitchFamily="50" charset="-128"/>
+                  <a:ea typeface="Meiryo UI" panose="020B0604030504040204" pitchFamily="50" charset="-128"/>
+                </a:rPr>
+                <a:t>Invoice</a:t>
+              </a:r>
+              <a:r>
+                <a:rPr kumimoji="1" lang="ja-JP" altLang="en-US" dirty="0" smtClean="0">
+                  <a:solidFill>
+                    <a:schemeClr val="tx1"/>
+                  </a:solidFill>
+                  <a:latin typeface="Meiryo UI" panose="020B0604030504040204" pitchFamily="50" charset="-128"/>
+                  <a:ea typeface="Meiryo UI" panose="020B0604030504040204" pitchFamily="50" charset="-128"/>
+                </a:rPr>
+                <a:t>検索</a:t>
+              </a:r>
+              <a:endParaRPr kumimoji="1" lang="en-US" altLang="ja-JP" dirty="0" smtClean="0">
+                <a:solidFill>
+                  <a:schemeClr val="tx1"/>
+                </a:solidFill>
+                <a:latin typeface="Meiryo UI" panose="020B0604030504040204" pitchFamily="50" charset="-128"/>
+                <a:ea typeface="Meiryo UI" panose="020B0604030504040204" pitchFamily="50" charset="-128"/>
+              </a:endParaRPr>
+            </a:p>
+            <a:p>
+              <a:r>
+                <a:rPr kumimoji="1" lang="ja-JP" altLang="en-US" dirty="0" smtClean="0">
+                  <a:solidFill>
+                    <a:schemeClr val="tx1"/>
+                  </a:solidFill>
+                  <a:latin typeface="Meiryo UI" panose="020B0604030504040204" pitchFamily="50" charset="-128"/>
+                  <a:ea typeface="Meiryo UI" panose="020B0604030504040204" pitchFamily="50" charset="-128"/>
+                </a:rPr>
+                <a:t>・</a:t>
+              </a:r>
+              <a:r>
+                <a:rPr kumimoji="1" lang="en-US" altLang="ja-JP" dirty="0" smtClean="0">
+                  <a:solidFill>
+                    <a:schemeClr val="tx1"/>
+                  </a:solidFill>
+                  <a:latin typeface="Meiryo UI" panose="020B0604030504040204" pitchFamily="50" charset="-128"/>
+                  <a:ea typeface="Meiryo UI" panose="020B0604030504040204" pitchFamily="50" charset="-128"/>
+                </a:rPr>
+                <a:t>Invoice</a:t>
+              </a:r>
+              <a:r>
+                <a:rPr kumimoji="1" lang="ja-JP" altLang="en-US" dirty="0" smtClean="0">
+                  <a:solidFill>
+                    <a:schemeClr val="tx1"/>
+                  </a:solidFill>
+                  <a:latin typeface="Meiryo UI" panose="020B0604030504040204" pitchFamily="50" charset="-128"/>
+                  <a:ea typeface="Meiryo UI" panose="020B0604030504040204" pitchFamily="50" charset="-128"/>
+                </a:rPr>
+                <a:t>登録</a:t>
+              </a:r>
+              <a:endParaRPr kumimoji="1" lang="ja-JP" altLang="en-US" dirty="0">
+                <a:solidFill>
+                  <a:schemeClr val="tx1"/>
+                </a:solidFill>
+                <a:latin typeface="Meiryo UI" panose="020B0604030504040204" pitchFamily="50" charset="-128"/>
+                <a:ea typeface="Meiryo UI" panose="020B0604030504040204" pitchFamily="50" charset="-128"/>
+              </a:endParaRPr>
+            </a:p>
+          </p:txBody>
+        </p:sp>
+      </p:grpSp>
+      <p:grpSp>
+        <p:nvGrpSpPr>
+          <p:cNvPr id="41" name="グループ化 40"/>
+          <p:cNvGrpSpPr/>
+          <p:nvPr/>
+        </p:nvGrpSpPr>
+        <p:grpSpPr>
+          <a:xfrm>
+            <a:off x="1835562" y="2542086"/>
+            <a:ext cx="2069174" cy="1276630"/>
+            <a:chOff x="1835562" y="2542086"/>
+            <a:chExt cx="2077228" cy="1276630"/>
+          </a:xfrm>
+        </p:grpSpPr>
+        <p:grpSp>
+          <p:nvGrpSpPr>
+            <p:cNvPr id="35" name="グループ化 34"/>
+            <p:cNvGrpSpPr/>
+            <p:nvPr/>
+          </p:nvGrpSpPr>
+          <p:grpSpPr>
+            <a:xfrm>
+              <a:off x="1835562" y="2542086"/>
+              <a:ext cx="2069174" cy="1276630"/>
+              <a:chOff x="1835562" y="3122858"/>
+              <a:chExt cx="2069174" cy="1276630"/>
+            </a:xfrm>
+          </p:grpSpPr>
+          <p:sp>
+            <p:nvSpPr>
+              <p:cNvPr id="27" name="正方形/長方形 26"/>
+              <p:cNvSpPr/>
+              <p:nvPr/>
+            </p:nvSpPr>
+            <p:spPr>
+              <a:xfrm>
+                <a:off x="1843616" y="3122858"/>
+                <a:ext cx="2061120" cy="1276630"/>
+              </a:xfrm>
+              <a:prstGeom prst="rect">
+                <a:avLst/>
+              </a:prstGeom>
+              <a:solidFill>
+                <a:schemeClr val="bg1"/>
+              </a:solidFill>
+              <a:ln w="22225">
+                <a:solidFill>
+                  <a:schemeClr val="tx1"/>
+                </a:solidFill>
+              </a:ln>
+            </p:spPr>
+            <p:style>
+              <a:lnRef idx="2">
+                <a:schemeClr val="accent1">
+                  <a:shade val="50000"/>
+                </a:schemeClr>
+              </a:lnRef>
+              <a:fillRef idx="1">
+                <a:schemeClr val="accent1"/>
+              </a:fillRef>
+              <a:effectRef idx="0">
+                <a:schemeClr val="accent1"/>
+              </a:effectRef>
+              <a:fontRef idx="minor">
+                <a:schemeClr val="lt1"/>
+              </a:fontRef>
+            </p:style>
+            <p:txBody>
+              <a:bodyPr rtlCol="0" anchor="ctr"/>
+              <a:lstStyle/>
+              <a:p>
+                <a:pPr algn="ctr"/>
+                <a:endParaRPr kumimoji="1" lang="ja-JP" altLang="en-US"/>
+              </a:p>
+            </p:txBody>
+          </p:sp>
+          <p:sp>
+            <p:nvSpPr>
+              <p:cNvPr id="28" name="正方形/長方形 27"/>
+              <p:cNvSpPr/>
+              <p:nvPr/>
+            </p:nvSpPr>
+            <p:spPr>
+              <a:xfrm>
+                <a:off x="1835562" y="3128740"/>
+                <a:ext cx="2061120" cy="334112"/>
+              </a:xfrm>
+              <a:prstGeom prst="rect">
+                <a:avLst/>
+              </a:prstGeom>
+              <a:noFill/>
+              <a:ln w="22225">
+                <a:noFill/>
+              </a:ln>
+            </p:spPr>
+            <p:style>
+              <a:lnRef idx="2">
+                <a:schemeClr val="accent1">
+                  <a:shade val="50000"/>
+                </a:schemeClr>
+              </a:lnRef>
+              <a:fillRef idx="1">
+                <a:schemeClr val="accent1"/>
+              </a:fillRef>
+              <a:effectRef idx="0">
+                <a:schemeClr val="accent1"/>
+              </a:effectRef>
+              <a:fontRef idx="minor">
+                <a:schemeClr val="lt1"/>
+              </a:fontRef>
+            </p:style>
+            <p:txBody>
+              <a:bodyPr rtlCol="0" anchor="ctr"/>
+              <a:lstStyle/>
+              <a:p>
+                <a:pPr algn="ctr"/>
+                <a:r>
+                  <a:rPr kumimoji="1" lang="en-US" altLang="ja-JP" dirty="0" smtClean="0">
+                    <a:solidFill>
+                      <a:schemeClr val="tx1"/>
+                    </a:solidFill>
+                    <a:latin typeface="Meiryo UI" panose="020B0604030504040204" pitchFamily="50" charset="-128"/>
+                    <a:ea typeface="Meiryo UI" panose="020B0604030504040204" pitchFamily="50" charset="-128"/>
+                  </a:rPr>
+                  <a:t>Eclipse</a:t>
+                </a:r>
+                <a:endParaRPr kumimoji="1" lang="ja-JP" altLang="en-US" dirty="0">
+                  <a:solidFill>
+                    <a:schemeClr val="tx1"/>
+                  </a:solidFill>
+                  <a:latin typeface="Meiryo UI" panose="020B0604030504040204" pitchFamily="50" charset="-128"/>
+                  <a:ea typeface="Meiryo UI" panose="020B0604030504040204" pitchFamily="50" charset="-128"/>
+                </a:endParaRPr>
+              </a:p>
+            </p:txBody>
+          </p:sp>
+        </p:grpSp>
+        <p:sp>
+          <p:nvSpPr>
+            <p:cNvPr id="36" name="正方形/長方形 35"/>
+            <p:cNvSpPr/>
+            <p:nvPr/>
+          </p:nvSpPr>
+          <p:spPr>
+            <a:xfrm>
+              <a:off x="1851670" y="2882080"/>
+              <a:ext cx="2061120" cy="936636"/>
+            </a:xfrm>
+            <a:prstGeom prst="rect">
+              <a:avLst/>
+            </a:prstGeom>
+            <a:noFill/>
+            <a:ln w="22225">
+              <a:noFill/>
+            </a:ln>
+          </p:spPr>
+          <p:style>
+            <a:lnRef idx="2">
+              <a:schemeClr val="accent1">
+                <a:shade val="50000"/>
+              </a:schemeClr>
+            </a:lnRef>
+            <a:fillRef idx="1">
+              <a:schemeClr val="accent1"/>
+            </a:fillRef>
+            <a:effectRef idx="0">
+              <a:schemeClr val="accent1"/>
+            </a:effectRef>
+            <a:fontRef idx="minor">
+              <a:schemeClr val="lt1"/>
+            </a:fontRef>
+          </p:style>
+          <p:txBody>
+            <a:bodyPr rtlCol="0" anchor="ctr"/>
+            <a:lstStyle/>
+            <a:p>
+              <a:r>
+                <a:rPr kumimoji="1" lang="ja-JP" altLang="en-US" dirty="0" smtClean="0">
+                  <a:solidFill>
+                    <a:schemeClr val="tx1"/>
+                  </a:solidFill>
+                  <a:latin typeface="Meiryo UI" panose="020B0604030504040204" pitchFamily="50" charset="-128"/>
+                  <a:ea typeface="Meiryo UI" panose="020B0604030504040204" pitchFamily="50" charset="-128"/>
+                </a:rPr>
+                <a:t>・</a:t>
+              </a:r>
+              <a:r>
+                <a:rPr kumimoji="1" lang="en-US" altLang="ja-JP" dirty="0" smtClean="0">
+                  <a:solidFill>
+                    <a:schemeClr val="tx1"/>
+                  </a:solidFill>
+                  <a:latin typeface="Meiryo UI" panose="020B0604030504040204" pitchFamily="50" charset="-128"/>
+                  <a:ea typeface="Meiryo UI" panose="020B0604030504040204" pitchFamily="50" charset="-128"/>
+                </a:rPr>
+                <a:t>Maven</a:t>
+              </a:r>
+            </a:p>
+            <a:p>
+              <a:r>
+                <a:rPr kumimoji="1" lang="ja-JP" altLang="en-US" dirty="0" smtClean="0">
+                  <a:solidFill>
+                    <a:schemeClr val="tx1"/>
+                  </a:solidFill>
+                  <a:latin typeface="Meiryo UI" panose="020B0604030504040204" pitchFamily="50" charset="-128"/>
+                  <a:ea typeface="Meiryo UI" panose="020B0604030504040204" pitchFamily="50" charset="-128"/>
+                </a:rPr>
+                <a:t>・</a:t>
+              </a:r>
+              <a:r>
+                <a:rPr kumimoji="1" lang="en-US" altLang="ja-JP" dirty="0">
+                  <a:solidFill>
+                    <a:schemeClr val="tx1"/>
+                  </a:solidFill>
+                  <a:latin typeface="Meiryo UI" panose="020B0604030504040204" pitchFamily="50" charset="-128"/>
+                  <a:ea typeface="Meiryo UI" panose="020B0604030504040204" pitchFamily="50" charset="-128"/>
+                </a:rPr>
+                <a:t>Spring </a:t>
+              </a:r>
+              <a:r>
+                <a:rPr kumimoji="1" lang="en-US" altLang="ja-JP" dirty="0" smtClean="0">
+                  <a:solidFill>
+                    <a:schemeClr val="tx1"/>
+                  </a:solidFill>
+                  <a:latin typeface="Meiryo UI" panose="020B0604030504040204" pitchFamily="50" charset="-128"/>
+                  <a:ea typeface="Meiryo UI" panose="020B0604030504040204" pitchFamily="50" charset="-128"/>
+                </a:rPr>
+                <a:t>Boot</a:t>
+              </a:r>
+            </a:p>
+            <a:p>
+              <a:r>
+                <a:rPr kumimoji="1" lang="ja-JP" altLang="en-US" dirty="0" smtClean="0">
+                  <a:solidFill>
+                    <a:schemeClr val="tx1"/>
+                  </a:solidFill>
+                  <a:latin typeface="Meiryo UI" panose="020B0604030504040204" pitchFamily="50" charset="-128"/>
+                  <a:ea typeface="Meiryo UI" panose="020B0604030504040204" pitchFamily="50" charset="-128"/>
+                </a:rPr>
+                <a:t>・</a:t>
+              </a:r>
+              <a:r>
+                <a:rPr kumimoji="1" lang="en-US" altLang="ja-JP" dirty="0">
+                  <a:solidFill>
+                    <a:schemeClr val="tx1"/>
+                  </a:solidFill>
+                  <a:latin typeface="Meiryo UI" panose="020B0604030504040204" pitchFamily="50" charset="-128"/>
+                  <a:ea typeface="Meiryo UI" panose="020B0604030504040204" pitchFamily="50" charset="-128"/>
+                </a:rPr>
+                <a:t>Spring JPA</a:t>
+              </a:r>
+              <a:endParaRPr kumimoji="1" lang="ja-JP" altLang="en-US" dirty="0">
+                <a:solidFill>
+                  <a:schemeClr val="tx1"/>
+                </a:solidFill>
+                <a:latin typeface="Meiryo UI" panose="020B0604030504040204" pitchFamily="50" charset="-128"/>
+                <a:ea typeface="Meiryo UI" panose="020B0604030504040204" pitchFamily="50" charset="-128"/>
+              </a:endParaRPr>
+            </a:p>
+          </p:txBody>
+        </p:sp>
+      </p:grpSp>
+      <p:grpSp>
+        <p:nvGrpSpPr>
+          <p:cNvPr id="42" name="グループ化 41"/>
+          <p:cNvGrpSpPr/>
+          <p:nvPr/>
+        </p:nvGrpSpPr>
+        <p:grpSpPr>
+          <a:xfrm>
+            <a:off x="5304912" y="4012541"/>
+            <a:ext cx="2077228" cy="1276630"/>
+            <a:chOff x="1835562" y="2542086"/>
+            <a:chExt cx="2077228" cy="1276630"/>
+          </a:xfrm>
+        </p:grpSpPr>
+        <p:grpSp>
+          <p:nvGrpSpPr>
+            <p:cNvPr id="43" name="グループ化 42"/>
+            <p:cNvGrpSpPr/>
+            <p:nvPr/>
+          </p:nvGrpSpPr>
+          <p:grpSpPr>
+            <a:xfrm>
+              <a:off x="1835562" y="2542086"/>
+              <a:ext cx="2069174" cy="1276630"/>
+              <a:chOff x="1835562" y="3122858"/>
+              <a:chExt cx="2069174" cy="1276630"/>
+            </a:xfrm>
+          </p:grpSpPr>
+          <p:sp>
+            <p:nvSpPr>
+              <p:cNvPr id="45" name="正方形/長方形 44"/>
+              <p:cNvSpPr/>
+              <p:nvPr/>
+            </p:nvSpPr>
+            <p:spPr>
+              <a:xfrm>
+                <a:off x="1843616" y="3122858"/>
+                <a:ext cx="2061120" cy="1276630"/>
+              </a:xfrm>
+              <a:prstGeom prst="rect">
+                <a:avLst/>
+              </a:prstGeom>
+              <a:solidFill>
+                <a:schemeClr val="bg1"/>
+              </a:solidFill>
+              <a:ln w="22225">
+                <a:solidFill>
+                  <a:schemeClr val="tx1"/>
+                </a:solidFill>
+              </a:ln>
+            </p:spPr>
+            <p:style>
+              <a:lnRef idx="2">
+                <a:schemeClr val="accent1">
+                  <a:shade val="50000"/>
+                </a:schemeClr>
+              </a:lnRef>
+              <a:fillRef idx="1">
+                <a:schemeClr val="accent1"/>
+              </a:fillRef>
+              <a:effectRef idx="0">
+                <a:schemeClr val="accent1"/>
+              </a:effectRef>
+              <a:fontRef idx="minor">
+                <a:schemeClr val="lt1"/>
+              </a:fontRef>
+            </p:style>
+            <p:txBody>
+              <a:bodyPr rtlCol="0" anchor="ctr"/>
+              <a:lstStyle/>
+              <a:p>
+                <a:pPr algn="ctr"/>
+                <a:endParaRPr kumimoji="1" lang="ja-JP" altLang="en-US"/>
+              </a:p>
+            </p:txBody>
+          </p:sp>
+          <p:sp>
+            <p:nvSpPr>
+              <p:cNvPr id="46" name="正方形/長方形 45"/>
+              <p:cNvSpPr/>
+              <p:nvPr/>
+            </p:nvSpPr>
+            <p:spPr>
+              <a:xfrm>
+                <a:off x="1835562" y="3128740"/>
+                <a:ext cx="2061120" cy="334112"/>
+              </a:xfrm>
+              <a:prstGeom prst="rect">
+                <a:avLst/>
+              </a:prstGeom>
+              <a:noFill/>
+              <a:ln w="22225">
+                <a:noFill/>
+              </a:ln>
+            </p:spPr>
+            <p:style>
+              <a:lnRef idx="2">
+                <a:schemeClr val="accent1">
+                  <a:shade val="50000"/>
+                </a:schemeClr>
+              </a:lnRef>
+              <a:fillRef idx="1">
+                <a:schemeClr val="accent1"/>
+              </a:fillRef>
+              <a:effectRef idx="0">
+                <a:schemeClr val="accent1"/>
+              </a:effectRef>
+              <a:fontRef idx="minor">
+                <a:schemeClr val="lt1"/>
+              </a:fontRef>
+            </p:style>
+            <p:txBody>
+              <a:bodyPr rtlCol="0" anchor="ctr"/>
+              <a:lstStyle/>
+              <a:p>
+                <a:pPr algn="ctr"/>
+                <a:r>
+                  <a:rPr kumimoji="1" lang="en-US" altLang="ja-JP" dirty="0" smtClean="0">
+                    <a:solidFill>
+                      <a:schemeClr val="tx1"/>
+                    </a:solidFill>
+                    <a:latin typeface="Meiryo UI" panose="020B0604030504040204" pitchFamily="50" charset="-128"/>
+                    <a:ea typeface="Meiryo UI" panose="020B0604030504040204" pitchFamily="50" charset="-128"/>
+                  </a:rPr>
+                  <a:t>Jar</a:t>
+                </a:r>
+                <a:endParaRPr kumimoji="1" lang="ja-JP" altLang="en-US" dirty="0">
+                  <a:solidFill>
+                    <a:schemeClr val="tx1"/>
+                  </a:solidFill>
+                  <a:latin typeface="Meiryo UI" panose="020B0604030504040204" pitchFamily="50" charset="-128"/>
+                  <a:ea typeface="Meiryo UI" panose="020B0604030504040204" pitchFamily="50" charset="-128"/>
+                </a:endParaRPr>
+              </a:p>
+            </p:txBody>
+          </p:sp>
+        </p:grpSp>
+        <p:sp>
+          <p:nvSpPr>
+            <p:cNvPr id="44" name="正方形/長方形 43"/>
+            <p:cNvSpPr/>
+            <p:nvPr/>
+          </p:nvSpPr>
+          <p:spPr>
+            <a:xfrm>
+              <a:off x="1851670" y="2882080"/>
+              <a:ext cx="2061120" cy="936636"/>
+            </a:xfrm>
+            <a:prstGeom prst="rect">
+              <a:avLst/>
+            </a:prstGeom>
+            <a:noFill/>
+            <a:ln w="22225">
+              <a:noFill/>
+            </a:ln>
+          </p:spPr>
+          <p:style>
+            <a:lnRef idx="2">
+              <a:schemeClr val="accent1">
+                <a:shade val="50000"/>
+              </a:schemeClr>
+            </a:lnRef>
+            <a:fillRef idx="1">
+              <a:schemeClr val="accent1"/>
+            </a:fillRef>
+            <a:effectRef idx="0">
+              <a:schemeClr val="accent1"/>
+            </a:effectRef>
+            <a:fontRef idx="minor">
+              <a:schemeClr val="lt1"/>
+            </a:fontRef>
+          </p:style>
+          <p:txBody>
+            <a:bodyPr rtlCol="0" anchor="ctr"/>
+            <a:lstStyle/>
+            <a:p>
+              <a:r>
+                <a:rPr kumimoji="1" lang="ja-JP" altLang="en-US" dirty="0" smtClean="0">
+                  <a:solidFill>
+                    <a:schemeClr val="tx1"/>
+                  </a:solidFill>
+                  <a:latin typeface="Meiryo UI" panose="020B0604030504040204" pitchFamily="50" charset="-128"/>
+                  <a:ea typeface="Meiryo UI" panose="020B0604030504040204" pitchFamily="50" charset="-128"/>
+                </a:rPr>
+                <a:t>・</a:t>
+              </a:r>
+              <a:r>
+                <a:rPr kumimoji="1" lang="en-US" altLang="ja-JP" dirty="0" smtClean="0">
+                  <a:solidFill>
+                    <a:schemeClr val="tx1"/>
+                  </a:solidFill>
+                  <a:latin typeface="Meiryo UI" panose="020B0604030504040204" pitchFamily="50" charset="-128"/>
+                  <a:ea typeface="Meiryo UI" panose="020B0604030504040204" pitchFamily="50" charset="-128"/>
+                </a:rPr>
+                <a:t>Controller</a:t>
+              </a:r>
+            </a:p>
+            <a:p>
+              <a:r>
+                <a:rPr kumimoji="1" lang="ja-JP" altLang="en-US" dirty="0" smtClean="0">
+                  <a:solidFill>
+                    <a:schemeClr val="tx1"/>
+                  </a:solidFill>
+                  <a:latin typeface="Meiryo UI" panose="020B0604030504040204" pitchFamily="50" charset="-128"/>
+                  <a:ea typeface="Meiryo UI" panose="020B0604030504040204" pitchFamily="50" charset="-128"/>
+                </a:rPr>
+                <a:t>・</a:t>
+              </a:r>
+              <a:r>
+                <a:rPr kumimoji="1" lang="en-US" altLang="ja-JP" dirty="0" smtClean="0">
+                  <a:solidFill>
+                    <a:schemeClr val="tx1"/>
+                  </a:solidFill>
+                  <a:latin typeface="Meiryo UI" panose="020B0604030504040204" pitchFamily="50" charset="-128"/>
+                  <a:ea typeface="Meiryo UI" panose="020B0604030504040204" pitchFamily="50" charset="-128"/>
+                </a:rPr>
+                <a:t>Repository</a:t>
+              </a:r>
+            </a:p>
+            <a:p>
+              <a:r>
+                <a:rPr kumimoji="1" lang="ja-JP" altLang="en-US" dirty="0" smtClean="0">
+                  <a:solidFill>
+                    <a:schemeClr val="tx1"/>
+                  </a:solidFill>
+                  <a:latin typeface="Meiryo UI" panose="020B0604030504040204" pitchFamily="50" charset="-128"/>
+                  <a:ea typeface="Meiryo UI" panose="020B0604030504040204" pitchFamily="50" charset="-128"/>
+                </a:rPr>
+                <a:t>・</a:t>
+              </a:r>
+              <a:r>
+                <a:rPr kumimoji="1" lang="en-US" altLang="ja-JP" dirty="0" err="1" smtClean="0">
+                  <a:solidFill>
+                    <a:schemeClr val="tx1"/>
+                  </a:solidFill>
+                  <a:latin typeface="Meiryo UI" panose="020B0604030504040204" pitchFamily="50" charset="-128"/>
+                  <a:ea typeface="Meiryo UI" panose="020B0604030504040204" pitchFamily="50" charset="-128"/>
+                </a:rPr>
+                <a:t>Entiry</a:t>
+              </a:r>
+              <a:endParaRPr kumimoji="1" lang="ja-JP" altLang="en-US" dirty="0">
+                <a:solidFill>
+                  <a:schemeClr val="tx1"/>
+                </a:solidFill>
+                <a:latin typeface="Meiryo UI" panose="020B0604030504040204" pitchFamily="50" charset="-128"/>
+                <a:ea typeface="Meiryo UI" panose="020B0604030504040204" pitchFamily="50" charset="-128"/>
+              </a:endParaRPr>
+            </a:p>
+          </p:txBody>
+        </p:sp>
+      </p:grpSp>
+      <p:cxnSp>
+        <p:nvCxnSpPr>
+          <p:cNvPr id="56" name="カギ線コネクタ 55"/>
+          <p:cNvCxnSpPr>
+            <a:stCxn id="27" idx="3"/>
+            <a:endCxn id="45" idx="0"/>
+          </p:cNvCxnSpPr>
+          <p:nvPr/>
+        </p:nvCxnSpPr>
+        <p:spPr>
+          <a:xfrm>
+            <a:off x="3896713" y="3180401"/>
+            <a:ext cx="2446813" cy="832140"/>
+          </a:xfrm>
+          <a:prstGeom prst="bentConnector2">
+            <a:avLst/>
+          </a:prstGeom>
+          <a:ln w="22225">
+            <a:solidFill>
+              <a:schemeClr val="tx1"/>
+            </a:solidFill>
+            <a:headEnd w="lg" len="lg"/>
+            <a:tailEnd type="triangle" w="lg" len="lg"/>
+          </a:ln>
+        </p:spPr>
+        <p:style>
+          <a:lnRef idx="1">
+            <a:schemeClr val="accent1"/>
+          </a:lnRef>
+          <a:fillRef idx="0">
+            <a:schemeClr val="accent1"/>
+          </a:fillRef>
+          <a:effectRef idx="0">
+            <a:schemeClr val="accent1"/>
+          </a:effectRef>
+          <a:fontRef idx="minor">
+            <a:schemeClr val="tx1"/>
+          </a:fontRef>
+        </p:style>
+      </p:cxnSp>
+      <p:grpSp>
+        <p:nvGrpSpPr>
+          <p:cNvPr id="57" name="グループ化 56"/>
+          <p:cNvGrpSpPr/>
+          <p:nvPr/>
+        </p:nvGrpSpPr>
+        <p:grpSpPr>
+          <a:xfrm>
+            <a:off x="4320248" y="2982899"/>
+            <a:ext cx="1596877" cy="401988"/>
+            <a:chOff x="4394390" y="3279461"/>
+            <a:chExt cx="1596877" cy="401988"/>
+          </a:xfrm>
+        </p:grpSpPr>
+        <p:sp>
+          <p:nvSpPr>
+            <p:cNvPr id="47" name="正方形/長方形 46"/>
+            <p:cNvSpPr/>
+            <p:nvPr/>
+          </p:nvSpPr>
+          <p:spPr>
+            <a:xfrm>
+              <a:off x="4394390" y="3279461"/>
+              <a:ext cx="1596007" cy="401988"/>
+            </a:xfrm>
+            <a:prstGeom prst="rect">
+              <a:avLst/>
+            </a:prstGeom>
+            <a:solidFill>
+              <a:schemeClr val="bg1"/>
+            </a:solidFill>
+            <a:ln w="22225">
+              <a:solidFill>
+                <a:schemeClr val="tx1"/>
+              </a:solidFill>
+            </a:ln>
+          </p:spPr>
+          <p:style>
+            <a:lnRef idx="2">
+              <a:schemeClr val="accent1">
+                <a:shade val="50000"/>
+              </a:schemeClr>
+            </a:lnRef>
+            <a:fillRef idx="1">
+              <a:schemeClr val="accent1"/>
+            </a:fillRef>
+            <a:effectRef idx="0">
+              <a:schemeClr val="accent1"/>
+            </a:effectRef>
+            <a:fontRef idx="minor">
+              <a:schemeClr val="lt1"/>
+            </a:fontRef>
+          </p:style>
+          <p:txBody>
+            <a:bodyPr rtlCol="0" anchor="ctr"/>
+            <a:lstStyle/>
+            <a:p>
+              <a:pPr algn="ctr"/>
+              <a:endParaRPr kumimoji="1" lang="ja-JP" altLang="en-US"/>
+            </a:p>
+          </p:txBody>
+        </p:sp>
+        <p:sp>
+          <p:nvSpPr>
+            <p:cNvPr id="30" name="正方形/長方形 29"/>
+            <p:cNvSpPr/>
+            <p:nvPr/>
+          </p:nvSpPr>
+          <p:spPr>
+            <a:xfrm>
+              <a:off x="4395260" y="3286208"/>
+              <a:ext cx="1596007" cy="383193"/>
+            </a:xfrm>
+            <a:prstGeom prst="rect">
+              <a:avLst/>
+            </a:prstGeom>
+            <a:noFill/>
+            <a:ln w="22225">
+              <a:noFill/>
+            </a:ln>
+          </p:spPr>
+          <p:style>
+            <a:lnRef idx="2">
+              <a:schemeClr val="accent1">
+                <a:shade val="50000"/>
+              </a:schemeClr>
+            </a:lnRef>
+            <a:fillRef idx="1">
+              <a:schemeClr val="accent1"/>
+            </a:fillRef>
+            <a:effectRef idx="0">
+              <a:schemeClr val="accent1"/>
+            </a:effectRef>
+            <a:fontRef idx="minor">
+              <a:schemeClr val="lt1"/>
+            </a:fontRef>
+          </p:style>
+          <p:txBody>
+            <a:bodyPr rtlCol="0" anchor="ctr"/>
+            <a:lstStyle/>
+            <a:p>
+              <a:pPr algn="ctr"/>
+              <a:r>
+                <a:rPr kumimoji="1" lang="en-US" altLang="ja-JP" dirty="0" smtClean="0">
+                  <a:solidFill>
+                    <a:schemeClr val="tx1"/>
+                  </a:solidFill>
+                  <a:latin typeface="Meiryo UI" panose="020B0604030504040204" pitchFamily="50" charset="-128"/>
+                  <a:ea typeface="Meiryo UI" panose="020B0604030504040204" pitchFamily="50" charset="-128"/>
+                </a:rPr>
+                <a:t>Java1.8</a:t>
+              </a:r>
+              <a:endParaRPr kumimoji="1" lang="ja-JP" altLang="en-US" dirty="0">
+                <a:solidFill>
+                  <a:schemeClr val="tx1"/>
+                </a:solidFill>
+                <a:latin typeface="Meiryo UI" panose="020B0604030504040204" pitchFamily="50" charset="-128"/>
+                <a:ea typeface="Meiryo UI" panose="020B0604030504040204" pitchFamily="50" charset="-128"/>
+              </a:endParaRPr>
+            </a:p>
+          </p:txBody>
+        </p:sp>
+      </p:grpSp>
+      <p:grpSp>
+        <p:nvGrpSpPr>
+          <p:cNvPr id="59" name="グループ化 58"/>
+          <p:cNvGrpSpPr/>
+          <p:nvPr/>
+        </p:nvGrpSpPr>
+        <p:grpSpPr>
+          <a:xfrm>
+            <a:off x="9534427" y="1579658"/>
+            <a:ext cx="1596877" cy="401988"/>
+            <a:chOff x="4394390" y="3279461"/>
+            <a:chExt cx="1596877" cy="401988"/>
+          </a:xfrm>
+        </p:grpSpPr>
+        <p:sp>
+          <p:nvSpPr>
+            <p:cNvPr id="60" name="正方形/長方形 59"/>
+            <p:cNvSpPr/>
+            <p:nvPr/>
+          </p:nvSpPr>
+          <p:spPr>
+            <a:xfrm>
+              <a:off x="4394390" y="3279461"/>
+              <a:ext cx="1596007" cy="401988"/>
+            </a:xfrm>
+            <a:prstGeom prst="rect">
+              <a:avLst/>
+            </a:prstGeom>
+            <a:solidFill>
+              <a:schemeClr val="bg1"/>
+            </a:solidFill>
+            <a:ln w="22225">
+              <a:solidFill>
+                <a:schemeClr val="tx1"/>
+              </a:solidFill>
+            </a:ln>
+          </p:spPr>
+          <p:style>
+            <a:lnRef idx="2">
+              <a:schemeClr val="accent1">
+                <a:shade val="50000"/>
+              </a:schemeClr>
+            </a:lnRef>
+            <a:fillRef idx="1">
+              <a:schemeClr val="accent1"/>
+            </a:fillRef>
+            <a:effectRef idx="0">
+              <a:schemeClr val="accent1"/>
+            </a:effectRef>
+            <a:fontRef idx="minor">
+              <a:schemeClr val="lt1"/>
+            </a:fontRef>
+          </p:style>
+          <p:txBody>
+            <a:bodyPr rtlCol="0" anchor="ctr"/>
+            <a:lstStyle/>
+            <a:p>
+              <a:pPr algn="ctr"/>
+              <a:endParaRPr kumimoji="1" lang="ja-JP" altLang="en-US"/>
+            </a:p>
+          </p:txBody>
+        </p:sp>
+        <p:sp>
+          <p:nvSpPr>
+            <p:cNvPr id="61" name="正方形/長方形 60"/>
+            <p:cNvSpPr/>
+            <p:nvPr/>
+          </p:nvSpPr>
+          <p:spPr>
+            <a:xfrm>
+              <a:off x="4395260" y="3286208"/>
+              <a:ext cx="1596007" cy="383193"/>
+            </a:xfrm>
+            <a:prstGeom prst="rect">
+              <a:avLst/>
+            </a:prstGeom>
+            <a:noFill/>
+            <a:ln w="22225">
+              <a:noFill/>
+            </a:ln>
+          </p:spPr>
+          <p:style>
+            <a:lnRef idx="2">
+              <a:schemeClr val="accent1">
+                <a:shade val="50000"/>
+              </a:schemeClr>
+            </a:lnRef>
+            <a:fillRef idx="1">
+              <a:schemeClr val="accent1"/>
+            </a:fillRef>
+            <a:effectRef idx="0">
+              <a:schemeClr val="accent1"/>
+            </a:effectRef>
+            <a:fontRef idx="minor">
+              <a:schemeClr val="lt1"/>
+            </a:fontRef>
+          </p:style>
+          <p:txBody>
+            <a:bodyPr rtlCol="0" anchor="ctr"/>
+            <a:lstStyle/>
+            <a:p>
+              <a:pPr algn="ctr"/>
+              <a:r>
+                <a:rPr kumimoji="1" lang="en-US" altLang="ja-JP" dirty="0" smtClean="0">
+                  <a:solidFill>
+                    <a:schemeClr val="tx1"/>
+                  </a:solidFill>
+                  <a:latin typeface="Meiryo UI" panose="020B0604030504040204" pitchFamily="50" charset="-128"/>
+                  <a:ea typeface="Meiryo UI" panose="020B0604030504040204" pitchFamily="50" charset="-128"/>
+                </a:rPr>
+                <a:t>Slack</a:t>
+              </a:r>
+              <a:endParaRPr kumimoji="1" lang="ja-JP" altLang="en-US" dirty="0">
+                <a:solidFill>
+                  <a:schemeClr val="tx1"/>
+                </a:solidFill>
+                <a:latin typeface="Meiryo UI" panose="020B0604030504040204" pitchFamily="50" charset="-128"/>
+                <a:ea typeface="Meiryo UI" panose="020B0604030504040204" pitchFamily="50" charset="-128"/>
+              </a:endParaRPr>
+            </a:p>
+          </p:txBody>
+        </p:sp>
+      </p:grpSp>
+      <p:grpSp>
+        <p:nvGrpSpPr>
+          <p:cNvPr id="63" name="グループ化 62"/>
+          <p:cNvGrpSpPr/>
+          <p:nvPr/>
+        </p:nvGrpSpPr>
+        <p:grpSpPr>
+          <a:xfrm>
+            <a:off x="7717983" y="1579658"/>
+            <a:ext cx="1596877" cy="401988"/>
+            <a:chOff x="4394390" y="3279461"/>
+            <a:chExt cx="1596877" cy="401988"/>
+          </a:xfrm>
+        </p:grpSpPr>
+        <p:sp>
+          <p:nvSpPr>
+            <p:cNvPr id="64" name="正方形/長方形 63"/>
+            <p:cNvSpPr/>
+            <p:nvPr/>
+          </p:nvSpPr>
+          <p:spPr>
+            <a:xfrm>
+              <a:off x="4394390" y="3279461"/>
+              <a:ext cx="1596007" cy="401988"/>
+            </a:xfrm>
+            <a:prstGeom prst="rect">
+              <a:avLst/>
+            </a:prstGeom>
+            <a:solidFill>
+              <a:schemeClr val="bg1"/>
+            </a:solidFill>
+            <a:ln w="22225">
+              <a:solidFill>
+                <a:schemeClr val="tx1"/>
+              </a:solidFill>
+            </a:ln>
+          </p:spPr>
+          <p:style>
+            <a:lnRef idx="2">
+              <a:schemeClr val="accent1">
+                <a:shade val="50000"/>
+              </a:schemeClr>
+            </a:lnRef>
+            <a:fillRef idx="1">
+              <a:schemeClr val="accent1"/>
+            </a:fillRef>
+            <a:effectRef idx="0">
+              <a:schemeClr val="accent1"/>
+            </a:effectRef>
+            <a:fontRef idx="minor">
+              <a:schemeClr val="lt1"/>
+            </a:fontRef>
+          </p:style>
+          <p:txBody>
+            <a:bodyPr rtlCol="0" anchor="ctr"/>
+            <a:lstStyle/>
+            <a:p>
+              <a:pPr algn="ctr"/>
+              <a:endParaRPr kumimoji="1" lang="ja-JP" altLang="en-US"/>
+            </a:p>
+          </p:txBody>
+        </p:sp>
+        <p:sp>
+          <p:nvSpPr>
+            <p:cNvPr id="65" name="正方形/長方形 64"/>
+            <p:cNvSpPr/>
+            <p:nvPr/>
+          </p:nvSpPr>
+          <p:spPr>
+            <a:xfrm>
+              <a:off x="4395260" y="3286208"/>
+              <a:ext cx="1596007" cy="383193"/>
+            </a:xfrm>
+            <a:prstGeom prst="rect">
+              <a:avLst/>
+            </a:prstGeom>
+            <a:noFill/>
+            <a:ln w="22225">
+              <a:noFill/>
+            </a:ln>
+          </p:spPr>
+          <p:style>
+            <a:lnRef idx="2">
+              <a:schemeClr val="accent1">
+                <a:shade val="50000"/>
+              </a:schemeClr>
+            </a:lnRef>
+            <a:fillRef idx="1">
+              <a:schemeClr val="accent1"/>
+            </a:fillRef>
+            <a:effectRef idx="0">
+              <a:schemeClr val="accent1"/>
+            </a:effectRef>
+            <a:fontRef idx="minor">
+              <a:schemeClr val="lt1"/>
+            </a:fontRef>
+          </p:style>
+          <p:txBody>
+            <a:bodyPr rtlCol="0" anchor="ctr"/>
+            <a:lstStyle/>
+            <a:p>
+              <a:pPr algn="ctr"/>
+              <a:r>
+                <a:rPr kumimoji="1" lang="en-US" altLang="ja-JP" dirty="0" smtClean="0">
+                  <a:solidFill>
+                    <a:schemeClr val="tx1"/>
+                  </a:solidFill>
+                  <a:latin typeface="Meiryo UI" panose="020B0604030504040204" pitchFamily="50" charset="-128"/>
+                  <a:ea typeface="Meiryo UI" panose="020B0604030504040204" pitchFamily="50" charset="-128"/>
+                </a:rPr>
+                <a:t>GitHub</a:t>
+              </a:r>
+              <a:endParaRPr kumimoji="1" lang="ja-JP" altLang="en-US" dirty="0">
+                <a:solidFill>
+                  <a:schemeClr val="tx1"/>
+                </a:solidFill>
+                <a:latin typeface="Meiryo UI" panose="020B0604030504040204" pitchFamily="50" charset="-128"/>
+                <a:ea typeface="Meiryo UI" panose="020B0604030504040204" pitchFamily="50" charset="-128"/>
+              </a:endParaRPr>
+            </a:p>
+          </p:txBody>
+        </p:sp>
+      </p:grpSp>
+      <p:sp>
+        <p:nvSpPr>
+          <p:cNvPr id="66" name="正方形/長方形 65"/>
+          <p:cNvSpPr/>
+          <p:nvPr/>
+        </p:nvSpPr>
+        <p:spPr>
+          <a:xfrm>
+            <a:off x="8752122" y="4411663"/>
+            <a:ext cx="2061120" cy="877507"/>
+          </a:xfrm>
+          <a:prstGeom prst="rect">
+            <a:avLst/>
+          </a:prstGeom>
+          <a:noFill/>
+          <a:ln w="22225">
+            <a:noFill/>
+          </a:ln>
+        </p:spPr>
+        <p:style>
+          <a:lnRef idx="2">
+            <a:schemeClr val="accent1">
+              <a:shade val="50000"/>
+            </a:schemeClr>
+          </a:lnRef>
+          <a:fillRef idx="1">
+            <a:schemeClr val="accent1"/>
+          </a:fillRef>
+          <a:effectRef idx="0">
+            <a:schemeClr val="accent1"/>
+          </a:effectRef>
+          <a:fontRef idx="minor">
+            <a:schemeClr val="lt1"/>
+          </a:fontRef>
+        </p:style>
+        <p:txBody>
+          <a:bodyPr rtlCol="0" anchor="ctr"/>
+          <a:lstStyle/>
+          <a:p>
+            <a:r>
+              <a:rPr kumimoji="1" lang="ja-JP" altLang="en-US" dirty="0" smtClean="0">
+                <a:solidFill>
+                  <a:schemeClr val="tx1"/>
+                </a:solidFill>
+                <a:latin typeface="Meiryo UI" panose="020B0604030504040204" pitchFamily="50" charset="-128"/>
+                <a:ea typeface="Meiryo UI" panose="020B0604030504040204" pitchFamily="50" charset="-128"/>
+              </a:rPr>
+              <a:t>・</a:t>
+            </a:r>
+            <a:r>
+              <a:rPr kumimoji="1" lang="en-US" altLang="ja-JP" dirty="0" smtClean="0">
+                <a:solidFill>
+                  <a:schemeClr val="tx1"/>
+                </a:solidFill>
+                <a:latin typeface="Meiryo UI" panose="020B0604030504040204" pitchFamily="50" charset="-128"/>
+                <a:ea typeface="Meiryo UI" panose="020B0604030504040204" pitchFamily="50" charset="-128"/>
+              </a:rPr>
+              <a:t>Invoice</a:t>
+            </a:r>
+          </a:p>
+          <a:p>
+            <a:r>
+              <a:rPr kumimoji="1" lang="ja-JP" altLang="en-US" dirty="0" smtClean="0">
+                <a:solidFill>
+                  <a:schemeClr val="tx1"/>
+                </a:solidFill>
+                <a:latin typeface="Meiryo UI" panose="020B0604030504040204" pitchFamily="50" charset="-128"/>
+                <a:ea typeface="Meiryo UI" panose="020B0604030504040204" pitchFamily="50" charset="-128"/>
+              </a:rPr>
+              <a:t>・</a:t>
+            </a:r>
+            <a:r>
+              <a:rPr kumimoji="1" lang="en-US" altLang="ja-JP" dirty="0" smtClean="0">
+                <a:solidFill>
+                  <a:schemeClr val="tx1"/>
+                </a:solidFill>
+                <a:latin typeface="Meiryo UI" panose="020B0604030504040204" pitchFamily="50" charset="-128"/>
+                <a:ea typeface="Meiryo UI" panose="020B0604030504040204" pitchFamily="50" charset="-128"/>
+              </a:rPr>
+              <a:t>Order</a:t>
+            </a:r>
+          </a:p>
+          <a:p>
+            <a:r>
+              <a:rPr kumimoji="1" lang="ja-JP" altLang="en-US" dirty="0" smtClean="0">
+                <a:solidFill>
+                  <a:schemeClr val="tx1"/>
+                </a:solidFill>
+                <a:latin typeface="Meiryo UI" panose="020B0604030504040204" pitchFamily="50" charset="-128"/>
+                <a:ea typeface="Meiryo UI" panose="020B0604030504040204" pitchFamily="50" charset="-128"/>
+              </a:rPr>
+              <a:t>・</a:t>
+            </a:r>
+            <a:r>
+              <a:rPr kumimoji="1" lang="en-US" altLang="ja-JP" dirty="0" smtClean="0">
+                <a:solidFill>
+                  <a:schemeClr val="tx1"/>
+                </a:solidFill>
+                <a:latin typeface="Meiryo UI" panose="020B0604030504040204" pitchFamily="50" charset="-128"/>
+                <a:ea typeface="Meiryo UI" panose="020B0604030504040204" pitchFamily="50" charset="-128"/>
+              </a:rPr>
+              <a:t>Client</a:t>
+            </a:r>
+            <a:endParaRPr kumimoji="1" lang="ja-JP" altLang="en-US" dirty="0">
+              <a:solidFill>
+                <a:schemeClr val="tx1"/>
+              </a:solidFill>
+              <a:latin typeface="Meiryo UI" panose="020B0604030504040204" pitchFamily="50" charset="-128"/>
+              <a:ea typeface="Meiryo UI" panose="020B0604030504040204" pitchFamily="50" charset="-128"/>
+            </a:endParaRPr>
+          </a:p>
+        </p:txBody>
+      </p:sp>
+      <p:grpSp>
+        <p:nvGrpSpPr>
+          <p:cNvPr id="67" name="グループ化 66"/>
+          <p:cNvGrpSpPr/>
+          <p:nvPr/>
+        </p:nvGrpSpPr>
+        <p:grpSpPr>
+          <a:xfrm>
+            <a:off x="9216365" y="2751484"/>
+            <a:ext cx="1596877" cy="401988"/>
+            <a:chOff x="4394390" y="3279461"/>
+            <a:chExt cx="1596877" cy="401988"/>
+          </a:xfrm>
+        </p:grpSpPr>
+        <p:sp>
+          <p:nvSpPr>
+            <p:cNvPr id="68" name="正方形/長方形 67"/>
+            <p:cNvSpPr/>
+            <p:nvPr/>
+          </p:nvSpPr>
+          <p:spPr>
+            <a:xfrm>
+              <a:off x="4394390" y="3279461"/>
+              <a:ext cx="1596007" cy="401988"/>
+            </a:xfrm>
+            <a:prstGeom prst="rect">
+              <a:avLst/>
+            </a:prstGeom>
+            <a:solidFill>
+              <a:schemeClr val="bg1"/>
+            </a:solidFill>
+            <a:ln w="22225">
+              <a:solidFill>
+                <a:schemeClr val="tx1"/>
+              </a:solidFill>
+            </a:ln>
+          </p:spPr>
+          <p:style>
+            <a:lnRef idx="2">
+              <a:schemeClr val="accent1">
+                <a:shade val="50000"/>
+              </a:schemeClr>
+            </a:lnRef>
+            <a:fillRef idx="1">
+              <a:schemeClr val="accent1"/>
+            </a:fillRef>
+            <a:effectRef idx="0">
+              <a:schemeClr val="accent1"/>
+            </a:effectRef>
+            <a:fontRef idx="minor">
+              <a:schemeClr val="lt1"/>
+            </a:fontRef>
+          </p:style>
+          <p:txBody>
+            <a:bodyPr rtlCol="0" anchor="ctr"/>
+            <a:lstStyle/>
+            <a:p>
+              <a:pPr algn="ctr"/>
+              <a:endParaRPr kumimoji="1" lang="ja-JP" altLang="en-US"/>
+            </a:p>
+          </p:txBody>
+        </p:sp>
+        <p:sp>
+          <p:nvSpPr>
+            <p:cNvPr id="69" name="正方形/長方形 68"/>
+            <p:cNvSpPr/>
+            <p:nvPr/>
+          </p:nvSpPr>
+          <p:spPr>
+            <a:xfrm>
+              <a:off x="4395260" y="3286208"/>
+              <a:ext cx="1596007" cy="383193"/>
+            </a:xfrm>
+            <a:prstGeom prst="rect">
+              <a:avLst/>
+            </a:prstGeom>
+            <a:noFill/>
+            <a:ln w="22225">
+              <a:noFill/>
+            </a:ln>
+          </p:spPr>
+          <p:style>
+            <a:lnRef idx="2">
+              <a:schemeClr val="accent1">
+                <a:shade val="50000"/>
+              </a:schemeClr>
+            </a:lnRef>
+            <a:fillRef idx="1">
+              <a:schemeClr val="accent1"/>
+            </a:fillRef>
+            <a:effectRef idx="0">
+              <a:schemeClr val="accent1"/>
+            </a:effectRef>
+            <a:fontRef idx="minor">
+              <a:schemeClr val="lt1"/>
+            </a:fontRef>
+          </p:style>
+          <p:txBody>
+            <a:bodyPr rtlCol="0" anchor="ctr"/>
+            <a:lstStyle/>
+            <a:p>
+              <a:pPr algn="ctr"/>
+              <a:r>
+                <a:rPr kumimoji="1" lang="en-US" altLang="ja-JP" dirty="0" err="1" smtClean="0">
+                  <a:solidFill>
+                    <a:schemeClr val="tx1"/>
+                  </a:solidFill>
+                  <a:latin typeface="Meiryo UI" panose="020B0604030504040204" pitchFamily="50" charset="-128"/>
+                  <a:ea typeface="Meiryo UI" panose="020B0604030504040204" pitchFamily="50" charset="-128"/>
+                </a:rPr>
+                <a:t>Autodoc</a:t>
+              </a:r>
+              <a:endParaRPr kumimoji="1" lang="ja-JP" altLang="en-US" dirty="0">
+                <a:solidFill>
+                  <a:schemeClr val="tx1"/>
+                </a:solidFill>
+                <a:latin typeface="Meiryo UI" panose="020B0604030504040204" pitchFamily="50" charset="-128"/>
+                <a:ea typeface="Meiryo UI" panose="020B0604030504040204" pitchFamily="50" charset="-128"/>
+              </a:endParaRPr>
+            </a:p>
+          </p:txBody>
+        </p:sp>
+      </p:grpSp>
+      <p:grpSp>
+        <p:nvGrpSpPr>
+          <p:cNvPr id="70" name="グループ化 69"/>
+          <p:cNvGrpSpPr/>
+          <p:nvPr/>
+        </p:nvGrpSpPr>
+        <p:grpSpPr>
+          <a:xfrm>
+            <a:off x="7422021" y="2734760"/>
+            <a:ext cx="1596877" cy="401988"/>
+            <a:chOff x="4394390" y="3279461"/>
+            <a:chExt cx="1596877" cy="401988"/>
+          </a:xfrm>
+        </p:grpSpPr>
+        <p:sp>
+          <p:nvSpPr>
+            <p:cNvPr id="71" name="正方形/長方形 70"/>
+            <p:cNvSpPr/>
+            <p:nvPr/>
+          </p:nvSpPr>
+          <p:spPr>
+            <a:xfrm>
+              <a:off x="4394390" y="3279461"/>
+              <a:ext cx="1596007" cy="401988"/>
+            </a:xfrm>
+            <a:prstGeom prst="rect">
+              <a:avLst/>
+            </a:prstGeom>
+            <a:solidFill>
+              <a:schemeClr val="bg1"/>
+            </a:solidFill>
+            <a:ln w="22225">
+              <a:solidFill>
+                <a:schemeClr val="tx1"/>
+              </a:solidFill>
+            </a:ln>
+          </p:spPr>
+          <p:style>
+            <a:lnRef idx="2">
+              <a:schemeClr val="accent1">
+                <a:shade val="50000"/>
+              </a:schemeClr>
+            </a:lnRef>
+            <a:fillRef idx="1">
+              <a:schemeClr val="accent1"/>
+            </a:fillRef>
+            <a:effectRef idx="0">
+              <a:schemeClr val="accent1"/>
+            </a:effectRef>
+            <a:fontRef idx="minor">
+              <a:schemeClr val="lt1"/>
+            </a:fontRef>
+          </p:style>
+          <p:txBody>
+            <a:bodyPr rtlCol="0" anchor="ctr"/>
+            <a:lstStyle/>
+            <a:p>
+              <a:pPr algn="ctr"/>
+              <a:endParaRPr kumimoji="1" lang="ja-JP" altLang="en-US"/>
+            </a:p>
+          </p:txBody>
+        </p:sp>
+        <p:sp>
+          <p:nvSpPr>
+            <p:cNvPr id="72" name="正方形/長方形 71"/>
+            <p:cNvSpPr/>
+            <p:nvPr/>
+          </p:nvSpPr>
+          <p:spPr>
+            <a:xfrm>
+              <a:off x="4395260" y="3286208"/>
+              <a:ext cx="1596007" cy="383193"/>
+            </a:xfrm>
+            <a:prstGeom prst="rect">
+              <a:avLst/>
+            </a:prstGeom>
+            <a:noFill/>
+            <a:ln w="22225">
+              <a:noFill/>
+            </a:ln>
+          </p:spPr>
+          <p:style>
+            <a:lnRef idx="2">
+              <a:schemeClr val="accent1">
+                <a:shade val="50000"/>
+              </a:schemeClr>
+            </a:lnRef>
+            <a:fillRef idx="1">
+              <a:schemeClr val="accent1"/>
+            </a:fillRef>
+            <a:effectRef idx="0">
+              <a:schemeClr val="accent1"/>
+            </a:effectRef>
+            <a:fontRef idx="minor">
+              <a:schemeClr val="lt1"/>
+            </a:fontRef>
+          </p:style>
+          <p:txBody>
+            <a:bodyPr rtlCol="0" anchor="ctr"/>
+            <a:lstStyle/>
+            <a:p>
+              <a:pPr algn="ctr"/>
+              <a:r>
+                <a:rPr kumimoji="1" lang="en-US" altLang="ja-JP" dirty="0" err="1">
+                  <a:solidFill>
+                    <a:schemeClr val="tx1"/>
+                  </a:solidFill>
+                  <a:latin typeface="Meiryo UI" panose="020B0604030504040204" pitchFamily="50" charset="-128"/>
+                  <a:ea typeface="Meiryo UI" panose="020B0604030504040204" pitchFamily="50" charset="-128"/>
+                </a:rPr>
+                <a:t>CheckStyle</a:t>
+              </a:r>
+              <a:endParaRPr kumimoji="1" lang="ja-JP" altLang="en-US" dirty="0">
+                <a:solidFill>
+                  <a:schemeClr val="tx1"/>
+                </a:solidFill>
+                <a:latin typeface="Meiryo UI" panose="020B0604030504040204" pitchFamily="50" charset="-128"/>
+                <a:ea typeface="Meiryo UI" panose="020B0604030504040204" pitchFamily="50" charset="-128"/>
+              </a:endParaRPr>
+            </a:p>
+          </p:txBody>
+        </p:sp>
+      </p:grpSp>
+      <p:grpSp>
+        <p:nvGrpSpPr>
+          <p:cNvPr id="73" name="グループ化 72"/>
+          <p:cNvGrpSpPr/>
+          <p:nvPr/>
+        </p:nvGrpSpPr>
+        <p:grpSpPr>
+          <a:xfrm>
+            <a:off x="7430547" y="3273231"/>
+            <a:ext cx="1596877" cy="401988"/>
+            <a:chOff x="4394390" y="3279461"/>
+            <a:chExt cx="1596877" cy="401988"/>
+          </a:xfrm>
+        </p:grpSpPr>
+        <p:sp>
+          <p:nvSpPr>
+            <p:cNvPr id="74" name="正方形/長方形 73"/>
+            <p:cNvSpPr/>
+            <p:nvPr/>
+          </p:nvSpPr>
+          <p:spPr>
+            <a:xfrm>
+              <a:off x="4394390" y="3279461"/>
+              <a:ext cx="1596007" cy="401988"/>
+            </a:xfrm>
+            <a:prstGeom prst="rect">
+              <a:avLst/>
+            </a:prstGeom>
+            <a:solidFill>
+              <a:schemeClr val="bg1"/>
+            </a:solidFill>
+            <a:ln w="22225">
+              <a:solidFill>
+                <a:schemeClr val="tx1"/>
+              </a:solidFill>
+            </a:ln>
+          </p:spPr>
+          <p:style>
+            <a:lnRef idx="2">
+              <a:schemeClr val="accent1">
+                <a:shade val="50000"/>
+              </a:schemeClr>
+            </a:lnRef>
+            <a:fillRef idx="1">
+              <a:schemeClr val="accent1"/>
+            </a:fillRef>
+            <a:effectRef idx="0">
+              <a:schemeClr val="accent1"/>
+            </a:effectRef>
+            <a:fontRef idx="minor">
+              <a:schemeClr val="lt1"/>
+            </a:fontRef>
+          </p:style>
+          <p:txBody>
+            <a:bodyPr rtlCol="0" anchor="ctr"/>
+            <a:lstStyle/>
+            <a:p>
+              <a:pPr algn="ctr"/>
+              <a:endParaRPr kumimoji="1" lang="ja-JP" altLang="en-US"/>
+            </a:p>
+          </p:txBody>
+        </p:sp>
+        <p:sp>
+          <p:nvSpPr>
+            <p:cNvPr id="75" name="正方形/長方形 74"/>
+            <p:cNvSpPr/>
+            <p:nvPr/>
+          </p:nvSpPr>
+          <p:spPr>
+            <a:xfrm>
+              <a:off x="4395260" y="3286208"/>
+              <a:ext cx="1596007" cy="383193"/>
+            </a:xfrm>
+            <a:prstGeom prst="rect">
+              <a:avLst/>
+            </a:prstGeom>
+            <a:noFill/>
+            <a:ln w="22225">
+              <a:noFill/>
+            </a:ln>
+          </p:spPr>
+          <p:style>
+            <a:lnRef idx="2">
+              <a:schemeClr val="accent1">
+                <a:shade val="50000"/>
+              </a:schemeClr>
+            </a:lnRef>
+            <a:fillRef idx="1">
+              <a:schemeClr val="accent1"/>
+            </a:fillRef>
+            <a:effectRef idx="0">
+              <a:schemeClr val="accent1"/>
+            </a:effectRef>
+            <a:fontRef idx="minor">
+              <a:schemeClr val="lt1"/>
+            </a:fontRef>
+          </p:style>
+          <p:txBody>
+            <a:bodyPr rtlCol="0" anchor="ctr"/>
+            <a:lstStyle/>
+            <a:p>
+              <a:pPr algn="ctr"/>
+              <a:r>
+                <a:rPr kumimoji="1" lang="en-US" altLang="ja-JP" dirty="0" err="1">
+                  <a:solidFill>
+                    <a:schemeClr val="tx1"/>
+                  </a:solidFill>
+                  <a:latin typeface="Meiryo UI" panose="020B0604030504040204" pitchFamily="50" charset="-128"/>
+                  <a:ea typeface="Meiryo UI" panose="020B0604030504040204" pitchFamily="50" charset="-128"/>
+                </a:rPr>
+                <a:t>FingBugs</a:t>
+              </a:r>
+              <a:endParaRPr kumimoji="1" lang="ja-JP" altLang="en-US" dirty="0">
+                <a:solidFill>
+                  <a:schemeClr val="tx1"/>
+                </a:solidFill>
+                <a:latin typeface="Meiryo UI" panose="020B0604030504040204" pitchFamily="50" charset="-128"/>
+                <a:ea typeface="Meiryo UI" panose="020B0604030504040204" pitchFamily="50" charset="-128"/>
+              </a:endParaRPr>
+            </a:p>
+          </p:txBody>
+        </p:sp>
+      </p:grpSp>
+      <p:grpSp>
+        <p:nvGrpSpPr>
+          <p:cNvPr id="76" name="グループ化 75"/>
+          <p:cNvGrpSpPr/>
+          <p:nvPr/>
+        </p:nvGrpSpPr>
+        <p:grpSpPr>
+          <a:xfrm>
+            <a:off x="9216365" y="3270580"/>
+            <a:ext cx="1596877" cy="401988"/>
+            <a:chOff x="4394390" y="3279461"/>
+            <a:chExt cx="1596877" cy="401988"/>
+          </a:xfrm>
+        </p:grpSpPr>
+        <p:sp>
+          <p:nvSpPr>
+            <p:cNvPr id="77" name="正方形/長方形 76"/>
+            <p:cNvSpPr/>
+            <p:nvPr/>
+          </p:nvSpPr>
+          <p:spPr>
+            <a:xfrm>
+              <a:off x="4394390" y="3279461"/>
+              <a:ext cx="1596007" cy="401988"/>
+            </a:xfrm>
+            <a:prstGeom prst="rect">
+              <a:avLst/>
+            </a:prstGeom>
+            <a:solidFill>
+              <a:schemeClr val="bg1"/>
+            </a:solidFill>
+            <a:ln w="22225">
+              <a:solidFill>
+                <a:schemeClr val="tx1"/>
+              </a:solidFill>
+            </a:ln>
+          </p:spPr>
+          <p:style>
+            <a:lnRef idx="2">
+              <a:schemeClr val="accent1">
+                <a:shade val="50000"/>
+              </a:schemeClr>
+            </a:lnRef>
+            <a:fillRef idx="1">
+              <a:schemeClr val="accent1"/>
+            </a:fillRef>
+            <a:effectRef idx="0">
+              <a:schemeClr val="accent1"/>
+            </a:effectRef>
+            <a:fontRef idx="minor">
+              <a:schemeClr val="lt1"/>
+            </a:fontRef>
+          </p:style>
+          <p:txBody>
+            <a:bodyPr rtlCol="0" anchor="ctr"/>
+            <a:lstStyle/>
+            <a:p>
+              <a:pPr algn="ctr"/>
+              <a:endParaRPr kumimoji="1" lang="ja-JP" altLang="en-US"/>
+            </a:p>
+          </p:txBody>
+        </p:sp>
+        <p:sp>
+          <p:nvSpPr>
+            <p:cNvPr id="78" name="正方形/長方形 77"/>
+            <p:cNvSpPr/>
+            <p:nvPr/>
+          </p:nvSpPr>
+          <p:spPr>
+            <a:xfrm>
+              <a:off x="4395260" y="3286208"/>
+              <a:ext cx="1596007" cy="383193"/>
+            </a:xfrm>
+            <a:prstGeom prst="rect">
+              <a:avLst/>
+            </a:prstGeom>
+            <a:noFill/>
+            <a:ln w="22225">
+              <a:noFill/>
+            </a:ln>
+          </p:spPr>
+          <p:style>
+            <a:lnRef idx="2">
+              <a:schemeClr val="accent1">
+                <a:shade val="50000"/>
+              </a:schemeClr>
+            </a:lnRef>
+            <a:fillRef idx="1">
+              <a:schemeClr val="accent1"/>
+            </a:fillRef>
+            <a:effectRef idx="0">
+              <a:schemeClr val="accent1"/>
+            </a:effectRef>
+            <a:fontRef idx="minor">
+              <a:schemeClr val="lt1"/>
+            </a:fontRef>
+          </p:style>
+          <p:txBody>
+            <a:bodyPr rtlCol="0" anchor="ctr"/>
+            <a:lstStyle/>
+            <a:p>
+              <a:pPr algn="ctr"/>
+              <a:r>
+                <a:rPr kumimoji="1" lang="en-US" altLang="ja-JP" dirty="0">
+                  <a:solidFill>
+                    <a:schemeClr val="tx1"/>
+                  </a:solidFill>
+                  <a:latin typeface="Meiryo UI" panose="020B0604030504040204" pitchFamily="50" charset="-128"/>
+                  <a:ea typeface="Meiryo UI" panose="020B0604030504040204" pitchFamily="50" charset="-128"/>
+                </a:rPr>
+                <a:t>Jenkins</a:t>
+              </a:r>
+              <a:endParaRPr kumimoji="1" lang="ja-JP" altLang="en-US" dirty="0">
+                <a:solidFill>
+                  <a:schemeClr val="tx1"/>
+                </a:solidFill>
+                <a:latin typeface="Meiryo UI" panose="020B0604030504040204" pitchFamily="50" charset="-128"/>
+                <a:ea typeface="Meiryo UI" panose="020B0604030504040204" pitchFamily="50" charset="-128"/>
+              </a:endParaRPr>
+            </a:p>
+          </p:txBody>
+        </p:sp>
+      </p:grpSp>
+      <p:sp>
+        <p:nvSpPr>
+          <p:cNvPr id="79" name="角丸四角形 78"/>
+          <p:cNvSpPr/>
+          <p:nvPr/>
+        </p:nvSpPr>
+        <p:spPr>
+          <a:xfrm>
+            <a:off x="7278130" y="2334859"/>
+            <a:ext cx="3776724" cy="1483857"/>
+          </a:xfrm>
+          <a:prstGeom prst="roundRect">
+            <a:avLst/>
+          </a:prstGeom>
+          <a:solidFill>
+            <a:schemeClr val="accent1">
+              <a:alpha val="50000"/>
+            </a:schemeClr>
+          </a:solidFill>
+          <a:ln>
+            <a:solidFill>
+              <a:schemeClr val="accent1">
+                <a:shade val="50000"/>
+              </a:schemeClr>
+            </a:solidFill>
+          </a:ln>
+        </p:spPr>
+        <p:style>
+          <a:lnRef idx="2">
+            <a:schemeClr val="accent1">
+              <a:shade val="50000"/>
+            </a:schemeClr>
+          </a:lnRef>
+          <a:fillRef idx="1">
+            <a:schemeClr val="accent1"/>
+          </a:fillRef>
+          <a:effectRef idx="0">
+            <a:schemeClr val="accent1"/>
+          </a:effectRef>
+          <a:fontRef idx="minor">
+            <a:schemeClr val="lt1"/>
+          </a:fontRef>
+        </p:style>
+        <p:txBody>
+          <a:bodyPr rtlCol="0" anchor="ctr"/>
+          <a:lstStyle/>
+          <a:p>
+            <a:pPr algn="ctr"/>
+            <a:endParaRPr kumimoji="1" lang="ja-JP" altLang="en-US"/>
+          </a:p>
+        </p:txBody>
+      </p:sp>
+      <p:sp>
+        <p:nvSpPr>
+          <p:cNvPr id="80" name="正方形/長方形 79"/>
+          <p:cNvSpPr/>
+          <p:nvPr/>
+        </p:nvSpPr>
+        <p:spPr>
+          <a:xfrm>
+            <a:off x="4144358" y="2643567"/>
+            <a:ext cx="2061120" cy="334112"/>
+          </a:xfrm>
+          <a:prstGeom prst="rect">
+            <a:avLst/>
+          </a:prstGeom>
+          <a:noFill/>
+          <a:ln w="22225">
+            <a:noFill/>
+          </a:ln>
+        </p:spPr>
+        <p:style>
+          <a:lnRef idx="2">
+            <a:schemeClr val="accent1">
+              <a:shade val="50000"/>
+            </a:schemeClr>
+          </a:lnRef>
+          <a:fillRef idx="1">
+            <a:schemeClr val="accent1"/>
+          </a:fillRef>
+          <a:effectRef idx="0">
+            <a:schemeClr val="accent1"/>
+          </a:effectRef>
+          <a:fontRef idx="minor">
+            <a:schemeClr val="lt1"/>
+          </a:fontRef>
+        </p:style>
+        <p:txBody>
+          <a:bodyPr rtlCol="0" anchor="ctr"/>
+          <a:lstStyle/>
+          <a:p>
+            <a:pPr algn="ctr"/>
+            <a:r>
+              <a:rPr kumimoji="1" lang="ja-JP" altLang="en-US" dirty="0" smtClean="0">
+                <a:solidFill>
+                  <a:schemeClr val="tx1"/>
+                </a:solidFill>
+                <a:latin typeface="Meiryo UI" panose="020B0604030504040204" pitchFamily="50" charset="-128"/>
+                <a:ea typeface="Meiryo UI" panose="020B0604030504040204" pitchFamily="50" charset="-128"/>
+              </a:rPr>
+              <a:t>ビルド</a:t>
+            </a:r>
+            <a:endParaRPr kumimoji="1" lang="ja-JP" altLang="en-US" dirty="0">
+              <a:solidFill>
+                <a:schemeClr val="tx1"/>
+              </a:solidFill>
+              <a:latin typeface="Meiryo UI" panose="020B0604030504040204" pitchFamily="50" charset="-128"/>
+              <a:ea typeface="Meiryo UI" panose="020B0604030504040204" pitchFamily="50" charset="-128"/>
+            </a:endParaRPr>
+          </a:p>
+        </p:txBody>
+      </p:sp>
+      <p:sp>
+        <p:nvSpPr>
+          <p:cNvPr id="81" name="正方形/長方形 80"/>
+          <p:cNvSpPr/>
+          <p:nvPr/>
+        </p:nvSpPr>
+        <p:spPr>
+          <a:xfrm>
+            <a:off x="7270106" y="2334217"/>
+            <a:ext cx="3784747" cy="334112"/>
+          </a:xfrm>
+          <a:prstGeom prst="rect">
+            <a:avLst/>
+          </a:prstGeom>
+          <a:noFill/>
+          <a:ln w="22225">
+            <a:noFill/>
+          </a:ln>
+        </p:spPr>
+        <p:style>
+          <a:lnRef idx="2">
+            <a:schemeClr val="accent1">
+              <a:shade val="50000"/>
+            </a:schemeClr>
+          </a:lnRef>
+          <a:fillRef idx="1">
+            <a:schemeClr val="accent1"/>
+          </a:fillRef>
+          <a:effectRef idx="0">
+            <a:schemeClr val="accent1"/>
+          </a:effectRef>
+          <a:fontRef idx="minor">
+            <a:schemeClr val="lt1"/>
+          </a:fontRef>
+        </p:style>
+        <p:txBody>
+          <a:bodyPr rtlCol="0" anchor="ctr"/>
+          <a:lstStyle/>
+          <a:p>
+            <a:pPr algn="ctr"/>
+            <a:r>
+              <a:rPr kumimoji="1" lang="ja-JP" altLang="en-US" dirty="0" smtClean="0">
+                <a:solidFill>
+                  <a:schemeClr val="tx1"/>
+                </a:solidFill>
+                <a:latin typeface="Meiryo UI" panose="020B0604030504040204" pitchFamily="50" charset="-128"/>
+                <a:ea typeface="Meiryo UI" panose="020B0604030504040204" pitchFamily="50" charset="-128"/>
+              </a:rPr>
+              <a:t>未対応</a:t>
+            </a:r>
+            <a:endParaRPr kumimoji="1" lang="ja-JP" altLang="en-US" dirty="0">
+              <a:solidFill>
+                <a:schemeClr val="tx1"/>
+              </a:solidFill>
+              <a:latin typeface="Meiryo UI" panose="020B0604030504040204" pitchFamily="50" charset="-128"/>
+              <a:ea typeface="Meiryo UI" panose="020B0604030504040204" pitchFamily="50" charset="-128"/>
+            </a:endParaRPr>
+          </a:p>
+        </p:txBody>
+      </p:sp>
+    </p:spTree>
+    <p:extLst>
+      <p:ext uri="{BB962C8B-B14F-4D97-AF65-F5344CB8AC3E}">
+        <p14:creationId xmlns:p14="http://schemas.microsoft.com/office/powerpoint/2010/main" val="1544417043"/>
+      </p:ext>
+    </p:extLst>
+  </p:cSld>
+  <p:clrMapOvr>
+    <a:masterClrMapping/>
+  </p:clrMapOvr>
+  <p:timing>
+    <p:tnLst>
+      <p:par>
+        <p:cTn id="1" dur="indefinite" restart="never" nodeType="tmRoot"/>
+      </p:par>
+    </p:tnLst>
+  </p:timing>
+</p:sld>
+</file>
+
+<file path=ppt/slides/slide3.xml><?xml version="1.0" encoding="utf-8"?>
+<p:sld xmlns:a="http://schemas.openxmlformats.org/drawingml/2006/main" xmlns:r="http://schemas.openxmlformats.org/officeDocument/2006/relationships" xmlns:p="http://schemas.openxmlformats.org/presentationml/2006/main">
+  <p:cSld>
+    <p:spTree>
+      <p:nvGrpSpPr>
+        <p:cNvPr id="1" name=""/>
+        <p:cNvGrpSpPr/>
+        <p:nvPr/>
+      </p:nvGrpSpPr>
+      <p:grpSpPr>
+        <a:xfrm>
+          <a:off x="0" y="0"/>
+          <a:ext cx="0" cy="0"/>
+          <a:chOff x="0" y="0"/>
+          <a:chExt cx="0" cy="0"/>
+        </a:xfrm>
+      </p:grpSpPr>
+      <p:sp>
+        <p:nvSpPr>
+          <p:cNvPr id="2" name="タイトル 1"/>
+          <p:cNvSpPr>
+            <a:spLocks noGrp="1"/>
+          </p:cNvSpPr>
+          <p:nvPr>
+            <p:ph type="title"/>
+          </p:nvPr>
+        </p:nvSpPr>
+        <p:spPr/>
+        <p:txBody>
+          <a:bodyPr/>
+          <a:lstStyle/>
+          <a:p>
+            <a:r>
+              <a:rPr kumimoji="1" lang="ja-JP" altLang="en-US" dirty="0" smtClean="0">
+                <a:latin typeface="Meiryo UI" panose="020B0604030504040204" pitchFamily="50" charset="-128"/>
+                <a:ea typeface="Meiryo UI" panose="020B0604030504040204" pitchFamily="50" charset="-128"/>
+              </a:rPr>
+              <a:t>振り返り　</a:t>
+            </a:r>
+            <a:r>
+              <a:rPr lang="en-US" altLang="ja-JP" dirty="0" smtClean="0">
+                <a:latin typeface="Meiryo UI" panose="020B0604030504040204" pitchFamily="50" charset="-128"/>
+                <a:ea typeface="Meiryo UI" panose="020B0604030504040204" pitchFamily="50" charset="-128"/>
+              </a:rPr>
+              <a:t>1</a:t>
+            </a:r>
+            <a:r>
+              <a:rPr kumimoji="1" lang="en-US" altLang="ja-JP" dirty="0" smtClean="0">
+                <a:latin typeface="Meiryo UI" panose="020B0604030504040204" pitchFamily="50" charset="-128"/>
+                <a:ea typeface="Meiryo UI" panose="020B0604030504040204" pitchFamily="50" charset="-128"/>
+              </a:rPr>
+              <a:t>/7</a:t>
+            </a:r>
+            <a:endParaRPr kumimoji="1" lang="ja-JP" altLang="en-US" dirty="0">
+              <a:latin typeface="Meiryo UI" panose="020B0604030504040204" pitchFamily="50" charset="-128"/>
+              <a:ea typeface="Meiryo UI" panose="020B0604030504040204" pitchFamily="50" charset="-128"/>
+            </a:endParaRPr>
+          </a:p>
+        </p:txBody>
+      </p:sp>
+      <p:sp>
+        <p:nvSpPr>
+          <p:cNvPr id="3" name="コンテンツ プレースホルダー 2"/>
+          <p:cNvSpPr>
+            <a:spLocks noGrp="1"/>
+          </p:cNvSpPr>
+          <p:nvPr>
+            <p:ph idx="1"/>
+          </p:nvPr>
+        </p:nvSpPr>
+        <p:spPr/>
+        <p:txBody>
+          <a:bodyPr>
+            <a:normAutofit/>
+          </a:bodyPr>
+          <a:lstStyle/>
+          <a:p>
+            <a:r>
+              <a:rPr kumimoji="1" lang="en-US" altLang="ja-JP" sz="2800" dirty="0" smtClean="0">
+                <a:latin typeface="Meiryo UI" panose="020B0604030504040204" pitchFamily="50" charset="-128"/>
+                <a:ea typeface="Meiryo UI" panose="020B0604030504040204" pitchFamily="50" charset="-128"/>
+              </a:rPr>
+              <a:t>Eclipse</a:t>
+            </a:r>
+            <a:br>
+              <a:rPr kumimoji="1" lang="en-US" altLang="ja-JP" sz="2800" dirty="0" smtClean="0">
+                <a:latin typeface="Meiryo UI" panose="020B0604030504040204" pitchFamily="50" charset="-128"/>
+                <a:ea typeface="Meiryo UI" panose="020B0604030504040204" pitchFamily="50" charset="-128"/>
+              </a:rPr>
+            </a:br>
+            <a:r>
+              <a:rPr lang="ja-JP" altLang="en-US" sz="2400" dirty="0">
+                <a:latin typeface="Meiryo UI" panose="020B0604030504040204" pitchFamily="50" charset="-128"/>
+                <a:ea typeface="Meiryo UI" panose="020B0604030504040204" pitchFamily="50" charset="-128"/>
+              </a:rPr>
+              <a:t>今回</a:t>
+            </a:r>
+            <a:r>
+              <a:rPr lang="ja-JP" altLang="en-US" sz="2400" dirty="0" smtClean="0">
+                <a:latin typeface="Meiryo UI" panose="020B0604030504040204" pitchFamily="50" charset="-128"/>
+                <a:ea typeface="Meiryo UI" panose="020B0604030504040204" pitchFamily="50" charset="-128"/>
+              </a:rPr>
+              <a:t>は</a:t>
+            </a:r>
+            <a:r>
+              <a:rPr lang="en-US" altLang="ja-JP" sz="2400" dirty="0" smtClean="0">
+                <a:latin typeface="Meiryo UI" panose="020B0604030504040204" pitchFamily="50" charset="-128"/>
+                <a:ea typeface="Meiryo UI" panose="020B0604030504040204" pitchFamily="50" charset="-128"/>
+              </a:rPr>
+              <a:t>Java</a:t>
+            </a:r>
+            <a:r>
+              <a:rPr lang="ja-JP" altLang="en-US" sz="2400" dirty="0" smtClean="0">
+                <a:latin typeface="Meiryo UI" panose="020B0604030504040204" pitchFamily="50" charset="-128"/>
+                <a:ea typeface="Meiryo UI" panose="020B0604030504040204" pitchFamily="50" charset="-128"/>
+              </a:rPr>
+              <a:t> で使用しましたが、業務では</a:t>
+            </a:r>
+            <a:r>
+              <a:rPr lang="en-US" altLang="ja-JP" sz="2400" dirty="0" smtClean="0">
+                <a:latin typeface="Meiryo UI" panose="020B0604030504040204" pitchFamily="50" charset="-128"/>
+                <a:ea typeface="Meiryo UI" panose="020B0604030504040204" pitchFamily="50" charset="-128"/>
+              </a:rPr>
+              <a:t>PHP</a:t>
+            </a:r>
+            <a:r>
+              <a:rPr lang="ja-JP" altLang="en-US" sz="2400" dirty="0" err="1" smtClean="0">
+                <a:latin typeface="Meiryo UI" panose="020B0604030504040204" pitchFamily="50" charset="-128"/>
+                <a:ea typeface="Meiryo UI" panose="020B0604030504040204" pitchFamily="50" charset="-128"/>
+              </a:rPr>
+              <a:t>、</a:t>
+            </a:r>
+            <a:r>
+              <a:rPr lang="en-US" altLang="ja-JP" sz="2400" dirty="0" smtClean="0">
+                <a:latin typeface="Meiryo UI" panose="020B0604030504040204" pitchFamily="50" charset="-128"/>
+                <a:ea typeface="Meiryo UI" panose="020B0604030504040204" pitchFamily="50" charset="-128"/>
+              </a:rPr>
+              <a:t>C++</a:t>
+            </a:r>
+            <a:r>
+              <a:rPr lang="ja-JP" altLang="en-US" sz="2400" dirty="0" err="1" smtClean="0">
+                <a:latin typeface="Meiryo UI" panose="020B0604030504040204" pitchFamily="50" charset="-128"/>
+                <a:ea typeface="Meiryo UI" panose="020B0604030504040204" pitchFamily="50" charset="-128"/>
+              </a:rPr>
+              <a:t>、</a:t>
+            </a:r>
+            <a:r>
+              <a:rPr lang="en-US" altLang="ja-JP" sz="2400" dirty="0" err="1" smtClean="0">
+                <a:latin typeface="Meiryo UI" panose="020B0604030504040204" pitchFamily="50" charset="-128"/>
+                <a:ea typeface="Meiryo UI" panose="020B0604030504040204" pitchFamily="50" charset="-128"/>
+              </a:rPr>
+              <a:t>Node.Js</a:t>
+            </a:r>
+            <a:r>
+              <a:rPr lang="ja-JP" altLang="en-US" sz="2400" dirty="0" smtClean="0">
+                <a:latin typeface="Meiryo UI" panose="020B0604030504040204" pitchFamily="50" charset="-128"/>
+                <a:ea typeface="Meiryo UI" panose="020B0604030504040204" pitchFamily="50" charset="-128"/>
+              </a:rPr>
+              <a:t> なども</a:t>
+            </a:r>
+            <a:r>
+              <a:rPr lang="en-US" altLang="ja-JP" sz="2400" dirty="0" smtClean="0">
+                <a:latin typeface="Meiryo UI" panose="020B0604030504040204" pitchFamily="50" charset="-128"/>
+                <a:ea typeface="Meiryo UI" panose="020B0604030504040204" pitchFamily="50" charset="-128"/>
+              </a:rPr>
+              <a:t>Eclipse</a:t>
+            </a:r>
+            <a:r>
+              <a:rPr lang="ja-JP" altLang="en-US" sz="2400" dirty="0" smtClean="0">
+                <a:latin typeface="Meiryo UI" panose="020B0604030504040204" pitchFamily="50" charset="-128"/>
+                <a:ea typeface="Meiryo UI" panose="020B0604030504040204" pitchFamily="50" charset="-128"/>
+              </a:rPr>
+              <a:t> を使用しており、一つの開発環境でいろいろな言語を使用できる所が良いと思います。</a:t>
+            </a:r>
+            <a:r>
+              <a:rPr lang="en-US" altLang="ja-JP" sz="2400" dirty="0">
+                <a:latin typeface="Meiryo UI" panose="020B0604030504040204" pitchFamily="50" charset="-128"/>
+                <a:ea typeface="Meiryo UI" panose="020B0604030504040204" pitchFamily="50" charset="-128"/>
+              </a:rPr>
+              <a:t/>
+            </a:r>
+            <a:br>
+              <a:rPr lang="en-US" altLang="ja-JP" sz="2400" dirty="0">
+                <a:latin typeface="Meiryo UI" panose="020B0604030504040204" pitchFamily="50" charset="-128"/>
+                <a:ea typeface="Meiryo UI" panose="020B0604030504040204" pitchFamily="50" charset="-128"/>
+              </a:rPr>
+            </a:br>
+            <a:r>
+              <a:rPr lang="ja-JP" altLang="en-US" sz="2400" dirty="0" smtClean="0">
+                <a:latin typeface="Meiryo UI" panose="020B0604030504040204" pitchFamily="50" charset="-128"/>
+                <a:ea typeface="Meiryo UI" panose="020B0604030504040204" pitchFamily="50" charset="-128"/>
+              </a:rPr>
+              <a:t>デバッグ機能もそれなりに使用できるため重宝しています。</a:t>
+            </a:r>
+            <a:r>
+              <a:rPr lang="en-US" altLang="ja-JP" sz="2400" dirty="0">
+                <a:latin typeface="Meiryo UI" panose="020B0604030504040204" pitchFamily="50" charset="-128"/>
+                <a:ea typeface="Meiryo UI" panose="020B0604030504040204" pitchFamily="50" charset="-128"/>
+              </a:rPr>
+              <a:t/>
+            </a:r>
+            <a:br>
+              <a:rPr lang="en-US" altLang="ja-JP" sz="2400" dirty="0">
+                <a:latin typeface="Meiryo UI" panose="020B0604030504040204" pitchFamily="50" charset="-128"/>
+                <a:ea typeface="Meiryo UI" panose="020B0604030504040204" pitchFamily="50" charset="-128"/>
+              </a:rPr>
+            </a:br>
+            <a:r>
+              <a:rPr lang="en-US" altLang="ja-JP" sz="2400" dirty="0" smtClean="0">
+                <a:latin typeface="Meiryo UI" panose="020B0604030504040204" pitchFamily="50" charset="-128"/>
+                <a:ea typeface="Meiryo UI" panose="020B0604030504040204" pitchFamily="50" charset="-128"/>
+              </a:rPr>
+              <a:t>※</a:t>
+            </a:r>
+            <a:r>
+              <a:rPr lang="ja-JP" altLang="en-US" sz="2400" dirty="0" smtClean="0">
+                <a:latin typeface="Meiryo UI" panose="020B0604030504040204" pitchFamily="50" charset="-128"/>
+                <a:ea typeface="Meiryo UI" panose="020B0604030504040204" pitchFamily="50" charset="-128"/>
+              </a:rPr>
+              <a:t>追加でインストールできるプラグインが多いため、どれを使用して良いのかがわかりにくいところがありますが</a:t>
+            </a:r>
+            <a:r>
+              <a:rPr lang="en-US" altLang="ja-JP" sz="2400" dirty="0" smtClean="0">
+                <a:latin typeface="Meiryo UI" panose="020B0604030504040204" pitchFamily="50" charset="-128"/>
+                <a:ea typeface="Meiryo UI" panose="020B0604030504040204" pitchFamily="50" charset="-128"/>
+              </a:rPr>
+              <a:t>…</a:t>
+            </a:r>
+            <a:r>
+              <a:rPr lang="ja-JP" altLang="en-US" sz="2400" dirty="0" err="1" smtClean="0">
+                <a:latin typeface="Meiryo UI" panose="020B0604030504040204" pitchFamily="50" charset="-128"/>
+                <a:ea typeface="Meiryo UI" panose="020B0604030504040204" pitchFamily="50" charset="-128"/>
+              </a:rPr>
+              <a:t>。</a:t>
+            </a:r>
+            <a:endParaRPr lang="en-US" altLang="ja-JP" sz="2400" dirty="0" smtClean="0">
+              <a:latin typeface="Meiryo UI" panose="020B0604030504040204" pitchFamily="50" charset="-128"/>
+              <a:ea typeface="Meiryo UI" panose="020B0604030504040204" pitchFamily="50" charset="-128"/>
+            </a:endParaRPr>
+          </a:p>
+        </p:txBody>
+      </p:sp>
+    </p:spTree>
+    <p:extLst>
+      <p:ext uri="{BB962C8B-B14F-4D97-AF65-F5344CB8AC3E}">
+        <p14:creationId xmlns:p14="http://schemas.microsoft.com/office/powerpoint/2010/main" val="2200427108"/>
+      </p:ext>
+    </p:extLst>
+  </p:cSld>
+  <p:clrMapOvr>
+    <a:masterClrMapping/>
+  </p:clrMapOvr>
+  <p:timing>
+    <p:tnLst>
+      <p:par>
+        <p:cTn id="1" dur="indefinite" restart="never" nodeType="tmRoot"/>
+      </p:par>
+    </p:tnLst>
+  </p:timing>
+</p:sld>
+</file>
+
+<file path=ppt/slides/slide4.xml><?xml version="1.0" encoding="utf-8"?>
+<p:sld xmlns:a="http://schemas.openxmlformats.org/drawingml/2006/main" xmlns:r="http://schemas.openxmlformats.org/officeDocument/2006/relationships" xmlns:p="http://schemas.openxmlformats.org/presentationml/2006/main">
+  <p:cSld>
+    <p:spTree>
+      <p:nvGrpSpPr>
+        <p:cNvPr id="1" name=""/>
+        <p:cNvGrpSpPr/>
+        <p:nvPr/>
+      </p:nvGrpSpPr>
+      <p:grpSpPr>
+        <a:xfrm>
+          <a:off x="0" y="0"/>
+          <a:ext cx="0" cy="0"/>
+          <a:chOff x="0" y="0"/>
+          <a:chExt cx="0" cy="0"/>
+        </a:xfrm>
+      </p:grpSpPr>
+      <p:sp>
+        <p:nvSpPr>
+          <p:cNvPr id="2" name="タイトル 1"/>
+          <p:cNvSpPr>
+            <a:spLocks noGrp="1"/>
+          </p:cNvSpPr>
+          <p:nvPr>
+            <p:ph type="title"/>
+          </p:nvPr>
+        </p:nvSpPr>
+        <p:spPr/>
+        <p:txBody>
+          <a:bodyPr/>
+          <a:lstStyle/>
+          <a:p>
+            <a:r>
+              <a:rPr kumimoji="1" lang="ja-JP" altLang="en-US" dirty="0" smtClean="0">
+                <a:latin typeface="Meiryo UI" panose="020B0604030504040204" pitchFamily="50" charset="-128"/>
+                <a:ea typeface="Meiryo UI" panose="020B0604030504040204" pitchFamily="50" charset="-128"/>
+              </a:rPr>
+              <a:t>振り返り</a:t>
+            </a:r>
+            <a:r>
+              <a:rPr lang="ja-JP" altLang="en-US" dirty="0">
+                <a:latin typeface="Meiryo UI" panose="020B0604030504040204" pitchFamily="50" charset="-128"/>
+                <a:ea typeface="Meiryo UI" panose="020B0604030504040204" pitchFamily="50" charset="-128"/>
+              </a:rPr>
+              <a:t>　</a:t>
+            </a:r>
+            <a:r>
+              <a:rPr lang="en-US" altLang="ja-JP" dirty="0" smtClean="0">
+                <a:latin typeface="Meiryo UI" panose="020B0604030504040204" pitchFamily="50" charset="-128"/>
+                <a:ea typeface="Meiryo UI" panose="020B0604030504040204" pitchFamily="50" charset="-128"/>
+              </a:rPr>
+              <a:t>2/7</a:t>
+            </a:r>
+            <a:endParaRPr kumimoji="1" lang="ja-JP" altLang="en-US" dirty="0">
+              <a:latin typeface="Meiryo UI" panose="020B0604030504040204" pitchFamily="50" charset="-128"/>
+              <a:ea typeface="Meiryo UI" panose="020B0604030504040204" pitchFamily="50" charset="-128"/>
+            </a:endParaRPr>
+          </a:p>
+        </p:txBody>
+      </p:sp>
+      <p:sp>
+        <p:nvSpPr>
+          <p:cNvPr id="3" name="コンテンツ プレースホルダー 2"/>
+          <p:cNvSpPr>
+            <a:spLocks noGrp="1"/>
+          </p:cNvSpPr>
+          <p:nvPr>
+            <p:ph idx="1"/>
+          </p:nvPr>
+        </p:nvSpPr>
+        <p:spPr/>
+        <p:txBody>
+          <a:bodyPr>
+            <a:normAutofit/>
+          </a:bodyPr>
+          <a:lstStyle/>
+          <a:p>
+            <a:r>
+              <a:rPr lang="en-US" altLang="ja-JP" sz="2800" dirty="0" smtClean="0">
+                <a:latin typeface="Meiryo UI" panose="020B0604030504040204" pitchFamily="50" charset="-128"/>
+                <a:ea typeface="Meiryo UI" panose="020B0604030504040204" pitchFamily="50" charset="-128"/>
+              </a:rPr>
+              <a:t>Maven</a:t>
+            </a:r>
+            <a:br>
+              <a:rPr lang="en-US" altLang="ja-JP" sz="2800" dirty="0" smtClean="0">
+                <a:latin typeface="Meiryo UI" panose="020B0604030504040204" pitchFamily="50" charset="-128"/>
+                <a:ea typeface="Meiryo UI" panose="020B0604030504040204" pitchFamily="50" charset="-128"/>
+              </a:rPr>
+            </a:br>
+            <a:r>
+              <a:rPr lang="ja-JP" altLang="en-US" sz="2400" dirty="0" smtClean="0">
+                <a:latin typeface="Meiryo UI" panose="020B0604030504040204" pitchFamily="50" charset="-128"/>
+                <a:ea typeface="Meiryo UI" panose="020B0604030504040204" pitchFamily="50" charset="-128"/>
+              </a:rPr>
+              <a:t>親子関係でパッケージの管理が可能で、管理が煩雑になりにくい点が良かったです。</a:t>
+            </a:r>
+            <a:r>
+              <a:rPr lang="en-US" altLang="ja-JP" sz="2400" dirty="0" smtClean="0">
+                <a:latin typeface="Meiryo UI" panose="020B0604030504040204" pitchFamily="50" charset="-128"/>
+                <a:ea typeface="Meiryo UI" panose="020B0604030504040204" pitchFamily="50" charset="-128"/>
+              </a:rPr>
+              <a:t/>
+            </a:r>
+            <a:br>
+              <a:rPr lang="en-US" altLang="ja-JP" sz="2400" dirty="0" smtClean="0">
+                <a:latin typeface="Meiryo UI" panose="020B0604030504040204" pitchFamily="50" charset="-128"/>
+                <a:ea typeface="Meiryo UI" panose="020B0604030504040204" pitchFamily="50" charset="-128"/>
+              </a:rPr>
+            </a:br>
+            <a:r>
+              <a:rPr lang="en-US" altLang="ja-JP" sz="2400" dirty="0" smtClean="0">
+                <a:latin typeface="Meiryo UI" panose="020B0604030504040204" pitchFamily="50" charset="-128"/>
+                <a:ea typeface="Meiryo UI" panose="020B0604030504040204" pitchFamily="50" charset="-128"/>
+              </a:rPr>
+              <a:t>pom.xml</a:t>
+            </a:r>
+            <a:r>
+              <a:rPr lang="ja-JP" altLang="en-US" sz="2400" dirty="0" smtClean="0">
+                <a:latin typeface="Meiryo UI" panose="020B0604030504040204" pitchFamily="50" charset="-128"/>
+                <a:ea typeface="Meiryo UI" panose="020B0604030504040204" pitchFamily="50" charset="-128"/>
+              </a:rPr>
+              <a:t> の設定がすべて</a:t>
+            </a:r>
+            <a:r>
+              <a:rPr lang="en-US" altLang="ja-JP" sz="2400" dirty="0" smtClean="0">
+                <a:latin typeface="Meiryo UI" panose="020B0604030504040204" pitchFamily="50" charset="-128"/>
+                <a:ea typeface="Meiryo UI" panose="020B0604030504040204" pitchFamily="50" charset="-128"/>
+              </a:rPr>
+              <a:t>GUI</a:t>
+            </a:r>
+            <a:r>
+              <a:rPr lang="ja-JP" altLang="en-US" sz="2400" dirty="0" smtClean="0">
+                <a:latin typeface="Meiryo UI" panose="020B0604030504040204" pitchFamily="50" charset="-128"/>
+                <a:ea typeface="Meiryo UI" panose="020B0604030504040204" pitchFamily="50" charset="-128"/>
+              </a:rPr>
+              <a:t> で出来なかったため</a:t>
+            </a:r>
+            <a:r>
+              <a:rPr lang="en-US" altLang="ja-JP" sz="2400" dirty="0" smtClean="0">
+                <a:latin typeface="Meiryo UI" panose="020B0604030504040204" pitchFamily="50" charset="-128"/>
+                <a:ea typeface="Meiryo UI" panose="020B0604030504040204" pitchFamily="50" charset="-128"/>
+              </a:rPr>
+              <a:t>xml</a:t>
+            </a:r>
+            <a:r>
+              <a:rPr lang="ja-JP" altLang="en-US" sz="2400" dirty="0" smtClean="0">
+                <a:latin typeface="Meiryo UI" panose="020B0604030504040204" pitchFamily="50" charset="-128"/>
+                <a:ea typeface="Meiryo UI" panose="020B0604030504040204" pitchFamily="50" charset="-128"/>
+              </a:rPr>
+              <a:t> を直接書く必要がありました。</a:t>
+            </a:r>
+            <a:r>
+              <a:rPr lang="en-US" altLang="ja-JP" sz="2400" dirty="0" smtClean="0">
+                <a:latin typeface="Meiryo UI" panose="020B0604030504040204" pitchFamily="50" charset="-128"/>
+                <a:ea typeface="Meiryo UI" panose="020B0604030504040204" pitchFamily="50" charset="-128"/>
+              </a:rPr>
+              <a:t/>
+            </a:r>
+            <a:br>
+              <a:rPr lang="en-US" altLang="ja-JP" sz="2400" dirty="0" smtClean="0">
+                <a:latin typeface="Meiryo UI" panose="020B0604030504040204" pitchFamily="50" charset="-128"/>
+                <a:ea typeface="Meiryo UI" panose="020B0604030504040204" pitchFamily="50" charset="-128"/>
+              </a:rPr>
+            </a:br>
+            <a:r>
+              <a:rPr lang="ja-JP" altLang="en-US" sz="2400" dirty="0" smtClean="0">
+                <a:latin typeface="Meiryo UI" panose="020B0604030504040204" pitchFamily="50" charset="-128"/>
+                <a:ea typeface="Meiryo UI" panose="020B0604030504040204" pitchFamily="50" charset="-128"/>
+              </a:rPr>
+              <a:t>このあたりの操作方法を今後の課題としていきたいと考えます。</a:t>
+            </a:r>
+            <a:endParaRPr lang="en-US" altLang="ja-JP" sz="2400" dirty="0">
+              <a:latin typeface="Meiryo UI" panose="020B0604030504040204" pitchFamily="50" charset="-128"/>
+              <a:ea typeface="Meiryo UI" panose="020B0604030504040204" pitchFamily="50" charset="-128"/>
+            </a:endParaRPr>
+          </a:p>
+        </p:txBody>
+      </p:sp>
+    </p:spTree>
+    <p:extLst>
+      <p:ext uri="{BB962C8B-B14F-4D97-AF65-F5344CB8AC3E}">
+        <p14:creationId xmlns:p14="http://schemas.microsoft.com/office/powerpoint/2010/main" val="3319991591"/>
+      </p:ext>
+    </p:extLst>
+  </p:cSld>
+  <p:clrMapOvr>
+    <a:masterClrMapping/>
+  </p:clrMapOvr>
+  <p:timing>
+    <p:tnLst>
+      <p:par>
+        <p:cTn id="1" dur="indefinite" restart="never" nodeType="tmRoot"/>
+      </p:par>
+    </p:tnLst>
+  </p:timing>
+</p:sld>
+</file>
+
+<file path=ppt/slides/slide5.xml><?xml version="1.0" encoding="utf-8"?>
+<p:sld xmlns:a="http://schemas.openxmlformats.org/drawingml/2006/main" xmlns:r="http://schemas.openxmlformats.org/officeDocument/2006/relationships" xmlns:p="http://schemas.openxmlformats.org/presentationml/2006/main">
+  <p:cSld>
+    <p:spTree>
+      <p:nvGrpSpPr>
+        <p:cNvPr id="1" name=""/>
+        <p:cNvGrpSpPr/>
+        <p:nvPr/>
+      </p:nvGrpSpPr>
+      <p:grpSpPr>
+        <a:xfrm>
+          <a:off x="0" y="0"/>
+          <a:ext cx="0" cy="0"/>
+          <a:chOff x="0" y="0"/>
+          <a:chExt cx="0" cy="0"/>
+        </a:xfrm>
+      </p:grpSpPr>
+      <p:sp>
+        <p:nvSpPr>
+          <p:cNvPr id="2" name="タイトル 1"/>
+          <p:cNvSpPr>
+            <a:spLocks noGrp="1"/>
+          </p:cNvSpPr>
+          <p:nvPr>
+            <p:ph type="title"/>
+          </p:nvPr>
+        </p:nvSpPr>
+        <p:spPr/>
+        <p:txBody>
+          <a:bodyPr/>
+          <a:lstStyle/>
+          <a:p>
+            <a:r>
+              <a:rPr kumimoji="1" lang="ja-JP" altLang="en-US" dirty="0" smtClean="0">
+                <a:latin typeface="Meiryo UI" panose="020B0604030504040204" pitchFamily="50" charset="-128"/>
+                <a:ea typeface="Meiryo UI" panose="020B0604030504040204" pitchFamily="50" charset="-128"/>
+              </a:rPr>
+              <a:t>振り返り</a:t>
+            </a:r>
+            <a:r>
+              <a:rPr lang="ja-JP" altLang="en-US" dirty="0">
+                <a:latin typeface="Meiryo UI" panose="020B0604030504040204" pitchFamily="50" charset="-128"/>
+                <a:ea typeface="Meiryo UI" panose="020B0604030504040204" pitchFamily="50" charset="-128"/>
+              </a:rPr>
+              <a:t>　</a:t>
+            </a:r>
+            <a:r>
+              <a:rPr lang="en-US" altLang="ja-JP" dirty="0" smtClean="0">
+                <a:latin typeface="Meiryo UI" panose="020B0604030504040204" pitchFamily="50" charset="-128"/>
+                <a:ea typeface="Meiryo UI" panose="020B0604030504040204" pitchFamily="50" charset="-128"/>
+              </a:rPr>
+              <a:t>3/7</a:t>
+            </a:r>
+            <a:endParaRPr kumimoji="1" lang="ja-JP" altLang="en-US" dirty="0">
+              <a:latin typeface="Meiryo UI" panose="020B0604030504040204" pitchFamily="50" charset="-128"/>
+              <a:ea typeface="Meiryo UI" panose="020B0604030504040204" pitchFamily="50" charset="-128"/>
+            </a:endParaRPr>
+          </a:p>
+        </p:txBody>
+      </p:sp>
+      <p:sp>
+        <p:nvSpPr>
+          <p:cNvPr id="3" name="コンテンツ プレースホルダー 2"/>
+          <p:cNvSpPr>
+            <a:spLocks noGrp="1"/>
+          </p:cNvSpPr>
+          <p:nvPr>
+            <p:ph idx="1"/>
+          </p:nvPr>
+        </p:nvSpPr>
+        <p:spPr/>
+        <p:txBody>
+          <a:bodyPr>
+            <a:normAutofit fontScale="92500"/>
+          </a:bodyPr>
+          <a:lstStyle/>
+          <a:p>
+            <a:r>
+              <a:rPr lang="en-US" altLang="ja-JP" sz="3000" dirty="0">
+                <a:latin typeface="Meiryo UI" panose="020B0604030504040204" pitchFamily="50" charset="-128"/>
+                <a:ea typeface="Meiryo UI" panose="020B0604030504040204" pitchFamily="50" charset="-128"/>
+              </a:rPr>
+              <a:t>Spring Framework</a:t>
+            </a:r>
+            <a:r>
+              <a:rPr lang="en-US" altLang="ja-JP" sz="2800" dirty="0" smtClean="0">
+                <a:latin typeface="Meiryo UI" panose="020B0604030504040204" pitchFamily="50" charset="-128"/>
+                <a:ea typeface="Meiryo UI" panose="020B0604030504040204" pitchFamily="50" charset="-128"/>
+              </a:rPr>
+              <a:t/>
+            </a:r>
+            <a:br>
+              <a:rPr lang="en-US" altLang="ja-JP" sz="2800" dirty="0" smtClean="0">
+                <a:latin typeface="Meiryo UI" panose="020B0604030504040204" pitchFamily="50" charset="-128"/>
+                <a:ea typeface="Meiryo UI" panose="020B0604030504040204" pitchFamily="50" charset="-128"/>
+              </a:rPr>
+            </a:br>
+            <a:r>
+              <a:rPr lang="ja-JP" altLang="en-US" sz="2600" dirty="0" smtClean="0">
+                <a:latin typeface="Meiryo UI" panose="020B0604030504040204" pitchFamily="50" charset="-128"/>
+                <a:ea typeface="Meiryo UI" panose="020B0604030504040204" pitchFamily="50" charset="-128"/>
+              </a:rPr>
+              <a:t>初めて使用するにあたり、たくさんのコンポーネントがあり、どれを使用して良いのかがわかりにくかったです。</a:t>
+            </a:r>
+            <a:r>
+              <a:rPr lang="en-US" altLang="ja-JP" sz="2600" dirty="0" smtClean="0">
+                <a:latin typeface="Meiryo UI" panose="020B0604030504040204" pitchFamily="50" charset="-128"/>
+                <a:ea typeface="Meiryo UI" panose="020B0604030504040204" pitchFamily="50" charset="-128"/>
+              </a:rPr>
+              <a:t/>
+            </a:r>
+            <a:br>
+              <a:rPr lang="en-US" altLang="ja-JP" sz="2600" dirty="0" smtClean="0">
+                <a:latin typeface="Meiryo UI" panose="020B0604030504040204" pitchFamily="50" charset="-128"/>
+                <a:ea typeface="Meiryo UI" panose="020B0604030504040204" pitchFamily="50" charset="-128"/>
+              </a:rPr>
+            </a:br>
+            <a:r>
+              <a:rPr lang="ja-JP" altLang="en-US" sz="2600" dirty="0">
+                <a:latin typeface="Meiryo UI" panose="020B0604030504040204" pitchFamily="50" charset="-128"/>
+                <a:ea typeface="Meiryo UI" panose="020B0604030504040204" pitchFamily="50" charset="-128"/>
+              </a:rPr>
+              <a:t>何</a:t>
+            </a:r>
+            <a:r>
+              <a:rPr lang="ja-JP" altLang="en-US" sz="2600" dirty="0" smtClean="0">
+                <a:latin typeface="Meiryo UI" panose="020B0604030504040204" pitchFamily="50" charset="-128"/>
+                <a:ea typeface="Meiryo UI" panose="020B0604030504040204" pitchFamily="50" charset="-128"/>
+              </a:rPr>
+              <a:t>を</a:t>
+            </a:r>
+            <a:r>
+              <a:rPr lang="ja-JP" altLang="en-US" sz="2600" dirty="0">
+                <a:latin typeface="Meiryo UI" panose="020B0604030504040204" pitchFamily="50" charset="-128"/>
+                <a:ea typeface="Meiryo UI" panose="020B0604030504040204" pitchFamily="50" charset="-128"/>
+              </a:rPr>
+              <a:t>使</a:t>
+            </a:r>
+            <a:r>
+              <a:rPr lang="ja-JP" altLang="en-US" sz="2600" dirty="0" smtClean="0">
+                <a:latin typeface="Meiryo UI" panose="020B0604030504040204" pitchFamily="50" charset="-128"/>
+                <a:ea typeface="Meiryo UI" panose="020B0604030504040204" pitchFamily="50" charset="-128"/>
+              </a:rPr>
+              <a:t>うかが理解できてからはすんなりと開発できそうな感じはありましたが、フレームワーク独特の使用方法など、まだまだ理解するところが多いと感じました。</a:t>
+            </a:r>
+            <a:r>
+              <a:rPr lang="en-US" altLang="ja-JP" sz="2600" dirty="0" smtClean="0">
+                <a:latin typeface="Meiryo UI" panose="020B0604030504040204" pitchFamily="50" charset="-128"/>
+                <a:ea typeface="Meiryo UI" panose="020B0604030504040204" pitchFamily="50" charset="-128"/>
+              </a:rPr>
+              <a:t/>
+            </a:r>
+            <a:br>
+              <a:rPr lang="en-US" altLang="ja-JP" sz="2600" dirty="0" smtClean="0">
+                <a:latin typeface="Meiryo UI" panose="020B0604030504040204" pitchFamily="50" charset="-128"/>
+                <a:ea typeface="Meiryo UI" panose="020B0604030504040204" pitchFamily="50" charset="-128"/>
+              </a:rPr>
+            </a:br>
+            <a:r>
+              <a:rPr lang="en-US" altLang="ja-JP" sz="2600" dirty="0" smtClean="0">
+                <a:latin typeface="Meiryo UI" panose="020B0604030504040204" pitchFamily="50" charset="-128"/>
+                <a:ea typeface="Meiryo UI" panose="020B0604030504040204" pitchFamily="50" charset="-128"/>
+              </a:rPr>
+              <a:t>※</a:t>
+            </a:r>
+            <a:r>
+              <a:rPr lang="ja-JP" altLang="en-US" sz="2600" dirty="0" smtClean="0">
+                <a:latin typeface="Meiryo UI" panose="020B0604030504040204" pitchFamily="50" charset="-128"/>
+                <a:ea typeface="Meiryo UI" panose="020B0604030504040204" pitchFamily="50" charset="-128"/>
+              </a:rPr>
+              <a:t>個人的にはフレームワークのバグや脆弱性に引きずられるのが嫌なので、小規模なプロジェクトでは、フレームワークは使用したくないです。</a:t>
+            </a:r>
+            <a:endParaRPr lang="en-US" altLang="ja-JP" sz="2600" dirty="0" smtClean="0">
+              <a:latin typeface="Meiryo UI" panose="020B0604030504040204" pitchFamily="50" charset="-128"/>
+              <a:ea typeface="Meiryo UI" panose="020B0604030504040204" pitchFamily="50" charset="-128"/>
+            </a:endParaRPr>
+          </a:p>
+        </p:txBody>
+      </p:sp>
+    </p:spTree>
+    <p:extLst>
+      <p:ext uri="{BB962C8B-B14F-4D97-AF65-F5344CB8AC3E}">
+        <p14:creationId xmlns:p14="http://schemas.microsoft.com/office/powerpoint/2010/main" val="1244173773"/>
+      </p:ext>
+    </p:extLst>
+  </p:cSld>
+  <p:clrMapOvr>
+    <a:masterClrMapping/>
+  </p:clrMapOvr>
+  <p:timing>
+    <p:tnLst>
+      <p:par>
+        <p:cTn id="1" dur="indefinite" restart="never" nodeType="tmRoot"/>
+      </p:par>
+    </p:tnLst>
+  </p:timing>
+</p:sld>
+</file>
+
+<file path=ppt/slides/slide6.xml><?xml version="1.0" encoding="utf-8"?>
+<p:sld xmlns:a="http://schemas.openxmlformats.org/drawingml/2006/main" xmlns:r="http://schemas.openxmlformats.org/officeDocument/2006/relationships" xmlns:p="http://schemas.openxmlformats.org/presentationml/2006/main">
+  <p:cSld>
+    <p:spTree>
+      <p:nvGrpSpPr>
+        <p:cNvPr id="1" name=""/>
+        <p:cNvGrpSpPr/>
+        <p:nvPr/>
+      </p:nvGrpSpPr>
+      <p:grpSpPr>
+        <a:xfrm>
+          <a:off x="0" y="0"/>
+          <a:ext cx="0" cy="0"/>
+          <a:chOff x="0" y="0"/>
+          <a:chExt cx="0" cy="0"/>
+        </a:xfrm>
+      </p:grpSpPr>
+      <p:sp>
+        <p:nvSpPr>
+          <p:cNvPr id="2" name="タイトル 1"/>
+          <p:cNvSpPr>
+            <a:spLocks noGrp="1"/>
+          </p:cNvSpPr>
+          <p:nvPr>
+            <p:ph type="title"/>
+          </p:nvPr>
+        </p:nvSpPr>
+        <p:spPr/>
+        <p:txBody>
+          <a:bodyPr/>
+          <a:lstStyle/>
+          <a:p>
+            <a:r>
+              <a:rPr kumimoji="1" lang="ja-JP" altLang="en-US" dirty="0" smtClean="0">
+                <a:latin typeface="Meiryo UI" panose="020B0604030504040204" pitchFamily="50" charset="-128"/>
+                <a:ea typeface="Meiryo UI" panose="020B0604030504040204" pitchFamily="50" charset="-128"/>
+              </a:rPr>
+              <a:t>振り返り</a:t>
+            </a:r>
+            <a:r>
+              <a:rPr lang="ja-JP" altLang="en-US" dirty="0">
+                <a:latin typeface="Meiryo UI" panose="020B0604030504040204" pitchFamily="50" charset="-128"/>
+                <a:ea typeface="Meiryo UI" panose="020B0604030504040204" pitchFamily="50" charset="-128"/>
+              </a:rPr>
+              <a:t>　</a:t>
+            </a:r>
+            <a:r>
+              <a:rPr lang="en-US" altLang="ja-JP" dirty="0" smtClean="0">
+                <a:latin typeface="Meiryo UI" panose="020B0604030504040204" pitchFamily="50" charset="-128"/>
+                <a:ea typeface="Meiryo UI" panose="020B0604030504040204" pitchFamily="50" charset="-128"/>
+              </a:rPr>
+              <a:t>4/7</a:t>
+            </a:r>
+            <a:endParaRPr kumimoji="1" lang="ja-JP" altLang="en-US" dirty="0">
+              <a:latin typeface="Meiryo UI" panose="020B0604030504040204" pitchFamily="50" charset="-128"/>
+              <a:ea typeface="Meiryo UI" panose="020B0604030504040204" pitchFamily="50" charset="-128"/>
+            </a:endParaRPr>
+          </a:p>
+        </p:txBody>
+      </p:sp>
+      <p:sp>
+        <p:nvSpPr>
+          <p:cNvPr id="3" name="コンテンツ プレースホルダー 2"/>
+          <p:cNvSpPr>
+            <a:spLocks noGrp="1"/>
+          </p:cNvSpPr>
+          <p:nvPr>
+            <p:ph idx="1"/>
+          </p:nvPr>
+        </p:nvSpPr>
+        <p:spPr/>
+        <p:txBody>
+          <a:bodyPr>
+            <a:noAutofit/>
+          </a:bodyPr>
+          <a:lstStyle/>
+          <a:p>
+            <a:r>
+              <a:rPr lang="en-US" altLang="ja-JP" sz="2800" dirty="0" smtClean="0">
+                <a:latin typeface="Meiryo UI" panose="020B0604030504040204" pitchFamily="50" charset="-128"/>
+                <a:ea typeface="Meiryo UI" panose="020B0604030504040204" pitchFamily="50" charset="-128"/>
+              </a:rPr>
+              <a:t>GitHub</a:t>
+            </a:r>
+            <a:br>
+              <a:rPr lang="en-US" altLang="ja-JP" sz="2800" dirty="0" smtClean="0">
+                <a:latin typeface="Meiryo UI" panose="020B0604030504040204" pitchFamily="50" charset="-128"/>
+                <a:ea typeface="Meiryo UI" panose="020B0604030504040204" pitchFamily="50" charset="-128"/>
+              </a:rPr>
+            </a:br>
+            <a:r>
+              <a:rPr lang="ja-JP" altLang="en-US" sz="2400" dirty="0" smtClean="0">
+                <a:latin typeface="Meiryo UI" panose="020B0604030504040204" pitchFamily="50" charset="-128"/>
+                <a:ea typeface="Meiryo UI" panose="020B0604030504040204" pitchFamily="50" charset="-128"/>
+              </a:rPr>
+              <a:t>主に</a:t>
+            </a:r>
+            <a:r>
+              <a:rPr lang="en-US" altLang="ja-JP" sz="2400" dirty="0" smtClean="0">
+                <a:latin typeface="Meiryo UI" panose="020B0604030504040204" pitchFamily="50" charset="-128"/>
+                <a:ea typeface="Meiryo UI" panose="020B0604030504040204" pitchFamily="50" charset="-128"/>
+              </a:rPr>
+              <a:t>VSS</a:t>
+            </a:r>
+            <a:r>
+              <a:rPr lang="ja-JP" altLang="en-US" sz="2400" dirty="0" err="1" smtClean="0">
+                <a:latin typeface="Meiryo UI" panose="020B0604030504040204" pitchFamily="50" charset="-128"/>
+                <a:ea typeface="Meiryo UI" panose="020B0604030504040204" pitchFamily="50" charset="-128"/>
+              </a:rPr>
+              <a:t>、</a:t>
+            </a:r>
+            <a:r>
+              <a:rPr lang="en-US" altLang="ja-JP" sz="2400" dirty="0" smtClean="0">
+                <a:latin typeface="Meiryo UI" panose="020B0604030504040204" pitchFamily="50" charset="-128"/>
+                <a:ea typeface="Meiryo UI" panose="020B0604030504040204" pitchFamily="50" charset="-128"/>
+              </a:rPr>
+              <a:t>SVN</a:t>
+            </a:r>
+            <a:r>
+              <a:rPr lang="ja-JP" altLang="en-US" sz="2400" dirty="0" smtClean="0">
+                <a:latin typeface="Meiryo UI" panose="020B0604030504040204" pitchFamily="50" charset="-128"/>
+                <a:ea typeface="Meiryo UI" panose="020B0604030504040204" pitchFamily="50" charset="-128"/>
+              </a:rPr>
+              <a:t> を使用してきましたので、</a:t>
+            </a:r>
+            <a:r>
+              <a:rPr lang="en-US" altLang="ja-JP" sz="2400" dirty="0" err="1" smtClean="0">
+                <a:latin typeface="Meiryo UI" panose="020B0604030504040204" pitchFamily="50" charset="-128"/>
+                <a:ea typeface="Meiryo UI" panose="020B0604030504040204" pitchFamily="50" charset="-128"/>
+              </a:rPr>
+              <a:t>Git</a:t>
+            </a:r>
+            <a:r>
+              <a:rPr lang="ja-JP" altLang="en-US" sz="2400" dirty="0" smtClean="0">
+                <a:latin typeface="Meiryo UI" panose="020B0604030504040204" pitchFamily="50" charset="-128"/>
+                <a:ea typeface="Meiryo UI" panose="020B0604030504040204" pitchFamily="50" charset="-128"/>
+              </a:rPr>
+              <a:t> はソースの差分管理程度のみで使用してきました。</a:t>
+            </a:r>
+            <a:r>
+              <a:rPr lang="en-US" altLang="ja-JP" sz="2400" dirty="0" smtClean="0">
+                <a:latin typeface="Meiryo UI" panose="020B0604030504040204" pitchFamily="50" charset="-128"/>
+                <a:ea typeface="Meiryo UI" panose="020B0604030504040204" pitchFamily="50" charset="-128"/>
+              </a:rPr>
+              <a:t/>
+            </a:r>
+            <a:br>
+              <a:rPr lang="en-US" altLang="ja-JP" sz="2400" dirty="0" smtClean="0">
+                <a:latin typeface="Meiryo UI" panose="020B0604030504040204" pitchFamily="50" charset="-128"/>
+                <a:ea typeface="Meiryo UI" panose="020B0604030504040204" pitchFamily="50" charset="-128"/>
+              </a:rPr>
+            </a:br>
+            <a:r>
+              <a:rPr lang="ja-JP" altLang="en-US" sz="2400" dirty="0" smtClean="0">
+                <a:latin typeface="Meiryo UI" panose="020B0604030504040204" pitchFamily="50" charset="-128"/>
+                <a:ea typeface="Meiryo UI" panose="020B0604030504040204" pitchFamily="50" charset="-128"/>
+              </a:rPr>
+              <a:t>客先によってソース管理の方法が違うので現状では</a:t>
+            </a:r>
+            <a:r>
+              <a:rPr lang="en-US" altLang="ja-JP" sz="2400" dirty="0" err="1" smtClean="0">
+                <a:latin typeface="Meiryo UI" panose="020B0604030504040204" pitchFamily="50" charset="-128"/>
+                <a:ea typeface="Meiryo UI" panose="020B0604030504040204" pitchFamily="50" charset="-128"/>
+              </a:rPr>
+              <a:t>Git</a:t>
+            </a:r>
+            <a:r>
+              <a:rPr lang="ja-JP" altLang="en-US" sz="2400" dirty="0" smtClean="0">
+                <a:latin typeface="Meiryo UI" panose="020B0604030504040204" pitchFamily="50" charset="-128"/>
+                <a:ea typeface="Meiryo UI" panose="020B0604030504040204" pitchFamily="50" charset="-128"/>
+              </a:rPr>
+              <a:t> を使用する頻度がほぼ無いですが、差分管理以外の機能についても知っておく必要があると考えますので、今後の課題にしたいと思います。</a:t>
+            </a:r>
+            <a:r>
+              <a:rPr lang="en-US" altLang="ja-JP" sz="2400" dirty="0" smtClean="0">
+                <a:latin typeface="Meiryo UI" panose="020B0604030504040204" pitchFamily="50" charset="-128"/>
+                <a:ea typeface="Meiryo UI" panose="020B0604030504040204" pitchFamily="50" charset="-128"/>
+              </a:rPr>
+              <a:t/>
+            </a:r>
+            <a:br>
+              <a:rPr lang="en-US" altLang="ja-JP" sz="2400" dirty="0" smtClean="0">
+                <a:latin typeface="Meiryo UI" panose="020B0604030504040204" pitchFamily="50" charset="-128"/>
+                <a:ea typeface="Meiryo UI" panose="020B0604030504040204" pitchFamily="50" charset="-128"/>
+              </a:rPr>
+            </a:br>
+            <a:endParaRPr lang="en-US" altLang="ja-JP" sz="2400" dirty="0">
+              <a:latin typeface="Meiryo UI" panose="020B0604030504040204" pitchFamily="50" charset="-128"/>
+              <a:ea typeface="Meiryo UI" panose="020B0604030504040204" pitchFamily="50" charset="-128"/>
+            </a:endParaRPr>
+          </a:p>
+          <a:p>
+            <a:pPr marL="0" indent="0">
+              <a:buNone/>
+            </a:pPr>
+            <a:endParaRPr kumimoji="1" lang="ja-JP" altLang="en-US" sz="2800" dirty="0">
+              <a:latin typeface="Meiryo UI" panose="020B0604030504040204" pitchFamily="50" charset="-128"/>
+              <a:ea typeface="Meiryo UI" panose="020B0604030504040204" pitchFamily="50" charset="-128"/>
+            </a:endParaRPr>
+          </a:p>
+        </p:txBody>
+      </p:sp>
+    </p:spTree>
+    <p:extLst>
+      <p:ext uri="{BB962C8B-B14F-4D97-AF65-F5344CB8AC3E}">
+        <p14:creationId xmlns:p14="http://schemas.microsoft.com/office/powerpoint/2010/main" val="2138112587"/>
+      </p:ext>
+    </p:extLst>
+  </p:cSld>
+  <p:clrMapOvr>
+    <a:masterClrMapping/>
+  </p:clrMapOvr>
+  <p:timing>
+    <p:tnLst>
+      <p:par>
+        <p:cTn id="1" dur="indefinite" restart="never" nodeType="tmRoot"/>
+      </p:par>
+    </p:tnLst>
+  </p:timing>
+</p:sld>
+</file>
+
+<file path=ppt/slides/slide7.xml><?xml version="1.0" encoding="utf-8"?>
+<p:sld xmlns:a="http://schemas.openxmlformats.org/drawingml/2006/main" xmlns:r="http://schemas.openxmlformats.org/officeDocument/2006/relationships" xmlns:p="http://schemas.openxmlformats.org/presentationml/2006/main">
+  <p:cSld>
+    <p:spTree>
+      <p:nvGrpSpPr>
+        <p:cNvPr id="1" name=""/>
+        <p:cNvGrpSpPr/>
+        <p:nvPr/>
+      </p:nvGrpSpPr>
+      <p:grpSpPr>
+        <a:xfrm>
+          <a:off x="0" y="0"/>
+          <a:ext cx="0" cy="0"/>
+          <a:chOff x="0" y="0"/>
+          <a:chExt cx="0" cy="0"/>
+        </a:xfrm>
+      </p:grpSpPr>
+      <p:sp>
+        <p:nvSpPr>
+          <p:cNvPr id="2" name="タイトル 1"/>
+          <p:cNvSpPr>
+            <a:spLocks noGrp="1"/>
+          </p:cNvSpPr>
+          <p:nvPr>
+            <p:ph type="title"/>
+          </p:nvPr>
+        </p:nvSpPr>
+        <p:spPr/>
+        <p:txBody>
+          <a:bodyPr/>
+          <a:lstStyle/>
+          <a:p>
+            <a:r>
+              <a:rPr kumimoji="1" lang="ja-JP" altLang="en-US" dirty="0" smtClean="0">
+                <a:latin typeface="Meiryo UI" panose="020B0604030504040204" pitchFamily="50" charset="-128"/>
+                <a:ea typeface="Meiryo UI" panose="020B0604030504040204" pitchFamily="50" charset="-128"/>
+              </a:rPr>
+              <a:t>振り返り</a:t>
+            </a:r>
+            <a:r>
+              <a:rPr lang="ja-JP" altLang="en-US" dirty="0">
+                <a:latin typeface="Meiryo UI" panose="020B0604030504040204" pitchFamily="50" charset="-128"/>
+                <a:ea typeface="Meiryo UI" panose="020B0604030504040204" pitchFamily="50" charset="-128"/>
+              </a:rPr>
+              <a:t>　</a:t>
+            </a:r>
+            <a:r>
+              <a:rPr lang="en-US" altLang="ja-JP" dirty="0" smtClean="0">
+                <a:latin typeface="Meiryo UI" panose="020B0604030504040204" pitchFamily="50" charset="-128"/>
+                <a:ea typeface="Meiryo UI" panose="020B0604030504040204" pitchFamily="50" charset="-128"/>
+              </a:rPr>
+              <a:t>5/7</a:t>
+            </a:r>
+            <a:endParaRPr kumimoji="1" lang="ja-JP" altLang="en-US" dirty="0">
+              <a:latin typeface="Meiryo UI" panose="020B0604030504040204" pitchFamily="50" charset="-128"/>
+              <a:ea typeface="Meiryo UI" panose="020B0604030504040204" pitchFamily="50" charset="-128"/>
+            </a:endParaRPr>
+          </a:p>
+        </p:txBody>
+      </p:sp>
+      <p:sp>
+        <p:nvSpPr>
+          <p:cNvPr id="3" name="コンテンツ プレースホルダー 2"/>
+          <p:cNvSpPr>
+            <a:spLocks noGrp="1"/>
+          </p:cNvSpPr>
+          <p:nvPr>
+            <p:ph idx="1"/>
+          </p:nvPr>
+        </p:nvSpPr>
+        <p:spPr/>
+        <p:txBody>
+          <a:bodyPr>
+            <a:noAutofit/>
+          </a:bodyPr>
+          <a:lstStyle/>
+          <a:p>
+            <a:r>
+              <a:rPr kumimoji="1" lang="en-US" altLang="ja-JP" sz="2800" dirty="0" smtClean="0">
+                <a:latin typeface="Meiryo UI" panose="020B0604030504040204" pitchFamily="50" charset="-128"/>
+                <a:ea typeface="Meiryo UI" panose="020B0604030504040204" pitchFamily="50" charset="-128"/>
+              </a:rPr>
+              <a:t>Slack</a:t>
+            </a:r>
+            <a:r>
+              <a:rPr lang="en-US" altLang="ja-JP" sz="2800" dirty="0" smtClean="0">
+                <a:latin typeface="Meiryo UI" panose="020B0604030504040204" pitchFamily="50" charset="-128"/>
+                <a:ea typeface="Meiryo UI" panose="020B0604030504040204" pitchFamily="50" charset="-128"/>
+              </a:rPr>
+              <a:t/>
+            </a:r>
+            <a:br>
+              <a:rPr lang="en-US" altLang="ja-JP" sz="2800" dirty="0" smtClean="0">
+                <a:latin typeface="Meiryo UI" panose="020B0604030504040204" pitchFamily="50" charset="-128"/>
+                <a:ea typeface="Meiryo UI" panose="020B0604030504040204" pitchFamily="50" charset="-128"/>
+              </a:rPr>
+            </a:br>
+            <a:r>
+              <a:rPr lang="ja-JP" altLang="en-US" sz="2400" dirty="0" smtClean="0">
+                <a:latin typeface="Meiryo UI" panose="020B0604030504040204" pitchFamily="50" charset="-128"/>
+                <a:ea typeface="Meiryo UI" panose="020B0604030504040204" pitchFamily="50" charset="-128"/>
+              </a:rPr>
+              <a:t>コミュニケーションツールとしては良いかなと思いました。</a:t>
+            </a:r>
+            <a:r>
+              <a:rPr lang="en-US" altLang="ja-JP" sz="2400" dirty="0" smtClean="0">
+                <a:latin typeface="Meiryo UI" panose="020B0604030504040204" pitchFamily="50" charset="-128"/>
+                <a:ea typeface="Meiryo UI" panose="020B0604030504040204" pitchFamily="50" charset="-128"/>
+              </a:rPr>
+              <a:t/>
+            </a:r>
+            <a:br>
+              <a:rPr lang="en-US" altLang="ja-JP" sz="2400" dirty="0" smtClean="0">
+                <a:latin typeface="Meiryo UI" panose="020B0604030504040204" pitchFamily="50" charset="-128"/>
+                <a:ea typeface="Meiryo UI" panose="020B0604030504040204" pitchFamily="50" charset="-128"/>
+              </a:rPr>
+            </a:br>
+            <a:r>
+              <a:rPr lang="en-US" altLang="ja-JP" sz="2400" dirty="0" smtClean="0">
+                <a:latin typeface="Meiryo UI" panose="020B0604030504040204" pitchFamily="50" charset="-128"/>
+                <a:ea typeface="Meiryo UI" panose="020B0604030504040204" pitchFamily="50" charset="-128"/>
+              </a:rPr>
+              <a:t>※</a:t>
+            </a:r>
+            <a:r>
+              <a:rPr lang="ja-JP" altLang="en-US" sz="2400" dirty="0" smtClean="0">
+                <a:latin typeface="Meiryo UI" panose="020B0604030504040204" pitchFamily="50" charset="-128"/>
+                <a:ea typeface="Meiryo UI" panose="020B0604030504040204" pitchFamily="50" charset="-128"/>
+              </a:rPr>
+              <a:t>無いものねだりになってしまいますが、社内ツールとして同様なものがあっても良いのではないかと思いました。</a:t>
+            </a:r>
+            <a:endParaRPr lang="en-US" altLang="ja-JP" sz="2400" dirty="0">
+              <a:latin typeface="Meiryo UI" panose="020B0604030504040204" pitchFamily="50" charset="-128"/>
+              <a:ea typeface="Meiryo UI" panose="020B0604030504040204" pitchFamily="50" charset="-128"/>
+            </a:endParaRPr>
+          </a:p>
+        </p:txBody>
+      </p:sp>
+    </p:spTree>
+    <p:extLst>
+      <p:ext uri="{BB962C8B-B14F-4D97-AF65-F5344CB8AC3E}">
+        <p14:creationId xmlns:p14="http://schemas.microsoft.com/office/powerpoint/2010/main" val="2618172262"/>
+      </p:ext>
+    </p:extLst>
+  </p:cSld>
+  <p:clrMapOvr>
+    <a:masterClrMapping/>
+  </p:clrMapOvr>
+  <p:timing>
+    <p:tnLst>
+      <p:par>
+        <p:cTn id="1" dur="indefinite" restart="never" nodeType="tmRoot"/>
+      </p:par>
+    </p:tnLst>
+  </p:timing>
+</p:sld>
+</file>
+
+<file path=ppt/slides/slide8.xml><?xml version="1.0" encoding="utf-8"?>
+<p:sld xmlns:a="http://schemas.openxmlformats.org/drawingml/2006/main" xmlns:r="http://schemas.openxmlformats.org/officeDocument/2006/relationships" xmlns:p="http://schemas.openxmlformats.org/presentationml/2006/main">
+  <p:cSld>
+    <p:spTree>
+      <p:nvGrpSpPr>
+        <p:cNvPr id="1" name=""/>
+        <p:cNvGrpSpPr/>
+        <p:nvPr/>
+      </p:nvGrpSpPr>
+      <p:grpSpPr>
+        <a:xfrm>
+          <a:off x="0" y="0"/>
+          <a:ext cx="0" cy="0"/>
+          <a:chOff x="0" y="0"/>
+          <a:chExt cx="0" cy="0"/>
+        </a:xfrm>
+      </p:grpSpPr>
+      <p:sp>
+        <p:nvSpPr>
+          <p:cNvPr id="2" name="タイトル 1"/>
+          <p:cNvSpPr>
+            <a:spLocks noGrp="1"/>
+          </p:cNvSpPr>
+          <p:nvPr>
+            <p:ph type="title"/>
+          </p:nvPr>
+        </p:nvSpPr>
+        <p:spPr/>
+        <p:txBody>
+          <a:bodyPr/>
+          <a:lstStyle/>
+          <a:p>
+            <a:r>
+              <a:rPr kumimoji="1" lang="ja-JP" altLang="en-US" dirty="0" smtClean="0">
+                <a:latin typeface="Meiryo UI" panose="020B0604030504040204" pitchFamily="50" charset="-128"/>
+                <a:ea typeface="Meiryo UI" panose="020B0604030504040204" pitchFamily="50" charset="-128"/>
+              </a:rPr>
+              <a:t>振り返り</a:t>
+            </a:r>
+            <a:r>
+              <a:rPr lang="ja-JP" altLang="en-US" dirty="0">
+                <a:latin typeface="Meiryo UI" panose="020B0604030504040204" pitchFamily="50" charset="-128"/>
+                <a:ea typeface="Meiryo UI" panose="020B0604030504040204" pitchFamily="50" charset="-128"/>
+              </a:rPr>
+              <a:t>　</a:t>
+            </a:r>
+            <a:r>
+              <a:rPr lang="en-US" altLang="ja-JP" dirty="0" smtClean="0">
+                <a:latin typeface="Meiryo UI" panose="020B0604030504040204" pitchFamily="50" charset="-128"/>
+                <a:ea typeface="Meiryo UI" panose="020B0604030504040204" pitchFamily="50" charset="-128"/>
+              </a:rPr>
+              <a:t>6/7</a:t>
+            </a:r>
+            <a:endParaRPr kumimoji="1" lang="ja-JP" altLang="en-US" dirty="0">
+              <a:latin typeface="Meiryo UI" panose="020B0604030504040204" pitchFamily="50" charset="-128"/>
+              <a:ea typeface="Meiryo UI" panose="020B0604030504040204" pitchFamily="50" charset="-128"/>
+            </a:endParaRPr>
+          </a:p>
+        </p:txBody>
+      </p:sp>
+      <p:sp>
+        <p:nvSpPr>
+          <p:cNvPr id="3" name="コンテンツ プレースホルダー 2"/>
+          <p:cNvSpPr>
+            <a:spLocks noGrp="1"/>
+          </p:cNvSpPr>
+          <p:nvPr>
+            <p:ph idx="1"/>
+          </p:nvPr>
+        </p:nvSpPr>
+        <p:spPr/>
+        <p:txBody>
+          <a:bodyPr>
+            <a:noAutofit/>
+          </a:bodyPr>
+          <a:lstStyle/>
+          <a:p>
+            <a:r>
+              <a:rPr lang="en-US" altLang="ja-JP" sz="2800" dirty="0" err="1" smtClean="0">
+                <a:latin typeface="Meiryo UI" panose="020B0604030504040204" pitchFamily="50" charset="-128"/>
+                <a:ea typeface="Meiryo UI" panose="020B0604030504040204" pitchFamily="50" charset="-128"/>
+              </a:rPr>
+              <a:t>Autodoc</a:t>
+            </a:r>
+            <a:r>
+              <a:rPr lang="en-US" altLang="ja-JP" sz="2800" dirty="0">
+                <a:latin typeface="Meiryo UI" panose="020B0604030504040204" pitchFamily="50" charset="-128"/>
+                <a:ea typeface="Meiryo UI" panose="020B0604030504040204" pitchFamily="50" charset="-128"/>
+              </a:rPr>
+              <a:t/>
+            </a:r>
+            <a:br>
+              <a:rPr lang="en-US" altLang="ja-JP" sz="2800" dirty="0">
+                <a:latin typeface="Meiryo UI" panose="020B0604030504040204" pitchFamily="50" charset="-128"/>
+                <a:ea typeface="Meiryo UI" panose="020B0604030504040204" pitchFamily="50" charset="-128"/>
+              </a:rPr>
+            </a:br>
+            <a:r>
+              <a:rPr lang="ja-JP" altLang="en-US" sz="2800" dirty="0" smtClean="0">
+                <a:latin typeface="Meiryo UI" panose="020B0604030504040204" pitchFamily="50" charset="-128"/>
+                <a:ea typeface="Meiryo UI" panose="020B0604030504040204" pitchFamily="50" charset="-128"/>
+              </a:rPr>
+              <a:t>自分でコメントを記入していると忘れることが多々ありますが、ツールを使用することでコメントを忘れにくくすることができると思いました。</a:t>
+            </a:r>
+            <a:r>
+              <a:rPr lang="en-US" altLang="ja-JP" sz="2800" dirty="0">
+                <a:latin typeface="Meiryo UI" panose="020B0604030504040204" pitchFamily="50" charset="-128"/>
+                <a:ea typeface="Meiryo UI" panose="020B0604030504040204" pitchFamily="50" charset="-128"/>
+              </a:rPr>
+              <a:t/>
+            </a:r>
+            <a:br>
+              <a:rPr lang="en-US" altLang="ja-JP" sz="2800" dirty="0">
+                <a:latin typeface="Meiryo UI" panose="020B0604030504040204" pitchFamily="50" charset="-128"/>
+                <a:ea typeface="Meiryo UI" panose="020B0604030504040204" pitchFamily="50" charset="-128"/>
+              </a:rPr>
+            </a:br>
+            <a:r>
+              <a:rPr lang="ja-JP" altLang="en-US" sz="2800" dirty="0" smtClean="0">
+                <a:latin typeface="Meiryo UI" panose="020B0604030504040204" pitchFamily="50" charset="-128"/>
+                <a:ea typeface="Meiryo UI" panose="020B0604030504040204" pitchFamily="50" charset="-128"/>
+              </a:rPr>
+              <a:t>細かい設定が多々ありそうな感じなので、全部を理解するまでは大変そうだと感じました。</a:t>
+            </a:r>
+            <a:endParaRPr kumimoji="1" lang="en-US" altLang="ja-JP" sz="2400" dirty="0" smtClean="0">
+              <a:latin typeface="Meiryo UI" panose="020B0604030504040204" pitchFamily="50" charset="-128"/>
+              <a:ea typeface="Meiryo UI" panose="020B0604030504040204" pitchFamily="50" charset="-128"/>
+            </a:endParaRPr>
+          </a:p>
+          <a:p>
+            <a:endParaRPr kumimoji="1" lang="ja-JP" altLang="en-US" sz="2800" dirty="0">
+              <a:latin typeface="Meiryo UI" panose="020B0604030504040204" pitchFamily="50" charset="-128"/>
+              <a:ea typeface="Meiryo UI" panose="020B0604030504040204" pitchFamily="50" charset="-128"/>
+            </a:endParaRPr>
+          </a:p>
+        </p:txBody>
+      </p:sp>
+    </p:spTree>
+    <p:extLst>
+      <p:ext uri="{BB962C8B-B14F-4D97-AF65-F5344CB8AC3E}">
+        <p14:creationId xmlns:p14="http://schemas.microsoft.com/office/powerpoint/2010/main" val="3492174179"/>
+      </p:ext>
+    </p:extLst>
+  </p:cSld>
+  <p:clrMapOvr>
+    <a:masterClrMapping/>
+  </p:clrMapOvr>
+  <p:timing>
+    <p:tnLst>
+      <p:par>
+        <p:cTn id="1" dur="indefinite" restart="never" nodeType="tmRoot"/>
+      </p:par>
+    </p:tnLst>
+  </p:timing>
+</p:sld>
+</file>
+
+<file path=ppt/slides/slide9.xml><?xml version="1.0" encoding="utf-8"?>
+<p:sld xmlns:a="http://schemas.openxmlformats.org/drawingml/2006/main" xmlns:r="http://schemas.openxmlformats.org/officeDocument/2006/relationships" xmlns:p="http://schemas.openxmlformats.org/presentationml/2006/main">
+  <p:cSld>
+    <p:spTree>
+      <p:nvGrpSpPr>
+        <p:cNvPr id="1" name=""/>
+        <p:cNvGrpSpPr/>
+        <p:nvPr/>
+      </p:nvGrpSpPr>
+      <p:grpSpPr>
+        <a:xfrm>
+          <a:off x="0" y="0"/>
+          <a:ext cx="0" cy="0"/>
+          <a:chOff x="0" y="0"/>
+          <a:chExt cx="0" cy="0"/>
+        </a:xfrm>
+      </p:grpSpPr>
+      <p:sp>
+        <p:nvSpPr>
+          <p:cNvPr id="2" name="タイトル 1"/>
+          <p:cNvSpPr>
+            <a:spLocks noGrp="1"/>
+          </p:cNvSpPr>
+          <p:nvPr>
+            <p:ph type="title"/>
+          </p:nvPr>
+        </p:nvSpPr>
+        <p:spPr/>
+        <p:txBody>
+          <a:bodyPr/>
+          <a:lstStyle/>
+          <a:p>
+            <a:r>
+              <a:rPr kumimoji="1" lang="ja-JP" altLang="en-US" dirty="0" smtClean="0">
+                <a:latin typeface="Meiryo UI" panose="020B0604030504040204" pitchFamily="50" charset="-128"/>
+                <a:ea typeface="Meiryo UI" panose="020B0604030504040204" pitchFamily="50" charset="-128"/>
+              </a:rPr>
+              <a:t>振り返り</a:t>
+            </a:r>
+            <a:r>
+              <a:rPr lang="ja-JP" altLang="en-US" dirty="0">
+                <a:latin typeface="Meiryo UI" panose="020B0604030504040204" pitchFamily="50" charset="-128"/>
+                <a:ea typeface="Meiryo UI" panose="020B0604030504040204" pitchFamily="50" charset="-128"/>
+              </a:rPr>
+              <a:t>　</a:t>
+            </a:r>
+            <a:r>
+              <a:rPr lang="en-US" altLang="ja-JP" dirty="0">
+                <a:latin typeface="Meiryo UI" panose="020B0604030504040204" pitchFamily="50" charset="-128"/>
+                <a:ea typeface="Meiryo UI" panose="020B0604030504040204" pitchFamily="50" charset="-128"/>
+              </a:rPr>
+              <a:t>7</a:t>
+            </a:r>
+            <a:r>
+              <a:rPr lang="en-US" altLang="ja-JP" dirty="0" smtClean="0">
+                <a:latin typeface="Meiryo UI" panose="020B0604030504040204" pitchFamily="50" charset="-128"/>
+                <a:ea typeface="Meiryo UI" panose="020B0604030504040204" pitchFamily="50" charset="-128"/>
+              </a:rPr>
+              <a:t>/7</a:t>
+            </a:r>
+            <a:endParaRPr kumimoji="1" lang="ja-JP" altLang="en-US" dirty="0">
+              <a:latin typeface="Meiryo UI" panose="020B0604030504040204" pitchFamily="50" charset="-128"/>
+              <a:ea typeface="Meiryo UI" panose="020B0604030504040204" pitchFamily="50" charset="-128"/>
+            </a:endParaRPr>
+          </a:p>
+        </p:txBody>
+      </p:sp>
+      <p:sp>
+        <p:nvSpPr>
+          <p:cNvPr id="3" name="コンテンツ プレースホルダー 2"/>
+          <p:cNvSpPr>
+            <a:spLocks noGrp="1"/>
+          </p:cNvSpPr>
+          <p:nvPr>
+            <p:ph idx="1"/>
+          </p:nvPr>
+        </p:nvSpPr>
+        <p:spPr/>
+        <p:txBody>
+          <a:bodyPr>
+            <a:noAutofit/>
+          </a:bodyPr>
+          <a:lstStyle/>
+          <a:p>
+            <a:r>
+              <a:rPr lang="en-US" altLang="ja-JP" sz="2800" dirty="0" err="1" smtClean="0">
+                <a:latin typeface="Meiryo UI" panose="020B0604030504040204" pitchFamily="50" charset="-128"/>
+                <a:ea typeface="Meiryo UI" panose="020B0604030504040204" pitchFamily="50" charset="-128"/>
+              </a:rPr>
+              <a:t>CheckStype</a:t>
+            </a:r>
+            <a:endParaRPr lang="en-US" altLang="ja-JP" sz="2800" dirty="0" smtClean="0">
+              <a:latin typeface="Meiryo UI" panose="020B0604030504040204" pitchFamily="50" charset="-128"/>
+              <a:ea typeface="Meiryo UI" panose="020B0604030504040204" pitchFamily="50" charset="-128"/>
+            </a:endParaRPr>
+          </a:p>
+          <a:p>
+            <a:r>
+              <a:rPr kumimoji="1" lang="en-US" altLang="ja-JP" sz="2800" dirty="0" err="1" smtClean="0">
+                <a:latin typeface="Meiryo UI" panose="020B0604030504040204" pitchFamily="50" charset="-128"/>
+                <a:ea typeface="Meiryo UI" panose="020B0604030504040204" pitchFamily="50" charset="-128"/>
+              </a:rPr>
+              <a:t>FindBugs</a:t>
+            </a:r>
+            <a:endParaRPr kumimoji="1" lang="en-US" altLang="ja-JP" sz="2800" dirty="0" smtClean="0">
+              <a:latin typeface="Meiryo UI" panose="020B0604030504040204" pitchFamily="50" charset="-128"/>
+              <a:ea typeface="Meiryo UI" panose="020B0604030504040204" pitchFamily="50" charset="-128"/>
+            </a:endParaRPr>
+          </a:p>
+          <a:p>
+            <a:r>
+              <a:rPr kumimoji="1" lang="en-US" altLang="ja-JP" sz="2800" dirty="0" smtClean="0">
+                <a:latin typeface="Meiryo UI" panose="020B0604030504040204" pitchFamily="50" charset="-128"/>
+                <a:ea typeface="Meiryo UI" panose="020B0604030504040204" pitchFamily="50" charset="-128"/>
+              </a:rPr>
+              <a:t>Jenkins</a:t>
+            </a:r>
+            <a:br>
+              <a:rPr kumimoji="1" lang="en-US" altLang="ja-JP" sz="2800" dirty="0" smtClean="0">
+                <a:latin typeface="Meiryo UI" panose="020B0604030504040204" pitchFamily="50" charset="-128"/>
+                <a:ea typeface="Meiryo UI" panose="020B0604030504040204" pitchFamily="50" charset="-128"/>
+              </a:rPr>
+            </a:br>
+            <a:r>
+              <a:rPr lang="ja-JP" altLang="en-US" sz="2400" dirty="0" smtClean="0">
+                <a:latin typeface="Meiryo UI" panose="020B0604030504040204" pitchFamily="50" charset="-128"/>
+                <a:ea typeface="Meiryo UI" panose="020B0604030504040204" pitchFamily="50" charset="-128"/>
+              </a:rPr>
+              <a:t>上記が今回</a:t>
+            </a:r>
+            <a:r>
+              <a:rPr kumimoji="1" lang="ja-JP" altLang="en-US" sz="2400" dirty="0" smtClean="0">
+                <a:latin typeface="Meiryo UI" panose="020B0604030504040204" pitchFamily="50" charset="-128"/>
+                <a:ea typeface="Meiryo UI" panose="020B0604030504040204" pitchFamily="50" charset="-128"/>
+              </a:rPr>
+              <a:t>使用することができませんでしたが、</a:t>
+            </a:r>
+            <a:r>
+              <a:rPr kumimoji="1" lang="en-US" altLang="ja-JP" sz="2400" dirty="0" smtClean="0">
+                <a:latin typeface="Meiryo UI" panose="020B0604030504040204" pitchFamily="50" charset="-128"/>
+                <a:ea typeface="Meiryo UI" panose="020B0604030504040204" pitchFamily="50" charset="-128"/>
+              </a:rPr>
+              <a:t>Jenkins</a:t>
+            </a:r>
+            <a:r>
+              <a:rPr kumimoji="1" lang="ja-JP" altLang="en-US" sz="2400" dirty="0" smtClean="0">
+                <a:latin typeface="Meiryo UI" panose="020B0604030504040204" pitchFamily="50" charset="-128"/>
+                <a:ea typeface="Meiryo UI" panose="020B0604030504040204" pitchFamily="50" charset="-128"/>
+              </a:rPr>
+              <a:t> 以外は使用したことがあるため、</a:t>
+            </a:r>
+            <a:r>
+              <a:rPr lang="en-US" altLang="ja-JP" sz="2400" dirty="0">
+                <a:latin typeface="Meiryo UI" panose="020B0604030504040204" pitchFamily="50" charset="-128"/>
+                <a:ea typeface="Meiryo UI" panose="020B0604030504040204" pitchFamily="50" charset="-128"/>
+              </a:rPr>
+              <a:t> </a:t>
+            </a:r>
+            <a:r>
+              <a:rPr lang="en-US" altLang="ja-JP" sz="2400" dirty="0" smtClean="0">
+                <a:latin typeface="Meiryo UI" panose="020B0604030504040204" pitchFamily="50" charset="-128"/>
+                <a:ea typeface="Meiryo UI" panose="020B0604030504040204" pitchFamily="50" charset="-128"/>
+              </a:rPr>
+              <a:t>Jenkins</a:t>
+            </a:r>
+            <a:r>
+              <a:rPr lang="ja-JP" altLang="en-US" sz="2400" dirty="0" smtClean="0">
+                <a:latin typeface="Meiryo UI" panose="020B0604030504040204" pitchFamily="50" charset="-128"/>
+                <a:ea typeface="Meiryo UI" panose="020B0604030504040204" pitchFamily="50" charset="-128"/>
+              </a:rPr>
+              <a:t> の使用方法について今後の課題と考えています。</a:t>
+            </a:r>
+            <a:endParaRPr kumimoji="1" lang="en-US" altLang="ja-JP" sz="2400" dirty="0" smtClean="0">
+              <a:latin typeface="Meiryo UI" panose="020B0604030504040204" pitchFamily="50" charset="-128"/>
+              <a:ea typeface="Meiryo UI" panose="020B0604030504040204" pitchFamily="50" charset="-128"/>
+            </a:endParaRPr>
+          </a:p>
+          <a:p>
+            <a:endParaRPr kumimoji="1" lang="ja-JP" altLang="en-US" sz="2800" dirty="0">
+              <a:latin typeface="Meiryo UI" panose="020B0604030504040204" pitchFamily="50" charset="-128"/>
+              <a:ea typeface="Meiryo UI" panose="020B0604030504040204" pitchFamily="50" charset="-128"/>
+            </a:endParaRPr>
+          </a:p>
+        </p:txBody>
+      </p:sp>
+    </p:spTree>
+    <p:extLst>
+      <p:ext uri="{BB962C8B-B14F-4D97-AF65-F5344CB8AC3E}">
+        <p14:creationId xmlns:p14="http://schemas.microsoft.com/office/powerpoint/2010/main" val="3770391866"/>
+      </p:ext>
+    </p:extLst>
+  </p:cSld>
+  <p:clrMapOvr>
+    <a:masterClrMapping/>
+  </p:clrMapOvr>
+  <p:timing>
+    <p:tnLst>
+      <p:par>
+        <p:cTn id="1" dur="indefinite" restart="never" nodeType="tmRoot"/>
+      </p:par>
+    </p:tnLst>
+  </p:timing>
 </p:sld>
 </file>
 
